--- a/presentations/HTRC-2018/poster-template.pptx
+++ b/presentations/HTRC-2018/poster-template.pptx
@@ -109,7 +109,7 @@
   </p:defaultTextStyle>
   <p:extLst>
     <p:ext uri="{EFAFB233-063F-42B5-8137-9DF3F51BA10A}">
-      <p15:sldGuideLst xmlns:p15="http://schemas.microsoft.com/office/powerpoint/2012/main">
+      <p15:sldGuideLst xmlns:p15="http://schemas.microsoft.com/office/powerpoint/2012/main" xmlns="">
         <p15:guide id="1" orient="horz" pos="6912">
           <p15:clr>
             <a:srgbClr val="A4A3A4"/>
@@ -123,7 +123,7 @@
       </p15:sldGuideLst>
     </p:ext>
     <p:ext uri="{2D200454-40CA-4A62-9FC3-DE9A4176ACB9}">
-      <p15:notesGuideLst xmlns:p15="http://schemas.microsoft.com/office/powerpoint/2012/main">
+      <p15:notesGuideLst xmlns:p15="http://schemas.microsoft.com/office/powerpoint/2012/main" xmlns="">
         <p15:guide id="1" orient="horz" pos="2926">
           <p15:clr>
             <a:srgbClr val="A4A3A4"/>
@@ -222,7 +222,7 @@
           <a:p>
             <a:fld id="{FF66CDD7-09B6-4BB3-9069-2B95837CCCB2}" type="datetimeFigureOut">
               <a:rPr lang="en-US" smtClean="0"/>
-              <a:t>1/8/18</a:t>
+              <a:t>1/9/2018</a:t>
             </a:fld>
             <a:endParaRPr lang="en-US"/>
           </a:p>
@@ -436,7 +436,7 @@
           <a:p>
             <a:fld id="{985D6BDF-9D0E-4E2B-85B8-D8F4790360C9}" type="datetimeFigureOut">
               <a:rPr lang="en-US" smtClean="0"/>
-              <a:t>1/8/18</a:t>
+              <a:t>1/9/2018</a:t>
             </a:fld>
             <a:endParaRPr lang="en-US" dirty="0"/>
           </a:p>
@@ -601,7 +601,7 @@
           <a:p>
             <a:fld id="{985D6BDF-9D0E-4E2B-85B8-D8F4790360C9}" type="datetimeFigureOut">
               <a:rPr lang="en-US" smtClean="0"/>
-              <a:t>1/8/18</a:t>
+              <a:t>1/9/2018</a:t>
             </a:fld>
             <a:endParaRPr lang="en-US" dirty="0"/>
           </a:p>
@@ -776,7 +776,7 @@
           <a:p>
             <a:fld id="{985D6BDF-9D0E-4E2B-85B8-D8F4790360C9}" type="datetimeFigureOut">
               <a:rPr lang="en-US" smtClean="0"/>
-              <a:t>1/8/18</a:t>
+              <a:t>1/9/2018</a:t>
             </a:fld>
             <a:endParaRPr lang="en-US" dirty="0"/>
           </a:p>
@@ -2451,7 +2451,7 @@
           <a:p>
             <a:fld id="{985D6BDF-9D0E-4E2B-85B8-D8F4790360C9}" type="datetimeFigureOut">
               <a:rPr lang="en-US" smtClean="0"/>
-              <a:t>1/8/18</a:t>
+              <a:t>1/9/2018</a:t>
             </a:fld>
             <a:endParaRPr lang="en-US" dirty="0"/>
           </a:p>
@@ -2692,7 +2692,7 @@
           <a:p>
             <a:fld id="{985D6BDF-9D0E-4E2B-85B8-D8F4790360C9}" type="datetimeFigureOut">
               <a:rPr lang="en-US" smtClean="0"/>
-              <a:t>1/8/18</a:t>
+              <a:t>1/9/2018</a:t>
             </a:fld>
             <a:endParaRPr lang="en-US" dirty="0"/>
           </a:p>
@@ -2919,7 +2919,7 @@
           <a:p>
             <a:fld id="{985D6BDF-9D0E-4E2B-85B8-D8F4790360C9}" type="datetimeFigureOut">
               <a:rPr lang="en-US" smtClean="0"/>
-              <a:t>1/8/18</a:t>
+              <a:t>1/9/2018</a:t>
             </a:fld>
             <a:endParaRPr lang="en-US" dirty="0"/>
           </a:p>
@@ -3281,7 +3281,7 @@
           <a:p>
             <a:fld id="{985D6BDF-9D0E-4E2B-85B8-D8F4790360C9}" type="datetimeFigureOut">
               <a:rPr lang="en-US" smtClean="0"/>
-              <a:t>1/8/18</a:t>
+              <a:t>1/9/2018</a:t>
             </a:fld>
             <a:endParaRPr lang="en-US" dirty="0"/>
           </a:p>
@@ -3394,7 +3394,7 @@
           <a:p>
             <a:fld id="{985D6BDF-9D0E-4E2B-85B8-D8F4790360C9}" type="datetimeFigureOut">
               <a:rPr lang="en-US" smtClean="0"/>
-              <a:t>1/8/18</a:t>
+              <a:t>1/9/2018</a:t>
             </a:fld>
             <a:endParaRPr lang="en-US" dirty="0"/>
           </a:p>
@@ -3484,7 +3484,7 @@
           <a:p>
             <a:fld id="{985D6BDF-9D0E-4E2B-85B8-D8F4790360C9}" type="datetimeFigureOut">
               <a:rPr lang="en-US" smtClean="0"/>
-              <a:t>1/8/18</a:t>
+              <a:t>1/9/2018</a:t>
             </a:fld>
             <a:endParaRPr lang="en-US" dirty="0"/>
           </a:p>
@@ -3756,7 +3756,7 @@
           <a:p>
             <a:fld id="{985D6BDF-9D0E-4E2B-85B8-D8F4790360C9}" type="datetimeFigureOut">
               <a:rPr lang="en-US" smtClean="0"/>
-              <a:t>1/8/18</a:t>
+              <a:t>1/9/2018</a:t>
             </a:fld>
             <a:endParaRPr lang="en-US" dirty="0"/>
           </a:p>
@@ -4004,7 +4004,7 @@
           <a:p>
             <a:fld id="{985D6BDF-9D0E-4E2B-85B8-D8F4790360C9}" type="datetimeFigureOut">
               <a:rPr lang="en-US" smtClean="0"/>
-              <a:t>1/8/18</a:t>
+              <a:t>1/9/2018</a:t>
             </a:fld>
             <a:endParaRPr lang="en-US" dirty="0"/>
           </a:p>
@@ -4212,7 +4212,7 @@
           <a:p>
             <a:fld id="{985D6BDF-9D0E-4E2B-85B8-D8F4790360C9}" type="datetimeFigureOut">
               <a:rPr lang="en-US" smtClean="0"/>
-              <a:t>1/8/18</a:t>
+              <a:t>1/9/2018</a:t>
             </a:fld>
             <a:endParaRPr lang="en-US" dirty="0"/>
           </a:p>
@@ -4773,7 +4773,7 @@
           <a:p>
             <a:pPr algn="ctr" eaLnBrk="1" hangingPunct="1"/>
             <a:r>
-              <a:rPr lang="en-US" sz="4800" b="1" dirty="0">
+              <a:rPr lang="en-US" sz="4800" b="1" dirty="0" smtClean="0">
                 <a:solidFill>
                   <a:schemeClr val="accent3">
                     <a:lumMod val="20000"/>
@@ -4782,55 +4782,17 @@
                 </a:solidFill>
                 <a:latin typeface="+mn-lt"/>
               </a:rPr>
-              <a:t>Template Provided By Genigraphics – </a:t>
-            </a:r>
-            <a:r>
-              <a:rPr lang="en-US" sz="4800" b="1" dirty="0" smtClean="0">
-                <a:solidFill>
-                  <a:schemeClr val="accent3">
-                    <a:lumMod val="20000"/>
-                    <a:lumOff val="80000"/>
-                  </a:schemeClr>
-                </a:solidFill>
-                <a:latin typeface="+mn-lt"/>
-              </a:rPr>
-              <a:t>800.790.4001 </a:t>
-            </a:r>
-            <a:r>
-              <a:rPr lang="en-US" sz="4800" b="1" dirty="0">
-                <a:solidFill>
-                  <a:schemeClr val="accent3">
-                    <a:lumMod val="20000"/>
-                    <a:lumOff val="80000"/>
-                  </a:schemeClr>
-                </a:solidFill>
-              </a:rPr>
-              <a:t>– </a:t>
-            </a:r>
-            <a:r>
-              <a:rPr lang="en-US" sz="4800" b="1" dirty="0" smtClean="0">
-                <a:solidFill>
-                  <a:schemeClr val="accent3">
-                    <a:lumMod val="20000"/>
-                    <a:lumOff val="80000"/>
-                  </a:schemeClr>
-                </a:solidFill>
-                <a:latin typeface="+mn-lt"/>
-              </a:rPr>
-              <a:t>Replace </a:t>
-            </a:r>
-            <a:r>
-              <a:rPr lang="en-US" sz="4800" b="1" dirty="0">
-                <a:solidFill>
-                  <a:schemeClr val="accent3">
-                    <a:lumMod val="20000"/>
-                    <a:lumOff val="80000"/>
-                  </a:schemeClr>
-                </a:solidFill>
-                <a:latin typeface="+mn-lt"/>
-              </a:rPr>
-              <a:t>This Text With Your Title</a:t>
-            </a:r>
+              <a:t>Phylogenetic Analysis of Ancient Lexical Lists</a:t>
+            </a:r>
+            <a:endParaRPr lang="en-US" sz="4800" b="1" dirty="0">
+              <a:solidFill>
+                <a:schemeClr val="accent3">
+                  <a:lumMod val="20000"/>
+                  <a:lumOff val="80000"/>
+                </a:schemeClr>
+              </a:solidFill>
+              <a:latin typeface="+mn-lt"/>
+            </a:endParaRPr>
           </a:p>
         </p:txBody>
       </p:sp>
@@ -4987,7 +4949,7 @@
           <a:p>
             <a:pPr algn="ctr" eaLnBrk="1" hangingPunct="1"/>
             <a:r>
-              <a:rPr lang="en-US" sz="2800" dirty="0">
+              <a:rPr lang="en-US" sz="2800" dirty="0" smtClean="0">
                 <a:solidFill>
                   <a:schemeClr val="accent3">
                     <a:lumMod val="20000"/>
@@ -4996,119 +4958,17 @@
                 </a:solidFill>
                 <a:latin typeface="+mn-lt"/>
               </a:rPr>
-              <a:t>John Smith, MD</a:t>
-            </a:r>
-            <a:r>
-              <a:rPr lang="en-US" sz="2800" baseline="30000" dirty="0">
-                <a:solidFill>
-                  <a:schemeClr val="accent3">
-                    <a:lumMod val="20000"/>
-                    <a:lumOff val="80000"/>
-                  </a:schemeClr>
-                </a:solidFill>
-                <a:latin typeface="+mn-lt"/>
-              </a:rPr>
-              <a:t>1</a:t>
-            </a:r>
-            <a:r>
-              <a:rPr lang="en-US" sz="2800" dirty="0">
-                <a:solidFill>
-                  <a:schemeClr val="accent3">
-                    <a:lumMod val="20000"/>
-                    <a:lumOff val="80000"/>
-                  </a:schemeClr>
-                </a:solidFill>
-                <a:latin typeface="+mn-lt"/>
-              </a:rPr>
-              <a:t>; Jane Doe, PhD</a:t>
-            </a:r>
-            <a:r>
-              <a:rPr lang="en-US" sz="2800" baseline="30000" dirty="0">
-                <a:solidFill>
-                  <a:schemeClr val="accent3">
-                    <a:lumMod val="20000"/>
-                    <a:lumOff val="80000"/>
-                  </a:schemeClr>
-                </a:solidFill>
-                <a:latin typeface="+mn-lt"/>
-              </a:rPr>
-              <a:t>2</a:t>
-            </a:r>
-            <a:r>
-              <a:rPr lang="en-US" sz="2800" dirty="0">
-                <a:solidFill>
-                  <a:schemeClr val="accent3">
-                    <a:lumMod val="20000"/>
-                    <a:lumOff val="80000"/>
-                  </a:schemeClr>
-                </a:solidFill>
-                <a:latin typeface="+mn-lt"/>
-              </a:rPr>
-              <a:t>; Frederick Jones, MD, PhD</a:t>
-            </a:r>
-            <a:r>
-              <a:rPr lang="en-US" sz="2800" baseline="30000" dirty="0">
-                <a:solidFill>
-                  <a:schemeClr val="accent3">
-                    <a:lumMod val="20000"/>
-                    <a:lumOff val="80000"/>
-                  </a:schemeClr>
-                </a:solidFill>
-                <a:latin typeface="+mn-lt"/>
-              </a:rPr>
-              <a:t>1,2</a:t>
-            </a:r>
-          </a:p>
-          <a:p>
-            <a:pPr algn="ctr" eaLnBrk="1" hangingPunct="1"/>
-            <a:r>
-              <a:rPr lang="en-US" sz="2800" baseline="30000" dirty="0">
-                <a:solidFill>
-                  <a:schemeClr val="accent3">
-                    <a:lumMod val="20000"/>
-                    <a:lumOff val="80000"/>
-                  </a:schemeClr>
-                </a:solidFill>
-                <a:latin typeface="+mn-lt"/>
-              </a:rPr>
-              <a:t>1</a:t>
-            </a:r>
-            <a:r>
-              <a:rPr lang="en-US" sz="2800" dirty="0">
-                <a:solidFill>
-                  <a:schemeClr val="accent3">
-                    <a:lumMod val="20000"/>
-                    <a:lumOff val="80000"/>
-                  </a:schemeClr>
-                </a:solidFill>
-                <a:latin typeface="+mn-lt"/>
-              </a:rPr>
-              <a:t>University of Affiliation, </a:t>
-            </a:r>
-            <a:r>
-              <a:rPr lang="en-US" sz="2800" baseline="30000" dirty="0">
-                <a:solidFill>
-                  <a:schemeClr val="accent3">
-                    <a:lumMod val="20000"/>
-                    <a:lumOff val="80000"/>
-                  </a:schemeClr>
-                </a:solidFill>
-                <a:latin typeface="+mn-lt"/>
-              </a:rPr>
-              <a:t>2</a:t>
-            </a:r>
-            <a:r>
-              <a:rPr lang="en-US" sz="2800" dirty="0">
-                <a:solidFill>
-                  <a:schemeClr val="accent3">
-                    <a:lumMod val="20000"/>
-                    <a:lumOff val="80000"/>
-                  </a:schemeClr>
-                </a:solidFill>
-                <a:latin typeface="+mn-lt"/>
-              </a:rPr>
-              <a:t>Medical Center of Affiliation</a:t>
-            </a:r>
+              <a:t>Erin Becker, Software Carpentry;  Niek Veldhuis, UC Berkeley, Department of Near Eastern Studies</a:t>
+            </a:r>
+            <a:endParaRPr lang="en-US" sz="2800" baseline="30000" dirty="0">
+              <a:solidFill>
+                <a:schemeClr val="accent3">
+                  <a:lumMod val="20000"/>
+                  <a:lumOff val="80000"/>
+                </a:schemeClr>
+              </a:solidFill>
+              <a:latin typeface="+mn-lt"/>
+            </a:endParaRPr>
           </a:p>
         </p:txBody>
       </p:sp>
@@ -5369,7 +5229,7 @@
         <p:spPr bwMode="auto">
           <a:xfrm>
             <a:off x="1097280" y="3657600"/>
-            <a:ext cx="9875520" cy="505573"/>
+            <a:ext cx="9875520" cy="8199988"/>
           </a:xfrm>
           <a:prstGeom prst="rect">
             <a:avLst/>
@@ -5490,6 +5350,213 @@
           </a:lstStyle>
           <a:p>
             <a:pPr eaLnBrk="1" hangingPunct="1"/>
+            <a:r>
+              <a:rPr lang="en-US" sz="2000" dirty="0" smtClean="0">
+                <a:latin typeface="Calibri" pitchFamily="34" charset="0"/>
+              </a:rPr>
+              <a:t>Lexical lists:</a:t>
+            </a:r>
+          </a:p>
+          <a:p>
+            <a:pPr marL="800100" lvl="1" indent="-342900" eaLnBrk="1" hangingPunct="1">
+              <a:buFontTx/>
+              <a:buChar char="-"/>
+            </a:pPr>
+            <a:r>
+              <a:rPr lang="en-US" sz="2000" dirty="0">
+                <a:latin typeface="Calibri" pitchFamily="34" charset="0"/>
+              </a:rPr>
+              <a:t>L</a:t>
+            </a:r>
+            <a:r>
+              <a:rPr lang="en-US" sz="2000" dirty="0" smtClean="0">
+                <a:latin typeface="Calibri" pitchFamily="34" charset="0"/>
+              </a:rPr>
+              <a:t>ists of Sumerian words, documenting a dead language</a:t>
+            </a:r>
+          </a:p>
+          <a:p>
+            <a:pPr marL="800100" lvl="1" indent="-342900" eaLnBrk="1" hangingPunct="1">
+              <a:buFontTx/>
+              <a:buChar char="-"/>
+            </a:pPr>
+            <a:r>
+              <a:rPr lang="en-US" sz="2000" dirty="0" smtClean="0">
+                <a:latin typeface="Calibri" pitchFamily="34" charset="0"/>
+              </a:rPr>
+              <a:t>Written in cuneiform on clay tablets</a:t>
+            </a:r>
+          </a:p>
+          <a:p>
+            <a:pPr marL="800100" lvl="1" indent="-342900" eaLnBrk="1" hangingPunct="1">
+              <a:buFontTx/>
+              <a:buChar char="-"/>
+            </a:pPr>
+            <a:r>
+              <a:rPr lang="en-US" sz="2000" dirty="0" smtClean="0">
+                <a:latin typeface="Calibri" pitchFamily="34" charset="0"/>
+              </a:rPr>
+              <a:t>Used in scribal education</a:t>
+            </a:r>
+          </a:p>
+          <a:p>
+            <a:pPr marL="800100" lvl="1" indent="-342900" eaLnBrk="1" hangingPunct="1">
+              <a:buFontTx/>
+              <a:buChar char="-"/>
+            </a:pPr>
+            <a:r>
+              <a:rPr lang="en-US" sz="2000" dirty="0" smtClean="0">
+                <a:latin typeface="Calibri" pitchFamily="34" charset="0"/>
+              </a:rPr>
+              <a:t>Often thematic (lists of trees, wooden objects, animals, foods)</a:t>
+            </a:r>
+          </a:p>
+          <a:p>
+            <a:pPr eaLnBrk="1" hangingPunct="1"/>
+            <a:endParaRPr lang="en-US" sz="2000" dirty="0">
+              <a:latin typeface="Calibri" pitchFamily="34" charset="0"/>
+            </a:endParaRPr>
+          </a:p>
+          <a:p>
+            <a:pPr eaLnBrk="1" hangingPunct="1"/>
+            <a:r>
+              <a:rPr lang="en-US" sz="2000" dirty="0" smtClean="0">
+                <a:latin typeface="Calibri" pitchFamily="34" charset="0"/>
+              </a:rPr>
+              <a:t>Versions:</a:t>
+            </a:r>
+          </a:p>
+          <a:p>
+            <a:pPr marL="800100" lvl="1" indent="-342900" eaLnBrk="1" hangingPunct="1">
+              <a:buFontTx/>
+              <a:buChar char="-"/>
+            </a:pPr>
+            <a:r>
+              <a:rPr lang="en-US" sz="2000" dirty="0" smtClean="0">
+                <a:latin typeface="Calibri" pitchFamily="34" charset="0"/>
+              </a:rPr>
+              <a:t>Lists continuously change: insertions, deletions, reorganization</a:t>
+            </a:r>
+          </a:p>
+          <a:p>
+            <a:pPr eaLnBrk="1" hangingPunct="1"/>
+            <a:endParaRPr lang="en-US" sz="2000" dirty="0">
+              <a:latin typeface="Calibri" pitchFamily="34" charset="0"/>
+            </a:endParaRPr>
+          </a:p>
+          <a:p>
+            <a:pPr eaLnBrk="1" hangingPunct="1"/>
+            <a:r>
+              <a:rPr lang="en-US" sz="2000" dirty="0" smtClean="0">
+                <a:latin typeface="Calibri" pitchFamily="34" charset="0"/>
+              </a:rPr>
+              <a:t>Chronology:</a:t>
+            </a:r>
+          </a:p>
+          <a:p>
+            <a:pPr marL="800100" lvl="1" indent="-342900" eaLnBrk="1" hangingPunct="1">
+              <a:buFontTx/>
+              <a:buChar char="-"/>
+            </a:pPr>
+            <a:r>
+              <a:rPr lang="en-US" sz="2000" dirty="0" smtClean="0">
+                <a:latin typeface="Calibri" pitchFamily="34" charset="0"/>
+              </a:rPr>
+              <a:t>Old Babylonian (1900-1600BCE) </a:t>
+            </a:r>
+          </a:p>
+          <a:p>
+            <a:pPr marL="800100" lvl="1" indent="-342900" eaLnBrk="1" hangingPunct="1">
+              <a:buFontTx/>
+              <a:buChar char="-"/>
+            </a:pPr>
+            <a:r>
+              <a:rPr lang="en-US" sz="2000" dirty="0" smtClean="0">
+                <a:latin typeface="Calibri" pitchFamily="34" charset="0"/>
+              </a:rPr>
+              <a:t>Middle Babylonian (1500-1200BCE)</a:t>
+            </a:r>
+          </a:p>
+          <a:p>
+            <a:pPr eaLnBrk="1" hangingPunct="1"/>
+            <a:endParaRPr lang="en-US" sz="2000" dirty="0">
+              <a:latin typeface="Calibri" pitchFamily="34" charset="0"/>
+            </a:endParaRPr>
+          </a:p>
+          <a:p>
+            <a:pPr eaLnBrk="1" hangingPunct="1"/>
+            <a:r>
+              <a:rPr lang="en-US" sz="2000" dirty="0" smtClean="0">
+                <a:latin typeface="Calibri" pitchFamily="34" charset="0"/>
+              </a:rPr>
+              <a:t>Geography:</a:t>
+            </a:r>
+          </a:p>
+          <a:p>
+            <a:pPr marL="800100" lvl="1" indent="-342900" eaLnBrk="1" hangingPunct="1">
+              <a:buFontTx/>
+              <a:buChar char="-"/>
+            </a:pPr>
+            <a:r>
+              <a:rPr lang="en-US" sz="2000" dirty="0" smtClean="0">
+                <a:latin typeface="Calibri" pitchFamily="34" charset="0"/>
+              </a:rPr>
+              <a:t>Old Babylonian: Babylonia (Southern Iraq)</a:t>
+            </a:r>
+          </a:p>
+          <a:p>
+            <a:pPr marL="800100" lvl="1" indent="-342900" eaLnBrk="1" hangingPunct="1">
+              <a:buFontTx/>
+              <a:buChar char="-"/>
+            </a:pPr>
+            <a:r>
+              <a:rPr lang="en-US" sz="2000" dirty="0" smtClean="0">
+                <a:latin typeface="Calibri" pitchFamily="34" charset="0"/>
+              </a:rPr>
+              <a:t>Middle Babylonian: Babylonia; Syria; and Anatolia</a:t>
+            </a:r>
+          </a:p>
+          <a:p>
+            <a:pPr indent="-285750" eaLnBrk="1" hangingPunct="1"/>
+            <a:endParaRPr lang="en-US" sz="2000" dirty="0">
+              <a:latin typeface="Calibri" pitchFamily="34" charset="0"/>
+            </a:endParaRPr>
+          </a:p>
+          <a:p>
+            <a:pPr indent="285750" eaLnBrk="1" hangingPunct="1"/>
+            <a:r>
+              <a:rPr lang="en-US" sz="2000" dirty="0" smtClean="0">
+                <a:latin typeface="Calibri" pitchFamily="34" charset="0"/>
+              </a:rPr>
+              <a:t>Lists of trees, wooden objects, animals, meat cuts, professions, metal objects, etc. were transmitted over many centuries. Like genomes, these lists continuously changed by adding new entries, omitting entries, or by changing the order of entries. Lists are organized in </a:t>
+            </a:r>
+            <a:r>
+              <a:rPr lang="en-US" sz="2000" i="1" dirty="0" smtClean="0">
+                <a:latin typeface="Calibri" pitchFamily="34" charset="0"/>
+              </a:rPr>
+              <a:t>sections</a:t>
+            </a:r>
+            <a:r>
+              <a:rPr lang="en-US" sz="2000" dirty="0" smtClean="0">
+                <a:latin typeface="Calibri" pitchFamily="34" charset="0"/>
+              </a:rPr>
+              <a:t>; each section includes related words (for instance: parts of a chariot). The order of sections also changes over time.</a:t>
+            </a:r>
+          </a:p>
+          <a:p>
+            <a:pPr indent="285750" eaLnBrk="1" hangingPunct="1"/>
+            <a:r>
+              <a:rPr lang="en-US" sz="2000" dirty="0" smtClean="0">
+                <a:latin typeface="Calibri" pitchFamily="34" charset="0"/>
+              </a:rPr>
+              <a:t>Scholars will asses the relationship between two versions of a lexical text by looking at presence/absence of entries; order of entries within a section and order of sections within the entire text.</a:t>
+            </a:r>
+          </a:p>
+          <a:p>
+            <a:pPr marL="800100" lvl="1" indent="-342900" eaLnBrk="1" hangingPunct="1">
+              <a:buFontTx/>
+              <a:buChar char="-"/>
+            </a:pPr>
             <a:endParaRPr lang="en-US" sz="2000" dirty="0">
               <a:latin typeface="Calibri" pitchFamily="34" charset="0"/>
             </a:endParaRPr>
@@ -6786,7 +6853,7 @@
   <a:extraClrSchemeLst/>
   <a:extLst>
     <a:ext uri="{05A4C25C-085E-4340-85A3-A5531E510DB2}">
-      <thm15:themeFamily xmlns:thm15="http://schemas.microsoft.com/office/thememl/2012/main" name="Office Theme" id="{62F939B6-93AF-4DB8-9C6B-D6C7DFDC589F}" vid="{4A3C46E8-61CC-4603-A589-7422A47A8E4A}"/>
+      <thm15:themeFamily xmlns:thm15="http://schemas.microsoft.com/office/thememl/2012/main" xmlns="" name="Office Theme" id="{62F939B6-93AF-4DB8-9C6B-D6C7DFDC589F}" vid="{4A3C46E8-61CC-4603-A589-7422A47A8E4A}"/>
     </a:ext>
   </a:extLst>
 </a:theme>

--- a/presentations/HTRC-2018/poster-template.pptx
+++ b/presentations/HTRC-2018/poster-template.pptx
@@ -109,7 +109,7 @@
   </p:defaultTextStyle>
   <p:extLst>
     <p:ext uri="{EFAFB233-063F-42B5-8137-9DF3F51BA10A}">
-      <p15:sldGuideLst xmlns:p15="http://schemas.microsoft.com/office/powerpoint/2012/main" xmlns="">
+      <p15:sldGuideLst xmlns="" xmlns:p15="http://schemas.microsoft.com/office/powerpoint/2012/main">
         <p15:guide id="1" orient="horz" pos="6912">
           <p15:clr>
             <a:srgbClr val="A4A3A4"/>
@@ -123,7 +123,7 @@
       </p15:sldGuideLst>
     </p:ext>
     <p:ext uri="{2D200454-40CA-4A62-9FC3-DE9A4176ACB9}">
-      <p15:notesGuideLst xmlns:p15="http://schemas.microsoft.com/office/powerpoint/2012/main" xmlns="">
+      <p15:notesGuideLst xmlns="" xmlns:p15="http://schemas.microsoft.com/office/powerpoint/2012/main">
         <p15:guide id="1" orient="horz" pos="2926">
           <p15:clr>
             <a:srgbClr val="A4A3A4"/>
@@ -4618,6 +4618,70 @@
           <a:chExt cx="0" cy="0"/>
         </a:xfrm>
       </p:grpSpPr>
+      <p:pic>
+        <p:nvPicPr>
+          <p:cNvPr id="1027" name="Picture 3"/>
+          <p:cNvPicPr>
+            <a:picLocks noChangeAspect="1" noChangeArrowheads="1"/>
+          </p:cNvPicPr>
+          <p:nvPr/>
+        </p:nvPicPr>
+        <p:blipFill>
+          <a:blip r:embed="rId2">
+            <a:extLst>
+              <a:ext uri="{28A0092B-C50C-407E-A947-70E740481C1C}">
+                <a14:useLocalDpi xmlns:a14="http://schemas.microsoft.com/office/drawing/2010/main" val="0"/>
+              </a:ext>
+            </a:extLst>
+          </a:blip>
+          <a:srcRect/>
+          <a:stretch>
+            <a:fillRect/>
+          </a:stretch>
+        </p:blipFill>
+        <p:spPr bwMode="auto">
+          <a:xfrm>
+            <a:off x="1143000" y="4139134"/>
+            <a:ext cx="9820922" cy="5766865"/>
+          </a:xfrm>
+          <a:prstGeom prst="rect">
+            <a:avLst/>
+          </a:prstGeom>
+          <a:noFill/>
+          <a:ln>
+            <a:noFill/>
+          </a:ln>
+          <a:effectLst/>
+          <a:extLst>
+            <a:ext uri="{909E8E84-426E-40DD-AFC4-6F175D3DCCD1}">
+              <a14:hiddenFill xmlns:a14="http://schemas.microsoft.com/office/drawing/2010/main">
+                <a:solidFill>
+                  <a:schemeClr val="accent1"/>
+                </a:solidFill>
+              </a14:hiddenFill>
+            </a:ext>
+            <a:ext uri="{91240B29-F687-4F45-9708-019B960494DF}">
+              <a14:hiddenLine xmlns:a14="http://schemas.microsoft.com/office/drawing/2010/main" w="9525">
+                <a:solidFill>
+                  <a:schemeClr val="tx1"/>
+                </a:solidFill>
+                <a:miter lim="800000"/>
+                <a:headEnd/>
+                <a:tailEnd/>
+              </a14:hiddenLine>
+            </a:ext>
+            <a:ext uri="{AF507438-7753-43E0-B8FC-AC1667EBCBE1}">
+              <a14:hiddenEffects xmlns:a14="http://schemas.microsoft.com/office/drawing/2010/main">
+                <a:effectLst>
+                  <a:outerShdw dist="35921" dir="2700000" algn="ctr" rotWithShape="0">
+                    <a:schemeClr val="bg2"/>
+                  </a:outerShdw>
+                </a:effectLst>
+              </a14:hiddenEffects>
+            </a:ext>
+          </a:extLst>
+        </p:spPr>
+      </p:pic>
       <p:sp>
         <p:nvSpPr>
           <p:cNvPr id="4" name="Text Box 122"/>
@@ -5234,9 +5298,7 @@
           <a:prstGeom prst="rect">
             <a:avLst/>
           </a:prstGeom>
-          <a:solidFill>
-            <a:schemeClr val="bg1"/>
-          </a:solidFill>
+          <a:noFill/>
           <a:ln w="12700">
             <a:solidFill>
               <a:schemeClr val="accent1">
@@ -6248,7 +6310,7 @@
         <p:spPr bwMode="auto">
           <a:xfrm>
             <a:off x="1086394" y="12708711"/>
-            <a:ext cx="9875520" cy="505573"/>
+            <a:ext cx="9875520" cy="1736680"/>
           </a:xfrm>
           <a:prstGeom prst="rect">
             <a:avLst/>
@@ -6369,6 +6431,40 @@
           </a:lstStyle>
           <a:p>
             <a:pPr eaLnBrk="1" hangingPunct="1"/>
+            <a:r>
+              <a:rPr lang="en-US" sz="2000" dirty="0" smtClean="0">
+                <a:latin typeface="+mn-lt"/>
+              </a:rPr>
+              <a:t>Lexical lists and other cuneiform texts are published in transliteration on ORACC (Open Richly Annotated Cuneiform Corpus; </a:t>
+            </a:r>
+            <a:r>
+              <a:rPr lang="en-US" sz="2000" dirty="0" smtClean="0">
+                <a:latin typeface="+mn-lt"/>
+                <a:hlinkClick r:id="rId3"/>
+              </a:rPr>
+              <a:t>http://oracc.org</a:t>
+            </a:r>
+            <a:r>
+              <a:rPr lang="en-US" sz="2000" dirty="0" smtClean="0">
+                <a:latin typeface="+mn-lt"/>
+              </a:rPr>
+              <a:t>). ORACC data are made available in JSON format.</a:t>
+            </a:r>
+          </a:p>
+          <a:p>
+            <a:pPr eaLnBrk="1" hangingPunct="1"/>
+            <a:endParaRPr lang="en-US" sz="2000" dirty="0">
+              <a:latin typeface="+mn-lt"/>
+            </a:endParaRPr>
+          </a:p>
+          <a:p>
+            <a:pPr lvl="1" eaLnBrk="1" hangingPunct="1"/>
+            <a:r>
+              <a:rPr lang="en-US" sz="2000" dirty="0" smtClean="0">
+                <a:latin typeface="+mn-lt"/>
+              </a:rPr>
+              <a:t>- DTM (Document-Term Matrix</a:t>
+            </a:r>
             <a:endParaRPr lang="en-US" sz="2000" dirty="0">
               <a:latin typeface="+mn-lt"/>
             </a:endParaRPr>
@@ -6457,7 +6553,7 @@
             <a:avLst/>
           </a:prstGeom>
           <a:blipFill dpi="0" rotWithShape="1">
-            <a:blip r:embed="rId2">
+            <a:blip r:embed="rId4">
               <a:lum bright="70000" contrast="-70000"/>
             </a:blip>
             <a:srcRect/>
@@ -6526,7 +6622,7 @@
             <a:avLst/>
           </a:prstGeom>
           <a:blipFill dpi="0" rotWithShape="1">
-            <a:blip r:embed="rId2">
+            <a:blip r:embed="rId4">
               <a:lum bright="70000" contrast="-70000"/>
             </a:blip>
             <a:srcRect/>
@@ -6578,6 +6674,70 @@
           </a:p>
         </p:txBody>
       </p:sp>
+      <p:pic>
+        <p:nvPicPr>
+          <p:cNvPr id="1031" name="Picture 7"/>
+          <p:cNvPicPr>
+            <a:picLocks noChangeAspect="1" noChangeArrowheads="1"/>
+          </p:cNvPicPr>
+          <p:nvPr/>
+        </p:nvPicPr>
+        <p:blipFill>
+          <a:blip r:embed="rId5">
+            <a:extLst>
+              <a:ext uri="{28A0092B-C50C-407E-A947-70E740481C1C}">
+                <a14:useLocalDpi xmlns:a14="http://schemas.microsoft.com/office/drawing/2010/main" val="0"/>
+              </a:ext>
+            </a:extLst>
+          </a:blip>
+          <a:srcRect/>
+          <a:stretch>
+            <a:fillRect/>
+          </a:stretch>
+        </p:blipFill>
+        <p:spPr bwMode="auto">
+          <a:xfrm>
+            <a:off x="8533039" y="4038600"/>
+            <a:ext cx="2428875" cy="1257300"/>
+          </a:xfrm>
+          <a:prstGeom prst="rect">
+            <a:avLst/>
+          </a:prstGeom>
+          <a:noFill/>
+          <a:ln>
+            <a:noFill/>
+          </a:ln>
+          <a:effectLst/>
+          <a:extLst>
+            <a:ext uri="{909E8E84-426E-40DD-AFC4-6F175D3DCCD1}">
+              <a14:hiddenFill xmlns:a14="http://schemas.microsoft.com/office/drawing/2010/main">
+                <a:solidFill>
+                  <a:schemeClr val="accent1"/>
+                </a:solidFill>
+              </a14:hiddenFill>
+            </a:ext>
+            <a:ext uri="{91240B29-F687-4F45-9708-019B960494DF}">
+              <a14:hiddenLine xmlns:a14="http://schemas.microsoft.com/office/drawing/2010/main" w="9525">
+                <a:solidFill>
+                  <a:schemeClr val="tx1"/>
+                </a:solidFill>
+                <a:miter lim="800000"/>
+                <a:headEnd/>
+                <a:tailEnd/>
+              </a14:hiddenLine>
+            </a:ext>
+            <a:ext uri="{AF507438-7753-43E0-B8FC-AC1667EBCBE1}">
+              <a14:hiddenEffects xmlns:a14="http://schemas.microsoft.com/office/drawing/2010/main">
+                <a:effectLst>
+                  <a:outerShdw dist="35921" dir="2700000" algn="ctr" rotWithShape="0">
+                    <a:schemeClr val="bg2"/>
+                  </a:outerShdw>
+                </a:effectLst>
+              </a14:hiddenEffects>
+            </a:ext>
+          </a:extLst>
+        </p:spPr>
+      </p:pic>
     </p:spTree>
     <p:extLst>
       <p:ext uri="{BB962C8B-B14F-4D97-AF65-F5344CB8AC3E}">
@@ -6853,7 +7013,7 @@
   <a:extraClrSchemeLst/>
   <a:extLst>
     <a:ext uri="{05A4C25C-085E-4340-85A3-A5531E510DB2}">
-      <thm15:themeFamily xmlns:thm15="http://schemas.microsoft.com/office/thememl/2012/main" xmlns="" name="Office Theme" id="{62F939B6-93AF-4DB8-9C6B-D6C7DFDC589F}" vid="{4A3C46E8-61CC-4603-A589-7422A47A8E4A}"/>
+      <thm15:themeFamily xmlns="" xmlns:thm15="http://schemas.microsoft.com/office/thememl/2012/main" name="Office Theme" id="{62F939B6-93AF-4DB8-9C6B-D6C7DFDC589F}" vid="{4A3C46E8-61CC-4603-A589-7422A47A8E4A}"/>
     </a:ext>
   </a:extLst>
 </a:theme>

--- a/presentations/HTRC-2018/poster-template.pptx
+++ b/presentations/HTRC-2018/poster-template.pptx
@@ -109,7 +109,7 @@
   </p:defaultTextStyle>
   <p:extLst>
     <p:ext uri="{EFAFB233-063F-42B5-8137-9DF3F51BA10A}">
-      <p15:sldGuideLst xmlns="" xmlns:p15="http://schemas.microsoft.com/office/powerpoint/2012/main">
+      <p15:sldGuideLst xmlns:p15="http://schemas.microsoft.com/office/powerpoint/2012/main" xmlns="">
         <p15:guide id="1" orient="horz" pos="6912">
           <p15:clr>
             <a:srgbClr val="A4A3A4"/>
@@ -123,7 +123,7 @@
       </p15:sldGuideLst>
     </p:ext>
     <p:ext uri="{2D200454-40CA-4A62-9FC3-DE9A4176ACB9}">
-      <p15:notesGuideLst xmlns="" xmlns:p15="http://schemas.microsoft.com/office/powerpoint/2012/main">
+      <p15:notesGuideLst xmlns:p15="http://schemas.microsoft.com/office/powerpoint/2012/main" xmlns="">
         <p15:guide id="1" orient="horz" pos="2926">
           <p15:clr>
             <a:srgbClr val="A4A3A4"/>
@@ -222,7 +222,7 @@
           <a:p>
             <a:fld id="{FF66CDD7-09B6-4BB3-9069-2B95837CCCB2}" type="datetimeFigureOut">
               <a:rPr lang="en-US" smtClean="0"/>
-              <a:t>1/9/2018</a:t>
+              <a:t>1/11/2018</a:t>
             </a:fld>
             <a:endParaRPr lang="en-US"/>
           </a:p>
@@ -436,7 +436,7 @@
           <a:p>
             <a:fld id="{985D6BDF-9D0E-4E2B-85B8-D8F4790360C9}" type="datetimeFigureOut">
               <a:rPr lang="en-US" smtClean="0"/>
-              <a:t>1/9/2018</a:t>
+              <a:t>1/11/2018</a:t>
             </a:fld>
             <a:endParaRPr lang="en-US" dirty="0"/>
           </a:p>
@@ -601,7 +601,7 @@
           <a:p>
             <a:fld id="{985D6BDF-9D0E-4E2B-85B8-D8F4790360C9}" type="datetimeFigureOut">
               <a:rPr lang="en-US" smtClean="0"/>
-              <a:t>1/9/2018</a:t>
+              <a:t>1/11/2018</a:t>
             </a:fld>
             <a:endParaRPr lang="en-US" dirty="0"/>
           </a:p>
@@ -776,7 +776,7 @@
           <a:p>
             <a:fld id="{985D6BDF-9D0E-4E2B-85B8-D8F4790360C9}" type="datetimeFigureOut">
               <a:rPr lang="en-US" smtClean="0"/>
-              <a:t>1/9/2018</a:t>
+              <a:t>1/11/2018</a:t>
             </a:fld>
             <a:endParaRPr lang="en-US" dirty="0"/>
           </a:p>
@@ -2451,7 +2451,7 @@
           <a:p>
             <a:fld id="{985D6BDF-9D0E-4E2B-85B8-D8F4790360C9}" type="datetimeFigureOut">
               <a:rPr lang="en-US" smtClean="0"/>
-              <a:t>1/9/2018</a:t>
+              <a:t>1/11/2018</a:t>
             </a:fld>
             <a:endParaRPr lang="en-US" dirty="0"/>
           </a:p>
@@ -2692,7 +2692,7 @@
           <a:p>
             <a:fld id="{985D6BDF-9D0E-4E2B-85B8-D8F4790360C9}" type="datetimeFigureOut">
               <a:rPr lang="en-US" smtClean="0"/>
-              <a:t>1/9/2018</a:t>
+              <a:t>1/11/2018</a:t>
             </a:fld>
             <a:endParaRPr lang="en-US" dirty="0"/>
           </a:p>
@@ -2919,7 +2919,7 @@
           <a:p>
             <a:fld id="{985D6BDF-9D0E-4E2B-85B8-D8F4790360C9}" type="datetimeFigureOut">
               <a:rPr lang="en-US" smtClean="0"/>
-              <a:t>1/9/2018</a:t>
+              <a:t>1/11/2018</a:t>
             </a:fld>
             <a:endParaRPr lang="en-US" dirty="0"/>
           </a:p>
@@ -3281,7 +3281,7 @@
           <a:p>
             <a:fld id="{985D6BDF-9D0E-4E2B-85B8-D8F4790360C9}" type="datetimeFigureOut">
               <a:rPr lang="en-US" smtClean="0"/>
-              <a:t>1/9/2018</a:t>
+              <a:t>1/11/2018</a:t>
             </a:fld>
             <a:endParaRPr lang="en-US" dirty="0"/>
           </a:p>
@@ -3394,7 +3394,7 @@
           <a:p>
             <a:fld id="{985D6BDF-9D0E-4E2B-85B8-D8F4790360C9}" type="datetimeFigureOut">
               <a:rPr lang="en-US" smtClean="0"/>
-              <a:t>1/9/2018</a:t>
+              <a:t>1/11/2018</a:t>
             </a:fld>
             <a:endParaRPr lang="en-US" dirty="0"/>
           </a:p>
@@ -3484,7 +3484,7 @@
           <a:p>
             <a:fld id="{985D6BDF-9D0E-4E2B-85B8-D8F4790360C9}" type="datetimeFigureOut">
               <a:rPr lang="en-US" smtClean="0"/>
-              <a:t>1/9/2018</a:t>
+              <a:t>1/11/2018</a:t>
             </a:fld>
             <a:endParaRPr lang="en-US" dirty="0"/>
           </a:p>
@@ -3756,7 +3756,7 @@
           <a:p>
             <a:fld id="{985D6BDF-9D0E-4E2B-85B8-D8F4790360C9}" type="datetimeFigureOut">
               <a:rPr lang="en-US" smtClean="0"/>
-              <a:t>1/9/2018</a:t>
+              <a:t>1/11/2018</a:t>
             </a:fld>
             <a:endParaRPr lang="en-US" dirty="0"/>
           </a:p>
@@ -4004,7 +4004,7 @@
           <a:p>
             <a:fld id="{985D6BDF-9D0E-4E2B-85B8-D8F4790360C9}" type="datetimeFigureOut">
               <a:rPr lang="en-US" smtClean="0"/>
-              <a:t>1/9/2018</a:t>
+              <a:t>1/11/2018</a:t>
             </a:fld>
             <a:endParaRPr lang="en-US" dirty="0"/>
           </a:p>
@@ -4212,7 +4212,7 @@
           <a:p>
             <a:fld id="{985D6BDF-9D0E-4E2B-85B8-D8F4790360C9}" type="datetimeFigureOut">
               <a:rPr lang="en-US" smtClean="0"/>
-              <a:t>1/9/2018</a:t>
+              <a:t>1/11/2018</a:t>
             </a:fld>
             <a:endParaRPr lang="en-US" dirty="0"/>
           </a:p>
@@ -5022,7 +5022,31 @@
                 </a:solidFill>
                 <a:latin typeface="+mn-lt"/>
               </a:rPr>
-              <a:t>Erin Becker, Software Carpentry;  Niek Veldhuis, UC Berkeley, Department of Near Eastern Studies</a:t>
+              <a:t>Erin Becker, Software </a:t>
+            </a:r>
+            <a:r>
+              <a:rPr lang="en-US" sz="2800" dirty="0" smtClean="0">
+                <a:solidFill>
+                  <a:schemeClr val="accent3">
+                    <a:lumMod val="20000"/>
+                    <a:lumOff val="80000"/>
+                  </a:schemeClr>
+                </a:solidFill>
+                <a:latin typeface="+mn-lt"/>
+              </a:rPr>
+              <a:t>Carpentry and  </a:t>
+            </a:r>
+            <a:r>
+              <a:rPr lang="en-US" sz="2800" dirty="0" smtClean="0">
+                <a:solidFill>
+                  <a:schemeClr val="accent3">
+                    <a:lumMod val="20000"/>
+                    <a:lumOff val="80000"/>
+                  </a:schemeClr>
+                </a:solidFill>
+                <a:latin typeface="+mn-lt"/>
+              </a:rPr>
+              <a:t>Niek Veldhuis, UC Berkeley, Department of Near Eastern Studies</a:t>
             </a:r>
             <a:endParaRPr lang="en-US" sz="2800" baseline="30000" dirty="0">
               <a:solidFill>
@@ -5512,8 +5536,19 @@
               <a:rPr lang="en-US" sz="2000" dirty="0" smtClean="0">
                 <a:latin typeface="Calibri" pitchFamily="34" charset="0"/>
               </a:rPr>
-              <a:t>Chronology:</a:t>
-            </a:r>
+              <a:t>Chronology</a:t>
+            </a:r>
+            <a:r>
+              <a:rPr lang="en-US" sz="2000" dirty="0" smtClean="0">
+                <a:latin typeface="Calibri" pitchFamily="34" charset="0"/>
+              </a:rPr>
+              <a:t>:</a:t>
+            </a:r>
+            <a:endParaRPr lang="en-US" sz="2000" dirty="0" smtClean="0">
+              <a:latin typeface="DejaVu Sans" panose="020B0603030804020204" pitchFamily="34" charset="2"/>
+              <a:ea typeface="DejaVu Sans" panose="020B0603030804020204" pitchFamily="34" charset="2"/>
+              <a:cs typeface="DejaVu Sans" panose="020B0603030804020204" pitchFamily="34" charset="2"/>
+            </a:endParaRPr>
           </a:p>
           <a:p>
             <a:pPr marL="800100" lvl="1" indent="-342900" eaLnBrk="1" hangingPunct="1">
@@ -5553,6 +5588,9 @@
               </a:rPr>
               <a:t>Geography:</a:t>
             </a:r>
+            <a:endParaRPr lang="en-US" sz="2000" dirty="0" smtClean="0">
+              <a:latin typeface="Calibri" pitchFamily="34" charset="0"/>
+            </a:endParaRPr>
           </a:p>
           <a:p>
             <a:pPr marL="800100" lvl="1" indent="-342900" eaLnBrk="1" hangingPunct="1">
@@ -5611,7 +5649,43 @@
               <a:rPr lang="en-US" sz="2000" dirty="0" smtClean="0">
                 <a:latin typeface="Calibri" pitchFamily="34" charset="0"/>
               </a:rPr>
-              <a:t>Scholars will asses the relationship between two versions of a lexical text by looking at presence/absence of entries; order of entries within a section and order of sections within the entire text.</a:t>
+              <a:t>Scholars will asses the relationship between two versions of a lexical text by looking at </a:t>
+            </a:r>
+            <a:r>
+              <a:rPr lang="en-US" sz="2000" b="1" dirty="0" smtClean="0">
+                <a:latin typeface="Calibri" pitchFamily="34" charset="0"/>
+              </a:rPr>
+              <a:t>presence/absence</a:t>
+            </a:r>
+            <a:r>
+              <a:rPr lang="en-US" sz="2000" dirty="0" smtClean="0">
+                <a:latin typeface="Calibri" pitchFamily="34" charset="0"/>
+              </a:rPr>
+              <a:t> of entries; </a:t>
+            </a:r>
+            <a:r>
+              <a:rPr lang="en-US" sz="2000" b="1" dirty="0" smtClean="0">
+                <a:latin typeface="Calibri" pitchFamily="34" charset="0"/>
+              </a:rPr>
+              <a:t>order</a:t>
+            </a:r>
+            <a:r>
+              <a:rPr lang="en-US" sz="2000" dirty="0" smtClean="0">
+                <a:latin typeface="Calibri" pitchFamily="34" charset="0"/>
+              </a:rPr>
+              <a:t> of entries within a section and </a:t>
+            </a:r>
+            <a:r>
+              <a:rPr lang="en-US" sz="2000" b="1" dirty="0" smtClean="0">
+                <a:latin typeface="Calibri" pitchFamily="34" charset="0"/>
+              </a:rPr>
+              <a:t>order of sections</a:t>
+            </a:r>
+            <a:r>
+              <a:rPr lang="en-US" sz="2000" dirty="0" smtClean="0">
+                <a:latin typeface="Calibri" pitchFamily="34" charset="0"/>
+              </a:rPr>
+              <a:t> within the entire text.</a:t>
             </a:r>
           </a:p>
           <a:p>
@@ -6310,7 +6384,7 @@
         <p:spPr bwMode="auto">
           <a:xfrm>
             <a:off x="1086394" y="12708711"/>
-            <a:ext cx="9875520" cy="1736680"/>
+            <a:ext cx="9875520" cy="3583339"/>
           </a:xfrm>
           <a:prstGeom prst="rect">
             <a:avLst/>
@@ -6448,25 +6522,163 @@
               <a:rPr lang="en-US" sz="2000" dirty="0" smtClean="0">
                 <a:latin typeface="+mn-lt"/>
               </a:rPr>
-              <a:t>). ORACC data are made available in JSON format.</a:t>
-            </a:r>
-          </a:p>
-          <a:p>
-            <a:pPr eaLnBrk="1" hangingPunct="1"/>
-            <a:endParaRPr lang="en-US" sz="2000" dirty="0">
+              <a:t>). </a:t>
+            </a:r>
+          </a:p>
+          <a:p>
+            <a:pPr marL="800100" lvl="1" indent="-342900" eaLnBrk="1" hangingPunct="1">
+              <a:buFontTx/>
+              <a:buChar char="-"/>
+            </a:pPr>
+            <a:r>
+              <a:rPr lang="en-US" sz="2000" dirty="0" smtClean="0">
+                <a:latin typeface="+mn-lt"/>
+              </a:rPr>
+              <a:t>Cuneiform:		</a:t>
+            </a:r>
+          </a:p>
+          <a:p>
+            <a:pPr marL="800100" lvl="1" indent="-342900" eaLnBrk="1" hangingPunct="1">
+              <a:buFontTx/>
+              <a:buChar char="-"/>
+            </a:pPr>
+            <a:r>
+              <a:rPr lang="en-US" sz="2000" dirty="0" smtClean="0">
+                <a:latin typeface="+mn-lt"/>
+              </a:rPr>
+              <a:t>Transliteration		{</a:t>
+            </a:r>
+            <a:r>
+              <a:rPr lang="en-US" sz="2000" dirty="0" err="1" smtClean="0">
+                <a:latin typeface="+mn-lt"/>
+              </a:rPr>
+              <a:t>ŋeš</a:t>
+            </a:r>
+            <a:r>
+              <a:rPr lang="en-US" sz="2000" dirty="0" smtClean="0">
+                <a:latin typeface="+mn-lt"/>
+              </a:rPr>
+              <a:t>}</a:t>
+            </a:r>
+            <a:r>
+              <a:rPr lang="en-US" sz="2000" dirty="0" err="1" smtClean="0">
+                <a:latin typeface="+mn-lt"/>
+              </a:rPr>
+              <a:t>taškarin</a:t>
+            </a:r>
+            <a:endParaRPr lang="en-US" sz="2000" dirty="0" smtClean="0">
               <a:latin typeface="+mn-lt"/>
             </a:endParaRPr>
           </a:p>
           <a:p>
-            <a:pPr lvl="1" eaLnBrk="1" hangingPunct="1"/>
+            <a:pPr marL="800100" lvl="1" indent="-342900" eaLnBrk="1" hangingPunct="1">
+              <a:buFontTx/>
+              <a:buChar char="-"/>
+            </a:pPr>
             <a:r>
               <a:rPr lang="en-US" sz="2000" dirty="0" smtClean="0">
                 <a:latin typeface="+mn-lt"/>
               </a:rPr>
-              <a:t>- DTM (Document-Term Matrix</a:t>
-            </a:r>
-            <a:endParaRPr lang="en-US" sz="2000" dirty="0">
+              <a:t>Translation		boxwood</a:t>
+            </a:r>
+          </a:p>
+          <a:p>
+            <a:pPr marL="800100" lvl="1" indent="-342900" eaLnBrk="1" hangingPunct="1">
+              <a:buFontTx/>
+              <a:buChar char="-"/>
+            </a:pPr>
+            <a:r>
+              <a:rPr lang="en-US" sz="2000" dirty="0">
+                <a:latin typeface="+mn-lt"/>
+              </a:rPr>
+              <a:t> </a:t>
+            </a:r>
+            <a:endParaRPr lang="en-US" sz="2000" dirty="0" smtClean="0">
               <a:latin typeface="+mn-lt"/>
+            </a:endParaRPr>
+          </a:p>
+          <a:p>
+            <a:pPr marL="800100" lvl="1" indent="-342900" eaLnBrk="1" hangingPunct="1">
+              <a:buFontTx/>
+              <a:buChar char="-"/>
+            </a:pPr>
+            <a:endParaRPr lang="en-US" sz="2000" dirty="0" smtClean="0">
+              <a:latin typeface="+mn-lt"/>
+            </a:endParaRPr>
+          </a:p>
+          <a:p>
+            <a:pPr eaLnBrk="1" hangingPunct="1"/>
+            <a:r>
+              <a:rPr lang="en-US" sz="2000" i="1" dirty="0" smtClean="0">
+                <a:solidFill>
+                  <a:prstClr val="black"/>
+                </a:solidFill>
+                <a:latin typeface="+mn-lt"/>
+              </a:rPr>
+              <a:t>Lemmatized</a:t>
+            </a:r>
+            <a:r>
+              <a:rPr lang="en-US" sz="2000" dirty="0" smtClean="0">
+                <a:solidFill>
+                  <a:prstClr val="black"/>
+                </a:solidFill>
+                <a:latin typeface="+mn-lt"/>
+              </a:rPr>
+              <a:t> data made available by  </a:t>
+            </a:r>
+            <a:r>
+              <a:rPr lang="en-US" sz="2000" dirty="0">
+                <a:latin typeface="+mn-lt"/>
+              </a:rPr>
+              <a:t>ORACC </a:t>
+            </a:r>
+            <a:r>
+              <a:rPr lang="en-US" sz="2000" dirty="0" smtClean="0">
+                <a:latin typeface="+mn-lt"/>
+              </a:rPr>
+              <a:t>in </a:t>
+            </a:r>
+            <a:r>
+              <a:rPr lang="en-US" sz="2000" dirty="0">
+                <a:latin typeface="+mn-lt"/>
+              </a:rPr>
+              <a:t>JSON </a:t>
+            </a:r>
+            <a:r>
+              <a:rPr lang="en-US" sz="2000" dirty="0" smtClean="0">
+                <a:latin typeface="+mn-lt"/>
+              </a:rPr>
+              <a:t>format is used in the analysis. Data </a:t>
+            </a:r>
+            <a:r>
+              <a:rPr lang="en-US" sz="2000" smtClean="0">
+                <a:latin typeface="+mn-lt"/>
+              </a:rPr>
+              <a:t>consist of c</a:t>
+            </a:r>
+            <a:r>
+              <a:rPr lang="en-US" sz="2000" smtClean="0">
+                <a:solidFill>
+                  <a:prstClr val="black"/>
+                </a:solidFill>
+                <a:latin typeface="+mn-lt"/>
+              </a:rPr>
+              <a:t>a</a:t>
+            </a:r>
+            <a:r>
+              <a:rPr lang="en-US" sz="2000" dirty="0" smtClean="0">
+                <a:solidFill>
+                  <a:prstClr val="black"/>
+                </a:solidFill>
+                <a:latin typeface="+mn-lt"/>
+              </a:rPr>
+              <a:t>. 135 exemplars of the list of trees and wooden objects, ranging from 2 to 750 lines in length. The data is arranged in a DTM (Document-Term Matrix) for comparison of the documents.</a:t>
+            </a:r>
+            <a:endParaRPr lang="en-US" sz="2000" i="1" dirty="0" smtClean="0">
+              <a:solidFill>
+                <a:prstClr val="black"/>
+              </a:solidFill>
+              <a:latin typeface="Calibri" panose="020F0502020204030204"/>
             </a:endParaRPr>
           </a:p>
         </p:txBody>
@@ -6738,6 +6950,472 @@
           </a:extLst>
         </p:spPr>
       </p:pic>
+      <p:sp>
+        <p:nvSpPr>
+          <p:cNvPr id="2" name="TextBox 1"/>
+          <p:cNvSpPr txBox="1"/>
+          <p:nvPr/>
+        </p:nvSpPr>
+        <p:spPr>
+          <a:xfrm>
+            <a:off x="1909762" y="14320837"/>
+            <a:ext cx="6628039" cy="400110"/>
+          </a:xfrm>
+          <a:prstGeom prst="rect">
+            <a:avLst/>
+          </a:prstGeom>
+          <a:solidFill>
+            <a:srgbClr val="FFFF00"/>
+          </a:solidFill>
+        </p:spPr>
+        <p:txBody>
+          <a:bodyPr wrap="square" rtlCol="0">
+            <a:spAutoFit/>
+          </a:bodyPr>
+          <a:lstStyle/>
+          <a:p>
+            <a:pPr marL="0" lvl="1"/>
+            <a:r>
+              <a:rPr lang="en-US" sz="2000" dirty="0">
+                <a:solidFill>
+                  <a:prstClr val="black"/>
+                </a:solidFill>
+              </a:rPr>
+              <a:t>Lemmatization	</a:t>
+            </a:r>
+            <a:r>
+              <a:rPr lang="en-US" sz="2000" dirty="0" smtClean="0">
+                <a:solidFill>
+                  <a:prstClr val="black"/>
+                </a:solidFill>
+              </a:rPr>
+              <a:t>                           </a:t>
+            </a:r>
+            <a:r>
+              <a:rPr lang="en-US" sz="2000" dirty="0" err="1" smtClean="0">
+                <a:solidFill>
+                  <a:prstClr val="black"/>
+                </a:solidFill>
+              </a:rPr>
+              <a:t>taškarin</a:t>
+            </a:r>
+            <a:r>
+              <a:rPr lang="en-US" sz="2000" dirty="0" smtClean="0">
+                <a:solidFill>
+                  <a:prstClr val="black"/>
+                </a:solidFill>
+              </a:rPr>
+              <a:t>[boxwood]N</a:t>
+            </a:r>
+            <a:endParaRPr lang="en-US" dirty="0"/>
+          </a:p>
+        </p:txBody>
+      </p:sp>
+      <p:pic>
+        <p:nvPicPr>
+          <p:cNvPr id="1029" name="Picture 5"/>
+          <p:cNvPicPr>
+            <a:picLocks noChangeAspect="1" noChangeArrowheads="1"/>
+          </p:cNvPicPr>
+          <p:nvPr/>
+        </p:nvPicPr>
+        <p:blipFill>
+          <a:blip r:embed="rId6" cstate="print">
+            <a:extLst>
+              <a:ext uri="{28A0092B-C50C-407E-A947-70E740481C1C}">
+                <a14:useLocalDpi xmlns:a14="http://schemas.microsoft.com/office/drawing/2010/main" val="0"/>
+              </a:ext>
+            </a:extLst>
+          </a:blip>
+          <a:srcRect/>
+          <a:stretch>
+            <a:fillRect/>
+          </a:stretch>
+        </p:blipFill>
+        <p:spPr bwMode="auto">
+          <a:xfrm>
+            <a:off x="6096000" y="13335000"/>
+            <a:ext cx="680753" cy="437911"/>
+          </a:xfrm>
+          <a:prstGeom prst="rect">
+            <a:avLst/>
+          </a:prstGeom>
+          <a:noFill/>
+          <a:ln>
+            <a:noFill/>
+          </a:ln>
+          <a:extLst>
+            <a:ext uri="{909E8E84-426E-40DD-AFC4-6F175D3DCCD1}">
+              <a14:hiddenFill xmlns:a14="http://schemas.microsoft.com/office/drawing/2010/main">
+                <a:solidFill>
+                  <a:schemeClr val="accent1"/>
+                </a:solidFill>
+              </a14:hiddenFill>
+            </a:ext>
+            <a:ext uri="{91240B29-F687-4F45-9708-019B960494DF}">
+              <a14:hiddenLine xmlns:a14="http://schemas.microsoft.com/office/drawing/2010/main" w="9525">
+                <a:solidFill>
+                  <a:schemeClr val="tx1"/>
+                </a:solidFill>
+                <a:miter lim="800000"/>
+                <a:headEnd/>
+                <a:tailEnd/>
+              </a14:hiddenLine>
+            </a:ext>
+          </a:extLst>
+        </p:spPr>
+      </p:pic>
+      <p:graphicFrame>
+        <p:nvGraphicFramePr>
+          <p:cNvPr id="3" name="Table 2"/>
+          <p:cNvGraphicFramePr>
+            <a:graphicFrameLocks noGrp="1"/>
+          </p:cNvGraphicFramePr>
+          <p:nvPr>
+            <p:extLst>
+              <p:ext uri="{D42A27DB-BD31-4B8C-83A1-F6EECF244321}">
+                <p14:modId xmlns:p14="http://schemas.microsoft.com/office/powerpoint/2010/main" val="3162848265"/>
+              </p:ext>
+            </p:extLst>
+          </p:nvPr>
+        </p:nvGraphicFramePr>
+        <p:xfrm>
+          <a:off x="1115513" y="16383000"/>
+          <a:ext cx="8069942" cy="1968627"/>
+        </p:xfrm>
+        <a:graphic>
+          <a:graphicData uri="http://schemas.openxmlformats.org/drawingml/2006/table">
+            <a:tbl>
+              <a:tblPr firstRow="1" bandRow="1">
+                <a:tableStyleId>{5C22544A-7EE6-4342-B048-85BDC9FD1C3A}</a:tableStyleId>
+              </a:tblPr>
+              <a:tblGrid>
+                <a:gridCol w="1648698"/>
+                <a:gridCol w="1388377"/>
+                <a:gridCol w="1388377"/>
+                <a:gridCol w="1822245"/>
+                <a:gridCol w="1822245"/>
+              </a:tblGrid>
+              <a:tr h="422529">
+                <a:tc>
+                  <a:txBody>
+                    <a:bodyPr/>
+                    <a:lstStyle/>
+                    <a:p>
+                      <a:r>
+                        <a:rPr lang="en-US" sz="2000" dirty="0" smtClean="0"/>
+                        <a:t>Doc/lemma</a:t>
+                      </a:r>
+                      <a:endParaRPr lang="en-US" sz="2000" dirty="0"/>
+                    </a:p>
+                  </a:txBody>
+                  <a:tcPr/>
+                </a:tc>
+                <a:tc>
+                  <a:txBody>
+                    <a:bodyPr/>
+                    <a:lstStyle/>
+                    <a:p>
+                      <a:r>
+                        <a:rPr lang="en-US" sz="2000" dirty="0" err="1" smtClean="0"/>
+                        <a:t>taškarin</a:t>
+                      </a:r>
+                      <a:r>
+                        <a:rPr lang="en-US" sz="2000" dirty="0" smtClean="0"/>
+                        <a:t>[boxwood]N</a:t>
+                      </a:r>
+                      <a:endParaRPr lang="en-US" sz="2000" dirty="0"/>
+                    </a:p>
+                  </a:txBody>
+                  <a:tcPr/>
+                </a:tc>
+                <a:tc>
+                  <a:txBody>
+                    <a:bodyPr/>
+                    <a:lstStyle/>
+                    <a:p>
+                      <a:r>
+                        <a:rPr lang="en-US" sz="2000" dirty="0" err="1" smtClean="0"/>
+                        <a:t>ŋešnu</a:t>
+                      </a:r>
+                      <a:r>
+                        <a:rPr lang="en-US" sz="2000" dirty="0" smtClean="0"/>
+                        <a:t>[sandalwood]N</a:t>
+                      </a:r>
+                      <a:endParaRPr lang="en-US" sz="2000" dirty="0"/>
+                    </a:p>
+                  </a:txBody>
+                  <a:tcPr/>
+                </a:tc>
+                <a:tc>
+                  <a:txBody>
+                    <a:bodyPr/>
+                    <a:lstStyle/>
+                    <a:p>
+                      <a:r>
+                        <a:rPr lang="en-US" sz="2000" dirty="0" err="1" smtClean="0"/>
+                        <a:t>ŋeštin</a:t>
+                      </a:r>
+                      <a:r>
+                        <a:rPr lang="en-US" sz="2000" dirty="0" smtClean="0"/>
+                        <a:t>[vine]N</a:t>
+                      </a:r>
+                      <a:endParaRPr lang="en-US" sz="2000" dirty="0"/>
+                    </a:p>
+                  </a:txBody>
+                  <a:tcPr/>
+                </a:tc>
+                <a:tc>
+                  <a:txBody>
+                    <a:bodyPr/>
+                    <a:lstStyle/>
+                    <a:p>
+                      <a:r>
+                        <a:rPr lang="en-US" sz="2000" dirty="0" err="1" smtClean="0"/>
+                        <a:t>ŋeškin</a:t>
+                      </a:r>
+                      <a:r>
+                        <a:rPr lang="en-US" sz="2000" dirty="0" smtClean="0"/>
+                        <a:t>[birch]N</a:t>
+                      </a:r>
+                      <a:endParaRPr lang="en-US" sz="2000" dirty="0"/>
+                    </a:p>
+                  </a:txBody>
+                  <a:tcPr/>
+                </a:tc>
+              </a:tr>
+              <a:tr h="422529">
+                <a:tc>
+                  <a:txBody>
+                    <a:bodyPr/>
+                    <a:lstStyle/>
+                    <a:p>
+                      <a:r>
+                        <a:rPr lang="en-US" sz="2000" dirty="0" err="1" smtClean="0"/>
+                        <a:t>Exempl</a:t>
+                      </a:r>
+                      <a:r>
+                        <a:rPr lang="en-US" sz="2000" dirty="0" smtClean="0"/>
+                        <a:t> 1</a:t>
+                      </a:r>
+                      <a:endParaRPr lang="en-US" sz="2000" dirty="0"/>
+                    </a:p>
+                  </a:txBody>
+                  <a:tcPr/>
+                </a:tc>
+                <a:tc>
+                  <a:txBody>
+                    <a:bodyPr/>
+                    <a:lstStyle/>
+                    <a:p>
+                      <a:r>
+                        <a:rPr lang="en-US" sz="2000" dirty="0" smtClean="0"/>
+                        <a:t>0</a:t>
+                      </a:r>
+                      <a:endParaRPr lang="en-US" sz="2000" dirty="0"/>
+                    </a:p>
+                  </a:txBody>
+                  <a:tcPr/>
+                </a:tc>
+                <a:tc>
+                  <a:txBody>
+                    <a:bodyPr/>
+                    <a:lstStyle/>
+                    <a:p>
+                      <a:r>
+                        <a:rPr lang="en-US" sz="2000" dirty="0" smtClean="0"/>
+                        <a:t>1</a:t>
+                      </a:r>
+                      <a:endParaRPr lang="en-US" sz="2000" dirty="0"/>
+                    </a:p>
+                  </a:txBody>
+                  <a:tcPr/>
+                </a:tc>
+                <a:tc>
+                  <a:txBody>
+                    <a:bodyPr/>
+                    <a:lstStyle/>
+                    <a:p>
+                      <a:r>
+                        <a:rPr lang="en-US" sz="2000" dirty="0" smtClean="0"/>
+                        <a:t>1</a:t>
+                      </a:r>
+                      <a:endParaRPr lang="en-US" sz="2000" dirty="0"/>
+                    </a:p>
+                  </a:txBody>
+                  <a:tcPr/>
+                </a:tc>
+                <a:tc>
+                  <a:txBody>
+                    <a:bodyPr/>
+                    <a:lstStyle/>
+                    <a:p>
+                      <a:r>
+                        <a:rPr lang="en-US" sz="2000" dirty="0" smtClean="0"/>
+                        <a:t>0</a:t>
+                      </a:r>
+                      <a:endParaRPr lang="en-US" sz="2000" dirty="0"/>
+                    </a:p>
+                  </a:txBody>
+                  <a:tcPr/>
+                </a:tc>
+              </a:tr>
+              <a:tr h="422529">
+                <a:tc>
+                  <a:txBody>
+                    <a:bodyPr/>
+                    <a:lstStyle/>
+                    <a:p>
+                      <a:r>
+                        <a:rPr lang="en-US" sz="2000" dirty="0" err="1" smtClean="0"/>
+                        <a:t>Exempl</a:t>
+                      </a:r>
+                      <a:r>
+                        <a:rPr lang="en-US" sz="2000" dirty="0" smtClean="0"/>
+                        <a:t> 2</a:t>
+                      </a:r>
+                      <a:endParaRPr lang="en-US" sz="2000" dirty="0"/>
+                    </a:p>
+                  </a:txBody>
+                  <a:tcPr/>
+                </a:tc>
+                <a:tc>
+                  <a:txBody>
+                    <a:bodyPr/>
+                    <a:lstStyle/>
+                    <a:p>
+                      <a:r>
+                        <a:rPr lang="en-US" sz="2000" dirty="0" smtClean="0"/>
+                        <a:t>0</a:t>
+                      </a:r>
+                      <a:endParaRPr lang="en-US" sz="2000" dirty="0"/>
+                    </a:p>
+                  </a:txBody>
+                  <a:tcPr/>
+                </a:tc>
+                <a:tc>
+                  <a:txBody>
+                    <a:bodyPr/>
+                    <a:lstStyle/>
+                    <a:p>
+                      <a:r>
+                        <a:rPr lang="en-US" sz="2000" dirty="0" smtClean="0"/>
+                        <a:t>0</a:t>
+                      </a:r>
+                      <a:endParaRPr lang="en-US" sz="2000" dirty="0"/>
+                    </a:p>
+                  </a:txBody>
+                  <a:tcPr/>
+                </a:tc>
+                <a:tc>
+                  <a:txBody>
+                    <a:bodyPr/>
+                    <a:lstStyle/>
+                    <a:p>
+                      <a:r>
+                        <a:rPr lang="en-US" sz="2000" dirty="0" smtClean="0"/>
+                        <a:t>0</a:t>
+                      </a:r>
+                      <a:endParaRPr lang="en-US" sz="2000" dirty="0"/>
+                    </a:p>
+                  </a:txBody>
+                  <a:tcPr/>
+                </a:tc>
+                <a:tc>
+                  <a:txBody>
+                    <a:bodyPr/>
+                    <a:lstStyle/>
+                    <a:p>
+                      <a:r>
+                        <a:rPr lang="en-US" sz="2000" dirty="0" smtClean="0"/>
+                        <a:t>0</a:t>
+                      </a:r>
+                      <a:endParaRPr lang="en-US" sz="2000" dirty="0"/>
+                    </a:p>
+                  </a:txBody>
+                  <a:tcPr/>
+                </a:tc>
+              </a:tr>
+              <a:tr h="422529">
+                <a:tc>
+                  <a:txBody>
+                    <a:bodyPr/>
+                    <a:lstStyle/>
+                    <a:p>
+                      <a:r>
+                        <a:rPr lang="en-US" sz="2000" dirty="0" err="1" smtClean="0"/>
+                        <a:t>Exempl</a:t>
+                      </a:r>
+                      <a:r>
+                        <a:rPr lang="en-US" sz="2000" dirty="0" smtClean="0"/>
+                        <a:t> 3</a:t>
+                      </a:r>
+                      <a:endParaRPr lang="en-US" sz="2000" dirty="0"/>
+                    </a:p>
+                  </a:txBody>
+                  <a:tcPr/>
+                </a:tc>
+                <a:tc>
+                  <a:txBody>
+                    <a:bodyPr/>
+                    <a:lstStyle/>
+                    <a:p>
+                      <a:r>
+                        <a:rPr lang="en-US" sz="2000" dirty="0" smtClean="0"/>
+                        <a:t>1</a:t>
+                      </a:r>
+                      <a:endParaRPr lang="en-US" sz="2000" dirty="0"/>
+                    </a:p>
+                  </a:txBody>
+                  <a:tcPr/>
+                </a:tc>
+                <a:tc>
+                  <a:txBody>
+                    <a:bodyPr/>
+                    <a:lstStyle/>
+                    <a:p>
+                      <a:r>
+                        <a:rPr lang="en-US" sz="2000" dirty="0" smtClean="0"/>
+                        <a:t>1</a:t>
+                      </a:r>
+                      <a:endParaRPr lang="en-US" sz="2000" dirty="0"/>
+                    </a:p>
+                  </a:txBody>
+                  <a:tcPr/>
+                </a:tc>
+                <a:tc>
+                  <a:txBody>
+                    <a:bodyPr/>
+                    <a:lstStyle/>
+                    <a:p>
+                      <a:r>
+                        <a:rPr lang="en-US" sz="2000" dirty="0" smtClean="0"/>
+                        <a:t>1</a:t>
+                      </a:r>
+                      <a:endParaRPr lang="en-US" sz="2000" dirty="0"/>
+                    </a:p>
+                  </a:txBody>
+                  <a:tcPr/>
+                </a:tc>
+                <a:tc>
+                  <a:txBody>
+                    <a:bodyPr/>
+                    <a:lstStyle/>
+                    <a:p>
+                      <a:r>
+                        <a:rPr lang="en-US" sz="2000" dirty="0" smtClean="0"/>
+                        <a:t>0</a:t>
+                      </a:r>
+                      <a:endParaRPr lang="en-US" sz="2000" dirty="0"/>
+                    </a:p>
+                  </a:txBody>
+                  <a:tcPr/>
+                </a:tc>
+              </a:tr>
+            </a:tbl>
+          </a:graphicData>
+        </a:graphic>
+      </p:graphicFrame>
     </p:spTree>
     <p:extLst>
       <p:ext uri="{BB962C8B-B14F-4D97-AF65-F5344CB8AC3E}">
@@ -7013,7 +7691,7 @@
   <a:extraClrSchemeLst/>
   <a:extLst>
     <a:ext uri="{05A4C25C-085E-4340-85A3-A5531E510DB2}">
-      <thm15:themeFamily xmlns="" xmlns:thm15="http://schemas.microsoft.com/office/thememl/2012/main" name="Office Theme" id="{62F939B6-93AF-4DB8-9C6B-D6C7DFDC589F}" vid="{4A3C46E8-61CC-4603-A589-7422A47A8E4A}"/>
+      <thm15:themeFamily xmlns:thm15="http://schemas.microsoft.com/office/thememl/2012/main" xmlns="" name="Office Theme" id="{62F939B6-93AF-4DB8-9C6B-D6C7DFDC589F}" vid="{4A3C46E8-61CC-4603-A589-7422A47A8E4A}"/>
     </a:ext>
   </a:extLst>
 </a:theme>

--- a/presentations/HTRC-2018/poster-template.pptx
+++ b/presentations/HTRC-2018/poster-template.pptx
@@ -109,7 +109,7 @@
   </p:defaultTextStyle>
   <p:extLst>
     <p:ext uri="{EFAFB233-063F-42B5-8137-9DF3F51BA10A}">
-      <p15:sldGuideLst xmlns:p15="http://schemas.microsoft.com/office/powerpoint/2012/main" xmlns="">
+      <p15:sldGuideLst xmlns="" xmlns:p15="http://schemas.microsoft.com/office/powerpoint/2012/main">
         <p15:guide id="1" orient="horz" pos="6912">
           <p15:clr>
             <a:srgbClr val="A4A3A4"/>
@@ -123,7 +123,7 @@
       </p15:sldGuideLst>
     </p:ext>
     <p:ext uri="{2D200454-40CA-4A62-9FC3-DE9A4176ACB9}">
-      <p15:notesGuideLst xmlns:p15="http://schemas.microsoft.com/office/powerpoint/2012/main" xmlns="">
+      <p15:notesGuideLst xmlns="" xmlns:p15="http://schemas.microsoft.com/office/powerpoint/2012/main">
         <p15:guide id="1" orient="horz" pos="2926">
           <p15:clr>
             <a:srgbClr val="A4A3A4"/>
@@ -222,7 +222,7 @@
           <a:p>
             <a:fld id="{FF66CDD7-09B6-4BB3-9069-2B95837CCCB2}" type="datetimeFigureOut">
               <a:rPr lang="en-US" smtClean="0"/>
-              <a:t>1/11/2018</a:t>
+              <a:t>1/17/2018</a:t>
             </a:fld>
             <a:endParaRPr lang="en-US"/>
           </a:p>
@@ -436,7 +436,7 @@
           <a:p>
             <a:fld id="{985D6BDF-9D0E-4E2B-85B8-D8F4790360C9}" type="datetimeFigureOut">
               <a:rPr lang="en-US" smtClean="0"/>
-              <a:t>1/11/2018</a:t>
+              <a:t>1/17/2018</a:t>
             </a:fld>
             <a:endParaRPr lang="en-US" dirty="0"/>
           </a:p>
@@ -601,7 +601,7 @@
           <a:p>
             <a:fld id="{985D6BDF-9D0E-4E2B-85B8-D8F4790360C9}" type="datetimeFigureOut">
               <a:rPr lang="en-US" smtClean="0"/>
-              <a:t>1/11/2018</a:t>
+              <a:t>1/17/2018</a:t>
             </a:fld>
             <a:endParaRPr lang="en-US" dirty="0"/>
           </a:p>
@@ -776,7 +776,7 @@
           <a:p>
             <a:fld id="{985D6BDF-9D0E-4E2B-85B8-D8F4790360C9}" type="datetimeFigureOut">
               <a:rPr lang="en-US" smtClean="0"/>
-              <a:t>1/11/2018</a:t>
+              <a:t>1/17/2018</a:t>
             </a:fld>
             <a:endParaRPr lang="en-US" dirty="0"/>
           </a:p>
@@ -2451,7 +2451,7 @@
           <a:p>
             <a:fld id="{985D6BDF-9D0E-4E2B-85B8-D8F4790360C9}" type="datetimeFigureOut">
               <a:rPr lang="en-US" smtClean="0"/>
-              <a:t>1/11/2018</a:t>
+              <a:t>1/17/2018</a:t>
             </a:fld>
             <a:endParaRPr lang="en-US" dirty="0"/>
           </a:p>
@@ -2692,7 +2692,7 @@
           <a:p>
             <a:fld id="{985D6BDF-9D0E-4E2B-85B8-D8F4790360C9}" type="datetimeFigureOut">
               <a:rPr lang="en-US" smtClean="0"/>
-              <a:t>1/11/2018</a:t>
+              <a:t>1/17/2018</a:t>
             </a:fld>
             <a:endParaRPr lang="en-US" dirty="0"/>
           </a:p>
@@ -2919,7 +2919,7 @@
           <a:p>
             <a:fld id="{985D6BDF-9D0E-4E2B-85B8-D8F4790360C9}" type="datetimeFigureOut">
               <a:rPr lang="en-US" smtClean="0"/>
-              <a:t>1/11/2018</a:t>
+              <a:t>1/17/2018</a:t>
             </a:fld>
             <a:endParaRPr lang="en-US" dirty="0"/>
           </a:p>
@@ -3281,7 +3281,7 @@
           <a:p>
             <a:fld id="{985D6BDF-9D0E-4E2B-85B8-D8F4790360C9}" type="datetimeFigureOut">
               <a:rPr lang="en-US" smtClean="0"/>
-              <a:t>1/11/2018</a:t>
+              <a:t>1/17/2018</a:t>
             </a:fld>
             <a:endParaRPr lang="en-US" dirty="0"/>
           </a:p>
@@ -3394,7 +3394,7 @@
           <a:p>
             <a:fld id="{985D6BDF-9D0E-4E2B-85B8-D8F4790360C9}" type="datetimeFigureOut">
               <a:rPr lang="en-US" smtClean="0"/>
-              <a:t>1/11/2018</a:t>
+              <a:t>1/17/2018</a:t>
             </a:fld>
             <a:endParaRPr lang="en-US" dirty="0"/>
           </a:p>
@@ -3484,7 +3484,7 @@
           <a:p>
             <a:fld id="{985D6BDF-9D0E-4E2B-85B8-D8F4790360C9}" type="datetimeFigureOut">
               <a:rPr lang="en-US" smtClean="0"/>
-              <a:t>1/11/2018</a:t>
+              <a:t>1/17/2018</a:t>
             </a:fld>
             <a:endParaRPr lang="en-US" dirty="0"/>
           </a:p>
@@ -3756,7 +3756,7 @@
           <a:p>
             <a:fld id="{985D6BDF-9D0E-4E2B-85B8-D8F4790360C9}" type="datetimeFigureOut">
               <a:rPr lang="en-US" smtClean="0"/>
-              <a:t>1/11/2018</a:t>
+              <a:t>1/17/2018</a:t>
             </a:fld>
             <a:endParaRPr lang="en-US" dirty="0"/>
           </a:p>
@@ -4004,7 +4004,7 @@
           <a:p>
             <a:fld id="{985D6BDF-9D0E-4E2B-85B8-D8F4790360C9}" type="datetimeFigureOut">
               <a:rPr lang="en-US" smtClean="0"/>
-              <a:t>1/11/2018</a:t>
+              <a:t>1/17/2018</a:t>
             </a:fld>
             <a:endParaRPr lang="en-US" dirty="0"/>
           </a:p>
@@ -4212,7 +4212,7 @@
           <a:p>
             <a:fld id="{985D6BDF-9D0E-4E2B-85B8-D8F4790360C9}" type="datetimeFigureOut">
               <a:rPr lang="en-US" smtClean="0"/>
-              <a:t>1/11/2018</a:t>
+              <a:t>1/17/2018</a:t>
             </a:fld>
             <a:endParaRPr lang="en-US" dirty="0"/>
           </a:p>
@@ -5022,31 +5022,7 @@
                 </a:solidFill>
                 <a:latin typeface="+mn-lt"/>
               </a:rPr>
-              <a:t>Erin Becker, Software </a:t>
-            </a:r>
-            <a:r>
-              <a:rPr lang="en-US" sz="2800" dirty="0" smtClean="0">
-                <a:solidFill>
-                  <a:schemeClr val="accent3">
-                    <a:lumMod val="20000"/>
-                    <a:lumOff val="80000"/>
-                  </a:schemeClr>
-                </a:solidFill>
-                <a:latin typeface="+mn-lt"/>
-              </a:rPr>
-              <a:t>Carpentry and  </a:t>
-            </a:r>
-            <a:r>
-              <a:rPr lang="en-US" sz="2800" dirty="0" smtClean="0">
-                <a:solidFill>
-                  <a:schemeClr val="accent3">
-                    <a:lumMod val="20000"/>
-                    <a:lumOff val="80000"/>
-                  </a:schemeClr>
-                </a:solidFill>
-                <a:latin typeface="+mn-lt"/>
-              </a:rPr>
-              <a:t>Niek Veldhuis, UC Berkeley, Department of Near Eastern Studies</a:t>
+              <a:t>Erin Becker, Software Carpentry and  Niek Veldhuis, UC Berkeley, Department of Near Eastern Studies</a:t>
             </a:r>
             <a:endParaRPr lang="en-US" sz="2800" baseline="30000" dirty="0">
               <a:solidFill>
@@ -5317,7 +5293,7 @@
         <p:spPr bwMode="auto">
           <a:xfrm>
             <a:off x="1097280" y="3657600"/>
-            <a:ext cx="9875520" cy="8199988"/>
+            <a:ext cx="9875520" cy="8815541"/>
           </a:xfrm>
           <a:prstGeom prst="rect">
             <a:avLst/>
@@ -5509,193 +5485,248 @@
               <a:rPr lang="en-US" sz="2000" dirty="0" smtClean="0">
                 <a:latin typeface="Calibri" pitchFamily="34" charset="0"/>
               </a:rPr>
-              <a:t>Versions:</a:t>
-            </a:r>
-          </a:p>
-          <a:p>
-            <a:pPr marL="800100" lvl="1" indent="-342900" eaLnBrk="1" hangingPunct="1">
-              <a:buFontTx/>
-              <a:buChar char="-"/>
-            </a:pPr>
+              <a:t>Where and When?</a:t>
+            </a:r>
+          </a:p>
+          <a:p>
+            <a:pPr lvl="1" eaLnBrk="1" hangingPunct="1"/>
             <a:r>
               <a:rPr lang="en-US" sz="2000" dirty="0" smtClean="0">
                 <a:latin typeface="Calibri" pitchFamily="34" charset="0"/>
               </a:rPr>
-              <a:t>Lists continuously change: insertions, deletions, reorganization</a:t>
-            </a:r>
-          </a:p>
-          <a:p>
-            <a:pPr eaLnBrk="1" hangingPunct="1"/>
-            <a:endParaRPr lang="en-US" sz="2000" dirty="0">
-              <a:latin typeface="Calibri" pitchFamily="34" charset="0"/>
-            </a:endParaRPr>
-          </a:p>
-          <a:p>
-            <a:pPr eaLnBrk="1" hangingPunct="1"/>
-            <a:r>
-              <a:rPr lang="en-US" sz="2000" dirty="0" smtClean="0">
-                <a:latin typeface="Calibri" pitchFamily="34" charset="0"/>
-              </a:rPr>
-              <a:t>Chronology</a:t>
-            </a:r>
-            <a:r>
-              <a:rPr lang="en-US" sz="2000" dirty="0" smtClean="0">
-                <a:latin typeface="Calibri" pitchFamily="34" charset="0"/>
-              </a:rPr>
-              <a:t>:</a:t>
-            </a:r>
-            <a:endParaRPr lang="en-US" sz="2000" dirty="0" smtClean="0">
-              <a:latin typeface="DejaVu Sans" panose="020B0603030804020204" pitchFamily="34" charset="2"/>
-              <a:ea typeface="DejaVu Sans" panose="020B0603030804020204" pitchFamily="34" charset="2"/>
-              <a:cs typeface="DejaVu Sans" panose="020B0603030804020204" pitchFamily="34" charset="2"/>
-            </a:endParaRPr>
-          </a:p>
-          <a:p>
-            <a:pPr marL="800100" lvl="1" indent="-342900" eaLnBrk="1" hangingPunct="1">
-              <a:buFontTx/>
-              <a:buChar char="-"/>
-            </a:pPr>
-            <a:r>
-              <a:rPr lang="en-US" sz="2000" dirty="0" smtClean="0">
-                <a:latin typeface="Calibri" pitchFamily="34" charset="0"/>
-              </a:rPr>
-              <a:t>Old Babylonian (1900-1600BCE) </a:t>
-            </a:r>
-          </a:p>
-          <a:p>
-            <a:pPr marL="800100" lvl="1" indent="-342900" eaLnBrk="1" hangingPunct="1">
-              <a:buFontTx/>
-              <a:buChar char="-"/>
-            </a:pPr>
-            <a:r>
-              <a:rPr lang="en-US" sz="2000" dirty="0" smtClean="0">
-                <a:latin typeface="Calibri" pitchFamily="34" charset="0"/>
-              </a:rPr>
-              <a:t>Middle Babylonian (1500-1200BCE)</a:t>
-            </a:r>
-          </a:p>
-          <a:p>
-            <a:pPr eaLnBrk="1" hangingPunct="1"/>
-            <a:endParaRPr lang="en-US" sz="2000" dirty="0">
-              <a:latin typeface="Calibri" pitchFamily="34" charset="0"/>
-            </a:endParaRPr>
-          </a:p>
-          <a:p>
-            <a:pPr eaLnBrk="1" hangingPunct="1"/>
-            <a:r>
-              <a:rPr lang="en-US" sz="2000" dirty="0" smtClean="0">
-                <a:latin typeface="Calibri" pitchFamily="34" charset="0"/>
-              </a:rPr>
-              <a:t>Geography:</a:t>
+              <a:t>- Ancient Mesopotamia (present-day Iraq); ca 1900-1200 BCE</a:t>
             </a:r>
             <a:endParaRPr lang="en-US" sz="2000" dirty="0" smtClean="0">
               <a:latin typeface="Calibri" pitchFamily="34" charset="0"/>
             </a:endParaRPr>
           </a:p>
           <a:p>
-            <a:pPr marL="800100" lvl="1" indent="-342900" eaLnBrk="1" hangingPunct="1">
-              <a:buFontTx/>
-              <a:buChar char="-"/>
-            </a:pPr>
-            <a:r>
-              <a:rPr lang="en-US" sz="2000" dirty="0" smtClean="0">
-                <a:latin typeface="Calibri" pitchFamily="34" charset="0"/>
-              </a:rPr>
-              <a:t>Old Babylonian: Babylonia (Southern Iraq)</a:t>
-            </a:r>
-          </a:p>
-          <a:p>
-            <a:pPr marL="800100" lvl="1" indent="-342900" eaLnBrk="1" hangingPunct="1">
-              <a:buFontTx/>
-              <a:buChar char="-"/>
-            </a:pPr>
-            <a:r>
-              <a:rPr lang="en-US" sz="2000" dirty="0" smtClean="0">
-                <a:latin typeface="Calibri" pitchFamily="34" charset="0"/>
-              </a:rPr>
-              <a:t>Middle Babylonian: Babylonia; Syria; and Anatolia</a:t>
-            </a:r>
-          </a:p>
-          <a:p>
-            <a:pPr indent="-285750" eaLnBrk="1" hangingPunct="1"/>
-            <a:endParaRPr lang="en-US" sz="2000" dirty="0">
-              <a:latin typeface="Calibri" pitchFamily="34" charset="0"/>
-            </a:endParaRPr>
-          </a:p>
-          <a:p>
-            <a:pPr indent="285750" eaLnBrk="1" hangingPunct="1"/>
-            <a:r>
-              <a:rPr lang="en-US" sz="2000" dirty="0" smtClean="0">
-                <a:latin typeface="Calibri" pitchFamily="34" charset="0"/>
-              </a:rPr>
-              <a:t>Lists of trees, wooden objects, animals, meat cuts, professions, metal objects, etc. were transmitted over many centuries. Like genomes, these lists continuously changed by adding new entries, omitting entries, or by changing the order of entries. Lists are organized in </a:t>
-            </a:r>
-            <a:r>
-              <a:rPr lang="en-US" sz="2000" i="1" dirty="0" smtClean="0">
-                <a:latin typeface="Calibri" pitchFamily="34" charset="0"/>
-              </a:rPr>
-              <a:t>sections</a:t>
-            </a:r>
-            <a:r>
-              <a:rPr lang="en-US" sz="2000" dirty="0" smtClean="0">
-                <a:latin typeface="Calibri" pitchFamily="34" charset="0"/>
-              </a:rPr>
-              <a:t>; each section includes related words (for instance: parts of a chariot). The order of sections also changes over time.</a:t>
-            </a:r>
-          </a:p>
-          <a:p>
-            <a:pPr indent="285750" eaLnBrk="1" hangingPunct="1"/>
-            <a:r>
-              <a:rPr lang="en-US" sz="2000" dirty="0" smtClean="0">
-                <a:latin typeface="Calibri" pitchFamily="34" charset="0"/>
-              </a:rPr>
-              <a:t>Scholars will asses the relationship between two versions of a lexical text by looking at </a:t>
-            </a:r>
-            <a:r>
-              <a:rPr lang="en-US" sz="2000" b="1" dirty="0" smtClean="0">
-                <a:latin typeface="Calibri" pitchFamily="34" charset="0"/>
-              </a:rPr>
-              <a:t>presence/absence</a:t>
-            </a:r>
-            <a:r>
-              <a:rPr lang="en-US" sz="2000" dirty="0" smtClean="0">
-                <a:latin typeface="Calibri" pitchFamily="34" charset="0"/>
-              </a:rPr>
-              <a:t> of entries; </a:t>
-            </a:r>
-            <a:r>
-              <a:rPr lang="en-US" sz="2000" b="1" dirty="0" smtClean="0">
-                <a:latin typeface="Calibri" pitchFamily="34" charset="0"/>
-              </a:rPr>
-              <a:t>order</a:t>
-            </a:r>
-            <a:r>
-              <a:rPr lang="en-US" sz="2000" dirty="0" smtClean="0">
-                <a:latin typeface="Calibri" pitchFamily="34" charset="0"/>
-              </a:rPr>
-              <a:t> of entries within a section and </a:t>
-            </a:r>
-            <a:r>
-              <a:rPr lang="en-US" sz="2000" b="1" dirty="0" smtClean="0">
-                <a:latin typeface="Calibri" pitchFamily="34" charset="0"/>
-              </a:rPr>
-              <a:t>order of sections</a:t>
-            </a:r>
-            <a:r>
-              <a:rPr lang="en-US" sz="2000" dirty="0" smtClean="0">
-                <a:latin typeface="Calibri" pitchFamily="34" charset="0"/>
-              </a:rPr>
-              <a:t> within the entire text.</a:t>
-            </a:r>
-          </a:p>
-          <a:p>
-            <a:pPr marL="800100" lvl="1" indent="-342900" eaLnBrk="1" hangingPunct="1">
+            <a:pPr marL="57150" indent="-342900" eaLnBrk="1" hangingPunct="1">
               <a:buFontTx/>
               <a:buChar char="-"/>
             </a:pPr>
             <a:endParaRPr lang="en-US" sz="2000" dirty="0">
               <a:latin typeface="Calibri" pitchFamily="34" charset="0"/>
             </a:endParaRPr>
+          </a:p>
+          <a:p>
+            <a:pPr indent="285750" eaLnBrk="1" hangingPunct="1"/>
+            <a:r>
+              <a:rPr lang="en-US" sz="2000" dirty="0" smtClean="0">
+                <a:latin typeface="Calibri" pitchFamily="34" charset="0"/>
+              </a:rPr>
+              <a:t>Lists of trees, wooden objects, animals, meat cuts, professions, metal objects, etc. were transmitted over many centuries. Like genomes, these lists continuously changed by adding new entries, omitting entries, or by changing the order of entries. Lists are organized in </a:t>
+            </a:r>
+            <a:r>
+              <a:rPr lang="en-US" sz="2000" i="1" dirty="0" smtClean="0">
+                <a:latin typeface="Calibri" pitchFamily="34" charset="0"/>
+              </a:rPr>
+              <a:t>sections</a:t>
+            </a:r>
+            <a:r>
+              <a:rPr lang="en-US" sz="2000" dirty="0" smtClean="0">
+                <a:latin typeface="Calibri" pitchFamily="34" charset="0"/>
+              </a:rPr>
+              <a:t>; each section includes related words (for instance: parts of a chariot). The order of sections also changes over time</a:t>
+            </a:r>
+            <a:r>
+              <a:rPr lang="en-US" sz="2000" dirty="0" smtClean="0">
+                <a:latin typeface="Calibri" pitchFamily="34" charset="0"/>
+              </a:rPr>
+              <a:t>.</a:t>
+            </a:r>
+          </a:p>
+          <a:p>
+            <a:pPr indent="285750" eaLnBrk="1" hangingPunct="1"/>
+            <a:endParaRPr lang="en-US" sz="2000" dirty="0" smtClean="0">
+              <a:latin typeface="Calibri" pitchFamily="34" charset="0"/>
+            </a:endParaRPr>
+          </a:p>
+          <a:p>
+            <a:pPr indent="285750" eaLnBrk="1" hangingPunct="1"/>
+            <a:r>
+              <a:rPr lang="en-US" sz="2000" dirty="0" smtClean="0">
+                <a:latin typeface="Calibri" pitchFamily="34" charset="0"/>
+              </a:rPr>
+              <a:t>Scholars will asses the relationship between two versions of a lexical text by looking at </a:t>
+            </a:r>
+            <a:r>
+              <a:rPr lang="en-US" sz="2000" b="1" dirty="0" smtClean="0">
+                <a:latin typeface="Calibri" pitchFamily="34" charset="0"/>
+              </a:rPr>
+              <a:t>presence/absence</a:t>
+            </a:r>
+            <a:r>
+              <a:rPr lang="en-US" sz="2000" dirty="0" smtClean="0">
+                <a:latin typeface="Calibri" pitchFamily="34" charset="0"/>
+              </a:rPr>
+              <a:t> of entries; </a:t>
+            </a:r>
+            <a:r>
+              <a:rPr lang="en-US" sz="2000" b="1" dirty="0" smtClean="0">
+                <a:latin typeface="Calibri" pitchFamily="34" charset="0"/>
+              </a:rPr>
+              <a:t>order</a:t>
+            </a:r>
+            <a:r>
+              <a:rPr lang="en-US" sz="2000" dirty="0" smtClean="0">
+                <a:latin typeface="Calibri" pitchFamily="34" charset="0"/>
+              </a:rPr>
+              <a:t> of entries within a section and </a:t>
+            </a:r>
+            <a:r>
+              <a:rPr lang="en-US" sz="2000" b="1" dirty="0" smtClean="0">
+                <a:latin typeface="Calibri" pitchFamily="34" charset="0"/>
+              </a:rPr>
+              <a:t>order of sections</a:t>
+            </a:r>
+            <a:r>
+              <a:rPr lang="en-US" sz="2000" dirty="0" smtClean="0">
+                <a:latin typeface="Calibri" pitchFamily="34" charset="0"/>
+              </a:rPr>
+              <a:t> within the entire text</a:t>
+            </a:r>
+            <a:r>
+              <a:rPr lang="en-US" sz="2000" dirty="0" smtClean="0">
+                <a:latin typeface="Calibri" pitchFamily="34" charset="0"/>
+              </a:rPr>
+              <a:t>.</a:t>
+            </a:r>
+          </a:p>
+          <a:p>
+            <a:pPr eaLnBrk="1" hangingPunct="1"/>
+            <a:endParaRPr lang="en-US" sz="2000" dirty="0" smtClean="0"/>
+          </a:p>
+          <a:p>
+            <a:pPr eaLnBrk="1" hangingPunct="1"/>
+            <a:r>
+              <a:rPr lang="en-US" sz="2000" dirty="0" smtClean="0">
+                <a:latin typeface="+mn-lt"/>
+              </a:rPr>
+              <a:t>Lexical </a:t>
+            </a:r>
+            <a:r>
+              <a:rPr lang="en-US" sz="2000" dirty="0">
+                <a:latin typeface="+mn-lt"/>
+              </a:rPr>
+              <a:t>lists and other cuneiform texts are published in transliteration and translation with lemmatization on ORACC (Open Richly Annotated Cuneiform Corpus; </a:t>
+            </a:r>
+            <a:r>
+              <a:rPr lang="en-US" sz="2000" dirty="0">
+                <a:latin typeface="+mn-lt"/>
+                <a:hlinkClick r:id="rId3"/>
+              </a:rPr>
+              <a:t>http://oracc.org</a:t>
+            </a:r>
+            <a:r>
+              <a:rPr lang="en-US" sz="2000" dirty="0">
+                <a:latin typeface="+mn-lt"/>
+              </a:rPr>
+              <a:t>). </a:t>
+            </a:r>
+            <a:endParaRPr lang="en-US" sz="2000" dirty="0" smtClean="0">
+              <a:latin typeface="+mn-lt"/>
+            </a:endParaRPr>
+          </a:p>
+          <a:p>
+            <a:pPr eaLnBrk="1" hangingPunct="1"/>
+            <a:endParaRPr lang="en-US" sz="2000" dirty="0">
+              <a:latin typeface="+mn-lt"/>
+            </a:endParaRPr>
+          </a:p>
+          <a:p>
+            <a:pPr marL="800100" lvl="1" indent="-342900" eaLnBrk="1" hangingPunct="1">
+              <a:buFontTx/>
+              <a:buChar char="-"/>
+            </a:pPr>
+            <a:r>
+              <a:rPr lang="en-US" sz="2000" dirty="0">
+                <a:latin typeface="+mn-lt"/>
+              </a:rPr>
+              <a:t>Cuneiform:		</a:t>
+            </a:r>
+          </a:p>
+          <a:p>
+            <a:pPr marL="800100" lvl="1" indent="-342900" eaLnBrk="1" hangingPunct="1">
+              <a:buFontTx/>
+              <a:buChar char="-"/>
+            </a:pPr>
+            <a:r>
+              <a:rPr lang="en-US" sz="2000" dirty="0">
+                <a:latin typeface="+mn-lt"/>
+              </a:rPr>
+              <a:t>Transliteration	</a:t>
+            </a:r>
+            <a:r>
+              <a:rPr lang="en-US" sz="2000" dirty="0" smtClean="0">
+                <a:latin typeface="+mn-lt"/>
+              </a:rPr>
+              <a:t>	{</a:t>
+            </a:r>
+            <a:r>
+              <a:rPr lang="en-US" sz="2000" dirty="0" err="1">
+                <a:latin typeface="+mn-lt"/>
+              </a:rPr>
+              <a:t>ŋeš</a:t>
+            </a:r>
+            <a:r>
+              <a:rPr lang="en-US" sz="2000" dirty="0">
+                <a:latin typeface="+mn-lt"/>
+              </a:rPr>
+              <a:t>}</a:t>
+            </a:r>
+            <a:r>
+              <a:rPr lang="en-US" sz="2000" dirty="0" err="1">
+                <a:latin typeface="+mn-lt"/>
+              </a:rPr>
+              <a:t>taškarin</a:t>
+            </a:r>
+            <a:endParaRPr lang="en-US" sz="2000" dirty="0">
+              <a:latin typeface="+mn-lt"/>
+            </a:endParaRPr>
+          </a:p>
+          <a:p>
+            <a:pPr marL="800100" lvl="1" indent="-342900" eaLnBrk="1" hangingPunct="1">
+              <a:buFontTx/>
+              <a:buChar char="-"/>
+            </a:pPr>
+            <a:r>
+              <a:rPr lang="en-US" sz="2000" dirty="0">
+                <a:latin typeface="+mn-lt"/>
+              </a:rPr>
+              <a:t>Translation		</a:t>
+            </a:r>
+            <a:r>
+              <a:rPr lang="en-US" sz="2000" dirty="0" smtClean="0">
+                <a:latin typeface="+mn-lt"/>
+              </a:rPr>
+              <a:t>boxwood</a:t>
+            </a:r>
+          </a:p>
+          <a:p>
+            <a:pPr marL="800100" lvl="1" indent="-342900" eaLnBrk="1" hangingPunct="1">
+              <a:buFontTx/>
+              <a:buChar char="-"/>
+            </a:pPr>
+            <a:r>
+              <a:rPr lang="en-US" sz="2000" dirty="0">
+                <a:latin typeface="+mn-lt"/>
+              </a:rPr>
+              <a:t> </a:t>
+            </a:r>
+            <a:endParaRPr lang="en-US" sz="2000" dirty="0" smtClean="0"/>
+          </a:p>
+          <a:p>
+            <a:pPr indent="-285750" algn="ctr" eaLnBrk="1" hangingPunct="1"/>
+            <a:r>
+              <a:rPr lang="en-US" sz="1600" i="1" dirty="0" smtClean="0"/>
+              <a:t>Four representations of a Sumerian word</a:t>
+            </a:r>
+            <a:r>
+              <a:rPr lang="en-US" sz="2000" dirty="0" smtClean="0"/>
+              <a:t> </a:t>
+            </a:r>
+            <a:endParaRPr lang="en-US" sz="2000" dirty="0"/>
           </a:p>
         </p:txBody>
       </p:sp>
@@ -6384,7 +6415,7 @@
         <p:spPr bwMode="auto">
           <a:xfrm>
             <a:off x="1086394" y="12708711"/>
-            <a:ext cx="9875520" cy="3583339"/>
+            <a:ext cx="9875520" cy="1428903"/>
           </a:xfrm>
           <a:prstGeom prst="rect">
             <a:avLst/>
@@ -6506,173 +6537,97 @@
           <a:p>
             <a:pPr eaLnBrk="1" hangingPunct="1"/>
             <a:r>
+              <a:rPr lang="en-US" sz="2000" i="1" dirty="0" smtClean="0">
+                <a:solidFill>
+                  <a:prstClr val="black"/>
+                </a:solidFill>
+                <a:latin typeface="+mn-lt"/>
+              </a:rPr>
+              <a:t>Lemmatized</a:t>
+            </a:r>
+            <a:r>
+              <a:rPr lang="en-US" sz="2000" dirty="0" smtClean="0">
+                <a:solidFill>
+                  <a:prstClr val="black"/>
+                </a:solidFill>
+                <a:latin typeface="+mn-lt"/>
+              </a:rPr>
+              <a:t> data, </a:t>
+            </a:r>
+            <a:r>
+              <a:rPr lang="en-US" sz="2000" dirty="0" smtClean="0">
+                <a:solidFill>
+                  <a:prstClr val="black"/>
+                </a:solidFill>
+                <a:latin typeface="+mn-lt"/>
+              </a:rPr>
+              <a:t>made available by </a:t>
+            </a:r>
+            <a:r>
               <a:rPr lang="en-US" sz="2000" dirty="0" smtClean="0">
                 <a:latin typeface="+mn-lt"/>
               </a:rPr>
-              <a:t>Lexical lists and other cuneiform texts are published in transliteration on ORACC (Open Richly Annotated Cuneiform Corpus; </a:t>
+              <a:t>ORACC </a:t>
             </a:r>
             <a:r>
               <a:rPr lang="en-US" sz="2000" dirty="0" smtClean="0">
                 <a:latin typeface="+mn-lt"/>
-                <a:hlinkClick r:id="rId3"/>
-              </a:rPr>
-              <a:t>http://oracc.org</a:t>
+              </a:rPr>
+              <a:t>in </a:t>
+            </a:r>
+            <a:r>
+              <a:rPr lang="en-US" sz="2000" dirty="0">
+                <a:latin typeface="+mn-lt"/>
+              </a:rPr>
+              <a:t>JSON </a:t>
             </a:r>
             <a:r>
               <a:rPr lang="en-US" sz="2000" dirty="0" smtClean="0">
                 <a:latin typeface="+mn-lt"/>
               </a:rPr>
-              <a:t>). </a:t>
-            </a:r>
-          </a:p>
-          <a:p>
-            <a:pPr marL="800100" lvl="1" indent="-342900" eaLnBrk="1" hangingPunct="1">
-              <a:buFontTx/>
-              <a:buChar char="-"/>
-            </a:pPr>
+              <a:t>format, </a:t>
+            </a:r>
             <a:r>
               <a:rPr lang="en-US" sz="2000" dirty="0" smtClean="0">
                 <a:latin typeface="+mn-lt"/>
               </a:rPr>
-              <a:t>Cuneiform:		</a:t>
-            </a:r>
-          </a:p>
-          <a:p>
-            <a:pPr marL="800100" lvl="1" indent="-342900" eaLnBrk="1" hangingPunct="1">
-              <a:buFontTx/>
-              <a:buChar char="-"/>
-            </a:pPr>
+              <a:t>is used in the analysis. Data consist of c</a:t>
+            </a:r>
             <a:r>
               <a:rPr lang="en-US" sz="2000" dirty="0" smtClean="0">
+                <a:solidFill>
+                  <a:prstClr val="black"/>
+                </a:solidFill>
                 <a:latin typeface="+mn-lt"/>
               </a:rPr>
-              <a:t>Transliteration		{</a:t>
-            </a:r>
-            <a:r>
-              <a:rPr lang="en-US" sz="2000" dirty="0" err="1" smtClean="0">
+              <a:t>a. 135 exemplars of the list of trees and wooden objects, ranging from 2 to 750 lines in length. The data is arranged in a DTM (Document-Term Matrix) for comparison of the </a:t>
+            </a:r>
+            <a:r>
+              <a:rPr lang="en-US" sz="2000" dirty="0" smtClean="0">
+                <a:solidFill>
+                  <a:prstClr val="black"/>
+                </a:solidFill>
                 <a:latin typeface="+mn-lt"/>
               </a:rPr>
-              <a:t>ŋeš</a:t>
+              <a:t>documents on </a:t>
+            </a:r>
+            <a:r>
+              <a:rPr lang="en-US" sz="2000" b="1" dirty="0" smtClean="0">
+                <a:solidFill>
+                  <a:prstClr val="black"/>
+                </a:solidFill>
+                <a:latin typeface="+mn-lt"/>
+              </a:rPr>
+              <a:t>presence/absence of entries</a:t>
             </a:r>
             <a:r>
               <a:rPr lang="en-US" sz="2000" dirty="0" smtClean="0">
+                <a:solidFill>
+                  <a:prstClr val="black"/>
+                </a:solidFill>
                 <a:latin typeface="+mn-lt"/>
               </a:rPr>
-              <a:t>}</a:t>
-            </a:r>
-            <a:r>
-              <a:rPr lang="en-US" sz="2000" dirty="0" err="1" smtClean="0">
-                <a:latin typeface="+mn-lt"/>
-              </a:rPr>
-              <a:t>taškarin</a:t>
-            </a:r>
-            <a:endParaRPr lang="en-US" sz="2000" dirty="0" smtClean="0">
-              <a:latin typeface="+mn-lt"/>
-            </a:endParaRPr>
-          </a:p>
-          <a:p>
-            <a:pPr marL="800100" lvl="1" indent="-342900" eaLnBrk="1" hangingPunct="1">
-              <a:buFontTx/>
-              <a:buChar char="-"/>
-            </a:pPr>
-            <a:r>
-              <a:rPr lang="en-US" sz="2000" dirty="0" smtClean="0">
-                <a:latin typeface="+mn-lt"/>
-              </a:rPr>
-              <a:t>Translation		boxwood</a:t>
-            </a:r>
-          </a:p>
-          <a:p>
-            <a:pPr marL="800100" lvl="1" indent="-342900" eaLnBrk="1" hangingPunct="1">
-              <a:buFontTx/>
-              <a:buChar char="-"/>
-            </a:pPr>
-            <a:r>
-              <a:rPr lang="en-US" sz="2000" dirty="0">
-                <a:latin typeface="+mn-lt"/>
-              </a:rPr>
-              <a:t> </a:t>
-            </a:r>
-            <a:endParaRPr lang="en-US" sz="2000" dirty="0" smtClean="0">
-              <a:latin typeface="+mn-lt"/>
-            </a:endParaRPr>
-          </a:p>
-          <a:p>
-            <a:pPr marL="800100" lvl="1" indent="-342900" eaLnBrk="1" hangingPunct="1">
-              <a:buFontTx/>
-              <a:buChar char="-"/>
-            </a:pPr>
-            <a:endParaRPr lang="en-US" sz="2000" dirty="0" smtClean="0">
-              <a:latin typeface="+mn-lt"/>
-            </a:endParaRPr>
-          </a:p>
-          <a:p>
-            <a:pPr eaLnBrk="1" hangingPunct="1"/>
-            <a:r>
-              <a:rPr lang="en-US" sz="2000" i="1" dirty="0" smtClean="0">
-                <a:solidFill>
-                  <a:prstClr val="black"/>
-                </a:solidFill>
-                <a:latin typeface="+mn-lt"/>
-              </a:rPr>
-              <a:t>Lemmatized</a:t>
-            </a:r>
-            <a:r>
-              <a:rPr lang="en-US" sz="2000" dirty="0" smtClean="0">
-                <a:solidFill>
-                  <a:prstClr val="black"/>
-                </a:solidFill>
-                <a:latin typeface="+mn-lt"/>
-              </a:rPr>
-              <a:t> data made available by  </a:t>
-            </a:r>
-            <a:r>
-              <a:rPr lang="en-US" sz="2000" dirty="0">
-                <a:latin typeface="+mn-lt"/>
-              </a:rPr>
-              <a:t>ORACC </a:t>
-            </a:r>
-            <a:r>
-              <a:rPr lang="en-US" sz="2000" dirty="0" smtClean="0">
-                <a:latin typeface="+mn-lt"/>
-              </a:rPr>
-              <a:t>in </a:t>
-            </a:r>
-            <a:r>
-              <a:rPr lang="en-US" sz="2000" dirty="0">
-                <a:latin typeface="+mn-lt"/>
-              </a:rPr>
-              <a:t>JSON </a:t>
-            </a:r>
-            <a:r>
-              <a:rPr lang="en-US" sz="2000" dirty="0" smtClean="0">
-                <a:latin typeface="+mn-lt"/>
-              </a:rPr>
-              <a:t>format is used in the analysis. Data </a:t>
-            </a:r>
-            <a:r>
-              <a:rPr lang="en-US" sz="2000" smtClean="0">
-                <a:latin typeface="+mn-lt"/>
-              </a:rPr>
-              <a:t>consist of c</a:t>
-            </a:r>
-            <a:r>
-              <a:rPr lang="en-US" sz="2000" smtClean="0">
-                <a:solidFill>
-                  <a:prstClr val="black"/>
-                </a:solidFill>
-                <a:latin typeface="+mn-lt"/>
-              </a:rPr>
-              <a:t>a</a:t>
-            </a:r>
-            <a:r>
-              <a:rPr lang="en-US" sz="2000" dirty="0" smtClean="0">
-                <a:solidFill>
-                  <a:prstClr val="black"/>
-                </a:solidFill>
-                <a:latin typeface="+mn-lt"/>
-              </a:rPr>
-              <a:t>. 135 exemplars of the list of trees and wooden objects, ranging from 2 to 750 lines in length. The data is arranged in a DTM (Document-Term Matrix) for comparison of the documents.</a:t>
+              <a:t>.</a:t>
             </a:r>
             <a:endParaRPr lang="en-US" sz="2000" i="1" dirty="0" smtClean="0">
               <a:solidFill>
@@ -6909,7 +6864,7 @@
         </p:blipFill>
         <p:spPr bwMode="auto">
           <a:xfrm>
-            <a:off x="8533039" y="4038600"/>
+            <a:off x="8471126" y="3810000"/>
             <a:ext cx="2428875" cy="1257300"/>
           </a:xfrm>
           <a:prstGeom prst="rect">
@@ -6958,7 +6913,7 @@
         </p:nvSpPr>
         <p:spPr>
           <a:xfrm>
-            <a:off x="1909762" y="14320837"/>
+            <a:off x="1924049" y="11353800"/>
             <a:ext cx="6628039" cy="400110"/>
           </a:xfrm>
           <a:prstGeom prst="rect">
@@ -6980,6 +6935,7 @@
                 <a:solidFill>
                   <a:prstClr val="black"/>
                 </a:solidFill>
+                <a:cs typeface="Arial" panose="020B0604020202020204" pitchFamily="34" charset="0"/>
               </a:rPr>
               <a:t>Lemmatization	</a:t>
             </a:r>
@@ -6988,14 +6944,34 @@
                 <a:solidFill>
                   <a:prstClr val="black"/>
                 </a:solidFill>
-              </a:rPr>
-              <a:t>                           </a:t>
+                <a:cs typeface="Arial" panose="020B0604020202020204" pitchFamily="34" charset="0"/>
+              </a:rPr>
+              <a:t>                     </a:t>
+            </a:r>
+            <a:r>
+              <a:rPr lang="en-US" sz="2000" dirty="0">
+                <a:solidFill>
+                  <a:prstClr val="black"/>
+                </a:solidFill>
+                <a:cs typeface="Arial" panose="020B0604020202020204" pitchFamily="34" charset="0"/>
+              </a:rPr>
+              <a:t> </a:t>
+            </a:r>
+            <a:r>
+              <a:rPr lang="en-US" sz="2000" dirty="0" smtClean="0">
+                <a:solidFill>
+                  <a:prstClr val="black"/>
+                </a:solidFill>
+                <a:cs typeface="Arial" panose="020B0604020202020204" pitchFamily="34" charset="0"/>
+              </a:rPr>
+              <a:t>     </a:t>
             </a:r>
             <a:r>
               <a:rPr lang="en-US" sz="2000" dirty="0" err="1" smtClean="0">
                 <a:solidFill>
                   <a:prstClr val="black"/>
                 </a:solidFill>
+                <a:cs typeface="Arial" panose="020B0604020202020204" pitchFamily="34" charset="0"/>
               </a:rPr>
               <a:t>taškarin</a:t>
             </a:r>
@@ -7004,10 +6980,13 @@
                 <a:solidFill>
                   <a:prstClr val="black"/>
                 </a:solidFill>
+                <a:cs typeface="Arial" panose="020B0604020202020204" pitchFamily="34" charset="0"/>
               </a:rPr>
               <a:t>[boxwood]N</a:t>
             </a:r>
-            <a:endParaRPr lang="en-US" dirty="0"/>
+            <a:endParaRPr lang="en-US" dirty="0">
+              <a:cs typeface="Arial" panose="020B0604020202020204" pitchFamily="34" charset="0"/>
+            </a:endParaRPr>
           </a:p>
         </p:txBody>
       </p:sp>
@@ -7034,7 +7013,7 @@
         </p:blipFill>
         <p:spPr bwMode="auto">
           <a:xfrm>
-            <a:off x="6096000" y="13335000"/>
+            <a:off x="5981700" y="10324860"/>
             <a:ext cx="680753" cy="437911"/>
           </a:xfrm>
           <a:prstGeom prst="rect">
@@ -7074,14 +7053,14 @@
           <p:nvPr>
             <p:extLst>
               <p:ext uri="{D42A27DB-BD31-4B8C-83A1-F6EECF244321}">
-                <p14:modId xmlns:p14="http://schemas.microsoft.com/office/powerpoint/2010/main" val="3162848265"/>
+                <p14:modId xmlns:p14="http://schemas.microsoft.com/office/powerpoint/2010/main" val="2042920076"/>
               </p:ext>
             </p:extLst>
           </p:nvPr>
         </p:nvGraphicFramePr>
         <p:xfrm>
-          <a:off x="1115513" y="16383000"/>
-          <a:ext cx="8069942" cy="1968627"/>
+          <a:off x="1057819" y="14173200"/>
+          <a:ext cx="9914981" cy="1690116"/>
         </p:xfrm>
         <a:graphic>
           <a:graphicData uri="http://schemas.openxmlformats.org/drawingml/2006/table">
@@ -7090,11 +7069,11 @@
                 <a:tableStyleId>{5C22544A-7EE6-4342-B048-85BDC9FD1C3A}</a:tableStyleId>
               </a:tblPr>
               <a:tblGrid>
-                <a:gridCol w="1648698"/>
-                <a:gridCol w="1388377"/>
-                <a:gridCol w="1388377"/>
-                <a:gridCol w="1822245"/>
-                <a:gridCol w="1822245"/>
+                <a:gridCol w="1456781"/>
+                <a:gridCol w="1801451"/>
+                <a:gridCol w="2465749"/>
+                <a:gridCol w="1676400"/>
+                <a:gridCol w="2514600"/>
               </a:tblGrid>
               <a:tr h="422529">
                 <a:tc>
@@ -7118,11 +7097,11 @@
                     <a:p>
                       <a:r>
                         <a:rPr lang="en-US" sz="2000" dirty="0" err="1" smtClean="0"/>
-                        <a:t>taškarin</a:t>
+                        <a:t>ŋeškin</a:t>
                       </a:r>
                       <a:r>
                         <a:rPr lang="en-US" sz="2000" dirty="0" smtClean="0"/>
-                        <a:t>[boxwood]N</a:t>
+                        <a:t>[birch]N</a:t>
                       </a:r>
                       <a:endParaRPr lang="en-US" sz="2000" dirty="0"/>
                     </a:p>
@@ -7172,11 +7151,11 @@
                     <a:p>
                       <a:r>
                         <a:rPr lang="en-US" sz="2000" dirty="0" err="1" smtClean="0"/>
-                        <a:t>ŋeškin</a:t>
+                        <a:t>taškarin</a:t>
                       </a:r>
                       <a:r>
                         <a:rPr lang="en-US" sz="2000" dirty="0" smtClean="0"/>
-                        <a:t>[birch]N</a:t>
+                        <a:t>[boxwood]N</a:t>
                       </a:r>
                       <a:endParaRPr lang="en-US" sz="2000" dirty="0"/>
                     </a:p>
@@ -7191,12 +7170,12 @@
                     <a:lstStyle/>
                     <a:p>
                       <a:r>
-                        <a:rPr lang="en-US" sz="2000" dirty="0" err="1" smtClean="0"/>
-                        <a:t>Exempl</a:t>
+                        <a:rPr lang="en-US" sz="2000" dirty="0" smtClean="0"/>
+                        <a:t>Exemplar </a:t>
                       </a:r>
                       <a:r>
                         <a:rPr lang="en-US" sz="2000" dirty="0" smtClean="0"/>
-                        <a:t> 1</a:t>
+                        <a:t>1</a:t>
                       </a:r>
                       <a:endParaRPr lang="en-US" sz="2000" dirty="0"/>
                     </a:p>
@@ -7267,12 +7246,12 @@
                     <a:lstStyle/>
                     <a:p>
                       <a:r>
-                        <a:rPr lang="en-US" sz="2000" dirty="0" err="1" smtClean="0"/>
-                        <a:t>Exempl</a:t>
+                        <a:rPr lang="en-US" sz="2000" dirty="0" smtClean="0"/>
+                        <a:t>Exemplar </a:t>
                       </a:r>
                       <a:r>
                         <a:rPr lang="en-US" sz="2000" dirty="0" smtClean="0"/>
-                        <a:t> 2</a:t>
+                        <a:t>2</a:t>
                       </a:r>
                       <a:endParaRPr lang="en-US" sz="2000" dirty="0"/>
                     </a:p>
@@ -7343,12 +7322,26 @@
                     <a:lstStyle/>
                     <a:p>
                       <a:r>
-                        <a:rPr lang="en-US" sz="2000" dirty="0" err="1" smtClean="0"/>
-                        <a:t>Exempl</a:t>
+                        <a:rPr lang="en-US" sz="2000" dirty="0" smtClean="0"/>
+                        <a:t>Exemplar </a:t>
                       </a:r>
                       <a:r>
                         <a:rPr lang="en-US" sz="2000" dirty="0" smtClean="0"/>
-                        <a:t> 3</a:t>
+                        <a:t>3</a:t>
+                      </a:r>
+                      <a:endParaRPr lang="en-US" sz="2000" dirty="0"/>
+                    </a:p>
+                  </a:txBody>
+                  <a:tcPr/>
+                </a:tc>
+                <a:tc>
+                  <a:txBody>
+                    <a:bodyPr/>
+                    <a:lstStyle/>
+                    <a:p>
+                      <a:r>
+                        <a:rPr lang="en-US" sz="2000" dirty="0" smtClean="0"/>
+                        <a:t>0</a:t>
                       </a:r>
                       <a:endParaRPr lang="en-US" sz="2000" dirty="0"/>
                     </a:p>
@@ -7397,25 +7390,236 @@
                   </a:txBody>
                   <a:tcPr/>
                 </a:tc>
-                <a:tc>
-                  <a:txBody>
-                    <a:bodyPr/>
-                    <a:lstStyle/>
-                    <a:p>
-                      <a:r>
-                        <a:rPr lang="en-US" sz="2000" dirty="0" smtClean="0"/>
-                        <a:t>0</a:t>
-                      </a:r>
-                      <a:endParaRPr lang="en-US" sz="2000" dirty="0"/>
-                    </a:p>
-                  </a:txBody>
-                  <a:tcPr/>
-                </a:tc>
               </a:tr>
             </a:tbl>
           </a:graphicData>
         </a:graphic>
       </p:graphicFrame>
+      <p:sp>
+        <p:nvSpPr>
+          <p:cNvPr id="6" name="TextBox 5"/>
+          <p:cNvSpPr txBox="1"/>
+          <p:nvPr/>
+        </p:nvSpPr>
+        <p:spPr>
+          <a:xfrm>
+            <a:off x="1086394" y="16002000"/>
+            <a:ext cx="9886406" cy="3170099"/>
+          </a:xfrm>
+          <a:prstGeom prst="rect">
+            <a:avLst/>
+          </a:prstGeom>
+          <a:noFill/>
+        </p:spPr>
+        <p:txBody>
+          <a:bodyPr wrap="square" rtlCol="0">
+            <a:spAutoFit/>
+          </a:bodyPr>
+          <a:lstStyle/>
+          <a:p>
+            <a:r>
+              <a:rPr lang="en-US" sz="2000" dirty="0" smtClean="0"/>
+              <a:t>For the analysis of </a:t>
+            </a:r>
+            <a:r>
+              <a:rPr lang="en-US" sz="2000" b="1" dirty="0" smtClean="0"/>
+              <a:t>section order</a:t>
+            </a:r>
+            <a:r>
+              <a:rPr lang="en-US" sz="2000" dirty="0" smtClean="0"/>
+              <a:t> each item in each text is assigned to a </a:t>
+            </a:r>
+            <a:r>
+              <a:rPr lang="en-US" sz="2000" b="1" dirty="0" smtClean="0"/>
+              <a:t>section. </a:t>
+            </a:r>
+            <a:r>
+              <a:rPr lang="en-US" sz="2000" dirty="0" smtClean="0"/>
+              <a:t>Sections are defined through the best preserved text: the Nippur version. Consecutive lemmas that share a sequence of least three characters (k-</a:t>
+            </a:r>
+            <a:r>
+              <a:rPr lang="en-US" sz="2000" dirty="0" err="1" smtClean="0"/>
+              <a:t>mer</a:t>
+            </a:r>
+            <a:r>
+              <a:rPr lang="en-US" sz="2000" dirty="0" smtClean="0"/>
+              <a:t> with k=3) belong to the same section</a:t>
+            </a:r>
+          </a:p>
+          <a:p>
+            <a:pPr lvl="1"/>
+            <a:r>
+              <a:rPr lang="en-US" sz="2000" dirty="0" err="1" smtClean="0">
+                <a:solidFill>
+                  <a:srgbClr val="FF0000"/>
+                </a:solidFill>
+              </a:rPr>
+              <a:t>pana</a:t>
+            </a:r>
+            <a:r>
+              <a:rPr lang="en-US" sz="2000" dirty="0" smtClean="0"/>
+              <a:t>[bow]N</a:t>
+            </a:r>
+          </a:p>
+          <a:p>
+            <a:pPr lvl="1"/>
+            <a:r>
+              <a:rPr lang="en-US" sz="2000" dirty="0" err="1" smtClean="0"/>
+              <a:t>e</a:t>
+            </a:r>
+            <a:r>
+              <a:rPr lang="en-US" sz="2000" dirty="0" err="1" smtClean="0">
+                <a:solidFill>
+                  <a:srgbClr val="FF0000"/>
+                </a:solidFill>
+              </a:rPr>
+              <a:t>pana</a:t>
+            </a:r>
+            <a:r>
+              <a:rPr lang="en-US" sz="2000" dirty="0" smtClean="0"/>
+              <a:t>[quiver]N</a:t>
+            </a:r>
+          </a:p>
+          <a:p>
+            <a:pPr lvl="1"/>
+            <a:r>
+              <a:rPr lang="en-US" sz="2000" dirty="0" err="1" smtClean="0"/>
+              <a:t>gag</a:t>
+            </a:r>
+            <a:r>
+              <a:rPr lang="en-US" sz="2000" dirty="0" err="1" smtClean="0">
+                <a:solidFill>
+                  <a:srgbClr val="FF0000"/>
+                </a:solidFill>
+              </a:rPr>
+              <a:t>pana</a:t>
+            </a:r>
+            <a:r>
+              <a:rPr lang="en-US" sz="2000" dirty="0" smtClean="0"/>
+              <a:t>[</a:t>
+            </a:r>
+            <a:r>
+              <a:rPr lang="en-US" sz="2000" dirty="0" smtClean="0">
+                <a:solidFill>
+                  <a:schemeClr val="accent6"/>
+                </a:solidFill>
+              </a:rPr>
+              <a:t>arrow</a:t>
+            </a:r>
+            <a:r>
+              <a:rPr lang="en-US" sz="2000" dirty="0" smtClean="0"/>
+              <a:t>]N</a:t>
+            </a:r>
+          </a:p>
+          <a:p>
+            <a:pPr lvl="1"/>
+            <a:r>
+              <a:rPr lang="en-US" sz="2000" dirty="0" err="1" smtClean="0"/>
+              <a:t>gagsisa</a:t>
+            </a:r>
+            <a:r>
+              <a:rPr lang="en-US" sz="2000" dirty="0" smtClean="0"/>
+              <a:t>[</a:t>
+            </a:r>
+            <a:r>
+              <a:rPr lang="en-US" sz="2000" dirty="0" smtClean="0">
+                <a:solidFill>
+                  <a:schemeClr val="accent6"/>
+                </a:solidFill>
+              </a:rPr>
+              <a:t>arrow</a:t>
+            </a:r>
+            <a:r>
+              <a:rPr lang="en-US" sz="2000" dirty="0" smtClean="0"/>
+              <a:t>]N</a:t>
+            </a:r>
+          </a:p>
+          <a:p>
+            <a:pPr lvl="1"/>
+            <a:r>
+              <a:rPr lang="en-US" sz="2000" dirty="0" err="1" smtClean="0"/>
+              <a:t>gagsieš</a:t>
+            </a:r>
+            <a:r>
+              <a:rPr lang="en-US" sz="2000" dirty="0" smtClean="0"/>
+              <a:t>[</a:t>
+            </a:r>
+            <a:r>
+              <a:rPr lang="en-US" sz="2000" dirty="0" smtClean="0">
+                <a:solidFill>
+                  <a:schemeClr val="accent6"/>
+                </a:solidFill>
+              </a:rPr>
+              <a:t>arrow</a:t>
+            </a:r>
+            <a:r>
+              <a:rPr lang="en-US" sz="2000" dirty="0" smtClean="0"/>
+              <a:t>]N</a:t>
+            </a:r>
+          </a:p>
+          <a:p>
+            <a:pPr lvl="1"/>
+            <a:r>
+              <a:rPr lang="en-US" sz="2000" dirty="0" smtClean="0"/>
+              <a:t>=============</a:t>
+            </a:r>
+          </a:p>
+          <a:p>
+            <a:pPr lvl="1"/>
+            <a:r>
+              <a:rPr lang="en-US" sz="2000" dirty="0" err="1"/>
+              <a:t>e</a:t>
+            </a:r>
+            <a:r>
+              <a:rPr lang="en-US" sz="2000" dirty="0" err="1" smtClean="0"/>
+              <a:t>šad</a:t>
+            </a:r>
+            <a:r>
+              <a:rPr lang="en-US" sz="2000" dirty="0" smtClean="0"/>
+              <a:t>[trap]N</a:t>
+            </a:r>
+            <a:endParaRPr lang="en-US" sz="2000" dirty="0"/>
+          </a:p>
+        </p:txBody>
+      </p:sp>
+      <p:sp>
+        <p:nvSpPr>
+          <p:cNvPr id="7" name="TextBox 6"/>
+          <p:cNvSpPr txBox="1"/>
+          <p:nvPr/>
+        </p:nvSpPr>
+        <p:spPr>
+          <a:xfrm>
+            <a:off x="4876800" y="17145000"/>
+            <a:ext cx="4343400" cy="1569660"/>
+          </a:xfrm>
+          <a:prstGeom prst="rect">
+            <a:avLst/>
+          </a:prstGeom>
+          <a:noFill/>
+        </p:spPr>
+        <p:txBody>
+          <a:bodyPr wrap="square" rtlCol="0">
+            <a:spAutoFit/>
+          </a:bodyPr>
+          <a:lstStyle/>
+          <a:p>
+            <a:r>
+              <a:rPr lang="en-US" sz="1600" dirty="0" smtClean="0"/>
+              <a:t>The section “bow” is defined by a sequence of lemmas that share a sequence of at least 3 characters either in the Sumerian Citation Form or in the English Guide Word. Square brackets and Part of Speech are ignored. The word for “</a:t>
+            </a:r>
+            <a:r>
+              <a:rPr lang="en-US" sz="1600" dirty="0" err="1" smtClean="0"/>
+              <a:t>trap”is</a:t>
+            </a:r>
+            <a:r>
+              <a:rPr lang="en-US" sz="1600" dirty="0" smtClean="0"/>
+              <a:t> the beginning of a new section</a:t>
+            </a:r>
+            <a:endParaRPr lang="en-US" sz="1600" dirty="0"/>
+          </a:p>
+        </p:txBody>
+      </p:sp>
     </p:spTree>
     <p:extLst>
       <p:ext uri="{BB962C8B-B14F-4D97-AF65-F5344CB8AC3E}">
@@ -7691,7 +7895,7 @@
   <a:extraClrSchemeLst/>
   <a:extLst>
     <a:ext uri="{05A4C25C-085E-4340-85A3-A5531E510DB2}">
-      <thm15:themeFamily xmlns:thm15="http://schemas.microsoft.com/office/thememl/2012/main" xmlns="" name="Office Theme" id="{62F939B6-93AF-4DB8-9C6B-D6C7DFDC589F}" vid="{4A3C46E8-61CC-4603-A589-7422A47A8E4A}"/>
+      <thm15:themeFamily xmlns="" xmlns:thm15="http://schemas.microsoft.com/office/thememl/2012/main" name="Office Theme" id="{62F939B6-93AF-4DB8-9C6B-D6C7DFDC589F}" vid="{4A3C46E8-61CC-4603-A589-7422A47A8E4A}"/>
     </a:ext>
   </a:extLst>
 </a:theme>

--- a/presentations/HTRC-2018/poster-template.pptx
+++ b/presentations/HTRC-2018/poster-template.pptx
@@ -109,7 +109,7 @@
   </p:defaultTextStyle>
   <p:extLst>
     <p:ext uri="{EFAFB233-063F-42B5-8137-9DF3F51BA10A}">
-      <p15:sldGuideLst xmlns="" xmlns:p15="http://schemas.microsoft.com/office/powerpoint/2012/main">
+      <p15:sldGuideLst xmlns:p15="http://schemas.microsoft.com/office/powerpoint/2012/main">
         <p15:guide id="1" orient="horz" pos="6912">
           <p15:clr>
             <a:srgbClr val="A4A3A4"/>
@@ -123,7 +123,7 @@
       </p15:sldGuideLst>
     </p:ext>
     <p:ext uri="{2D200454-40CA-4A62-9FC3-DE9A4176ACB9}">
-      <p15:notesGuideLst xmlns="" xmlns:p15="http://schemas.microsoft.com/office/powerpoint/2012/main">
+      <p15:notesGuideLst xmlns:p15="http://schemas.microsoft.com/office/powerpoint/2012/main">
         <p15:guide id="1" orient="horz" pos="2926">
           <p15:clr>
             <a:srgbClr val="A4A3A4"/>
@@ -222,7 +222,7 @@
           <a:p>
             <a:fld id="{FF66CDD7-09B6-4BB3-9069-2B95837CCCB2}" type="datetimeFigureOut">
               <a:rPr lang="en-US" smtClean="0"/>
-              <a:t>1/17/2018</a:t>
+              <a:t>1/18/18</a:t>
             </a:fld>
             <a:endParaRPr lang="en-US"/>
           </a:p>
@@ -436,7 +436,7 @@
           <a:p>
             <a:fld id="{985D6BDF-9D0E-4E2B-85B8-D8F4790360C9}" type="datetimeFigureOut">
               <a:rPr lang="en-US" smtClean="0"/>
-              <a:t>1/17/2018</a:t>
+              <a:t>1/18/18</a:t>
             </a:fld>
             <a:endParaRPr lang="en-US" dirty="0"/>
           </a:p>
@@ -601,7 +601,7 @@
           <a:p>
             <a:fld id="{985D6BDF-9D0E-4E2B-85B8-D8F4790360C9}" type="datetimeFigureOut">
               <a:rPr lang="en-US" smtClean="0"/>
-              <a:t>1/17/2018</a:t>
+              <a:t>1/18/18</a:t>
             </a:fld>
             <a:endParaRPr lang="en-US" dirty="0"/>
           </a:p>
@@ -776,7 +776,7 @@
           <a:p>
             <a:fld id="{985D6BDF-9D0E-4E2B-85B8-D8F4790360C9}" type="datetimeFigureOut">
               <a:rPr lang="en-US" smtClean="0"/>
-              <a:t>1/17/2018</a:t>
+              <a:t>1/18/18</a:t>
             </a:fld>
             <a:endParaRPr lang="en-US" dirty="0"/>
           </a:p>
@@ -2451,7 +2451,7 @@
           <a:p>
             <a:fld id="{985D6BDF-9D0E-4E2B-85B8-D8F4790360C9}" type="datetimeFigureOut">
               <a:rPr lang="en-US" smtClean="0"/>
-              <a:t>1/17/2018</a:t>
+              <a:t>1/18/18</a:t>
             </a:fld>
             <a:endParaRPr lang="en-US" dirty="0"/>
           </a:p>
@@ -2692,7 +2692,7 @@
           <a:p>
             <a:fld id="{985D6BDF-9D0E-4E2B-85B8-D8F4790360C9}" type="datetimeFigureOut">
               <a:rPr lang="en-US" smtClean="0"/>
-              <a:t>1/17/2018</a:t>
+              <a:t>1/18/18</a:t>
             </a:fld>
             <a:endParaRPr lang="en-US" dirty="0"/>
           </a:p>
@@ -2919,7 +2919,7 @@
           <a:p>
             <a:fld id="{985D6BDF-9D0E-4E2B-85B8-D8F4790360C9}" type="datetimeFigureOut">
               <a:rPr lang="en-US" smtClean="0"/>
-              <a:t>1/17/2018</a:t>
+              <a:t>1/18/18</a:t>
             </a:fld>
             <a:endParaRPr lang="en-US" dirty="0"/>
           </a:p>
@@ -3281,7 +3281,7 @@
           <a:p>
             <a:fld id="{985D6BDF-9D0E-4E2B-85B8-D8F4790360C9}" type="datetimeFigureOut">
               <a:rPr lang="en-US" smtClean="0"/>
-              <a:t>1/17/2018</a:t>
+              <a:t>1/18/18</a:t>
             </a:fld>
             <a:endParaRPr lang="en-US" dirty="0"/>
           </a:p>
@@ -3394,7 +3394,7 @@
           <a:p>
             <a:fld id="{985D6BDF-9D0E-4E2B-85B8-D8F4790360C9}" type="datetimeFigureOut">
               <a:rPr lang="en-US" smtClean="0"/>
-              <a:t>1/17/2018</a:t>
+              <a:t>1/18/18</a:t>
             </a:fld>
             <a:endParaRPr lang="en-US" dirty="0"/>
           </a:p>
@@ -3484,7 +3484,7 @@
           <a:p>
             <a:fld id="{985D6BDF-9D0E-4E2B-85B8-D8F4790360C9}" type="datetimeFigureOut">
               <a:rPr lang="en-US" smtClean="0"/>
-              <a:t>1/17/2018</a:t>
+              <a:t>1/18/18</a:t>
             </a:fld>
             <a:endParaRPr lang="en-US" dirty="0"/>
           </a:p>
@@ -3756,7 +3756,7 @@
           <a:p>
             <a:fld id="{985D6BDF-9D0E-4E2B-85B8-D8F4790360C9}" type="datetimeFigureOut">
               <a:rPr lang="en-US" smtClean="0"/>
-              <a:t>1/17/2018</a:t>
+              <a:t>1/18/18</a:t>
             </a:fld>
             <a:endParaRPr lang="en-US" dirty="0"/>
           </a:p>
@@ -4004,7 +4004,7 @@
           <a:p>
             <a:fld id="{985D6BDF-9D0E-4E2B-85B8-D8F4790360C9}" type="datetimeFigureOut">
               <a:rPr lang="en-US" smtClean="0"/>
-              <a:t>1/17/2018</a:t>
+              <a:t>1/18/18</a:t>
             </a:fld>
             <a:endParaRPr lang="en-US" dirty="0"/>
           </a:p>
@@ -4212,7 +4212,7 @@
           <a:p>
             <a:fld id="{985D6BDF-9D0E-4E2B-85B8-D8F4790360C9}" type="datetimeFigureOut">
               <a:rPr lang="en-US" smtClean="0"/>
-              <a:t>1/17/2018</a:t>
+              <a:t>1/18/18</a:t>
             </a:fld>
             <a:endParaRPr lang="en-US" dirty="0"/>
           </a:p>
@@ -5496,9 +5496,6 @@
               </a:rPr>
               <a:t>- Ancient Mesopotamia (present-day Iraq); ca 1900-1200 BCE</a:t>
             </a:r>
-            <a:endParaRPr lang="en-US" sz="2000" dirty="0" smtClean="0">
-              <a:latin typeface="Calibri" pitchFamily="34" charset="0"/>
-            </a:endParaRPr>
           </a:p>
           <a:p>
             <a:pPr marL="57150" indent="-342900" eaLnBrk="1" hangingPunct="1">
@@ -5527,13 +5524,7 @@
               <a:rPr lang="en-US" sz="2000" dirty="0" smtClean="0">
                 <a:latin typeface="Calibri" pitchFamily="34" charset="0"/>
               </a:rPr>
-              <a:t>; each section includes related words (for instance: parts of a chariot). The order of sections also changes over time</a:t>
-            </a:r>
-            <a:r>
-              <a:rPr lang="en-US" sz="2000" dirty="0" smtClean="0">
-                <a:latin typeface="Calibri" pitchFamily="34" charset="0"/>
-              </a:rPr>
-              <a:t>.</a:t>
+              <a:t>; each section includes related words (for instance: parts of a chariot). The order of sections also changes over time.</a:t>
             </a:r>
           </a:p>
           <a:p>
@@ -5584,13 +5575,7 @@
               <a:rPr lang="en-US" sz="2000" dirty="0" smtClean="0">
                 <a:latin typeface="Calibri" pitchFamily="34" charset="0"/>
               </a:rPr>
-              <a:t> within the entire text</a:t>
-            </a:r>
-            <a:r>
-              <a:rPr lang="en-US" sz="2000" dirty="0" smtClean="0">
-                <a:latin typeface="Calibri" pitchFamily="34" charset="0"/>
-              </a:rPr>
-              <a:t>.</a:t>
+              <a:t> within the entire text.</a:t>
             </a:r>
           </a:p>
           <a:p>
@@ -6552,64 +6537,34 @@
                 </a:solidFill>
                 <a:latin typeface="+mn-lt"/>
               </a:rPr>
-              <a:t> data, </a:t>
-            </a:r>
-            <a:r>
-              <a:rPr lang="en-US" sz="2000" dirty="0" smtClean="0">
-                <a:solidFill>
-                  <a:prstClr val="black"/>
-                </a:solidFill>
-                <a:latin typeface="+mn-lt"/>
-              </a:rPr>
-              <a:t>made available by </a:t>
+              <a:t> data, made available by </a:t>
             </a:r>
             <a:r>
               <a:rPr lang="en-US" sz="2000" dirty="0" smtClean="0">
                 <a:latin typeface="+mn-lt"/>
               </a:rPr>
-              <a:t>ORACC </a:t>
+              <a:t>ORACC in </a:t>
+            </a:r>
+            <a:r>
+              <a:rPr lang="en-US" sz="2000" dirty="0">
+                <a:latin typeface="+mn-lt"/>
+              </a:rPr>
+              <a:t>JSON </a:t>
             </a:r>
             <a:r>
               <a:rPr lang="en-US" sz="2000" dirty="0" smtClean="0">
                 <a:latin typeface="+mn-lt"/>
               </a:rPr>
-              <a:t>in </a:t>
-            </a:r>
-            <a:r>
-              <a:rPr lang="en-US" sz="2000" dirty="0">
+              <a:t>format, is used in the analysis. Data consist of c</a:t>
+            </a:r>
+            <a:r>
+              <a:rPr lang="en-US" sz="2000" dirty="0" smtClean="0">
+                <a:solidFill>
+                  <a:prstClr val="black"/>
+                </a:solidFill>
                 <a:latin typeface="+mn-lt"/>
               </a:rPr>
-              <a:t>JSON </a:t>
-            </a:r>
-            <a:r>
-              <a:rPr lang="en-US" sz="2000" dirty="0" smtClean="0">
-                <a:latin typeface="+mn-lt"/>
-              </a:rPr>
-              <a:t>format, </a:t>
-            </a:r>
-            <a:r>
-              <a:rPr lang="en-US" sz="2000" dirty="0" smtClean="0">
-                <a:latin typeface="+mn-lt"/>
-              </a:rPr>
-              <a:t>is used in the analysis. Data consist of c</a:t>
-            </a:r>
-            <a:r>
-              <a:rPr lang="en-US" sz="2000" dirty="0" smtClean="0">
-                <a:solidFill>
-                  <a:prstClr val="black"/>
-                </a:solidFill>
-                <a:latin typeface="+mn-lt"/>
-              </a:rPr>
-              <a:t>a. 135 exemplars of the list of trees and wooden objects, ranging from 2 to 750 lines in length. The data is arranged in a DTM (Document-Term Matrix) for comparison of the </a:t>
-            </a:r>
-            <a:r>
-              <a:rPr lang="en-US" sz="2000" dirty="0" smtClean="0">
-                <a:solidFill>
-                  <a:prstClr val="black"/>
-                </a:solidFill>
-                <a:latin typeface="+mn-lt"/>
-              </a:rPr>
-              <a:t>documents on </a:t>
+              <a:t>a. 135 exemplars of the list of trees and wooden objects, ranging from 2 to 750 lines in length. The data is arranged in a DTM (Document-Term Matrix) for comparison of the documents on </a:t>
             </a:r>
             <a:r>
               <a:rPr lang="en-US" sz="2000" b="1" dirty="0" smtClean="0">
@@ -7171,11 +7126,7 @@
                     <a:p>
                       <a:r>
                         <a:rPr lang="en-US" sz="2000" dirty="0" smtClean="0"/>
-                        <a:t>Exemplar </a:t>
-                      </a:r>
-                      <a:r>
-                        <a:rPr lang="en-US" sz="2000" dirty="0" smtClean="0"/>
-                        <a:t>1</a:t>
+                        <a:t>Exemplar 1</a:t>
                       </a:r>
                       <a:endParaRPr lang="en-US" sz="2000" dirty="0"/>
                     </a:p>
@@ -7247,11 +7198,7 @@
                     <a:p>
                       <a:r>
                         <a:rPr lang="en-US" sz="2000" dirty="0" smtClean="0"/>
-                        <a:t>Exemplar </a:t>
-                      </a:r>
-                      <a:r>
-                        <a:rPr lang="en-US" sz="2000" dirty="0" smtClean="0"/>
-                        <a:t>2</a:t>
+                        <a:t>Exemplar 2</a:t>
                       </a:r>
                       <a:endParaRPr lang="en-US" sz="2000" dirty="0"/>
                     </a:p>
@@ -7323,11 +7270,7 @@
                     <a:p>
                       <a:r>
                         <a:rPr lang="en-US" sz="2000" dirty="0" smtClean="0"/>
-                        <a:t>Exemplar </a:t>
-                      </a:r>
-                      <a:r>
-                        <a:rPr lang="en-US" sz="2000" dirty="0" smtClean="0"/>
-                        <a:t>3</a:t>
+                        <a:t>Exemplar 3</a:t>
                       </a:r>
                       <a:endParaRPr lang="en-US" sz="2000" dirty="0"/>
                     </a:p>
@@ -7620,6 +7563,36 @@
           </a:p>
         </p:txBody>
       </p:sp>
+      <p:pic>
+        <p:nvPicPr>
+          <p:cNvPr id="8" name="Picture 7"/>
+          <p:cNvPicPr>
+            <a:picLocks noChangeAspect="1"/>
+          </p:cNvPicPr>
+          <p:nvPr/>
+        </p:nvPicPr>
+        <p:blipFill>
+          <a:blip r:embed="rId7">
+            <a:extLst>
+              <a:ext uri="{28A0092B-C50C-407E-A947-70E740481C1C}">
+                <a14:useLocalDpi xmlns:a14="http://schemas.microsoft.com/office/drawing/2010/main" val="0"/>
+              </a:ext>
+            </a:extLst>
+          </a:blip>
+          <a:stretch>
+            <a:fillRect/>
+          </a:stretch>
+        </p:blipFill>
+        <p:spPr>
+          <a:xfrm>
+            <a:off x="11496040" y="7445706"/>
+            <a:ext cx="6267577" cy="8093891"/>
+          </a:xfrm>
+          <a:prstGeom prst="rect">
+            <a:avLst/>
+          </a:prstGeom>
+        </p:spPr>
+      </p:pic>
     </p:spTree>
     <p:extLst>
       <p:ext uri="{BB962C8B-B14F-4D97-AF65-F5344CB8AC3E}">
@@ -7895,7 +7868,7 @@
   <a:extraClrSchemeLst/>
   <a:extLst>
     <a:ext uri="{05A4C25C-085E-4340-85A3-A5531E510DB2}">
-      <thm15:themeFamily xmlns="" xmlns:thm15="http://schemas.microsoft.com/office/thememl/2012/main" name="Office Theme" id="{62F939B6-93AF-4DB8-9C6B-D6C7DFDC589F}" vid="{4A3C46E8-61CC-4603-A589-7422A47A8E4A}"/>
+      <thm15:themeFamily xmlns:thm15="http://schemas.microsoft.com/office/thememl/2012/main" name="Office Theme" id="{62F939B6-93AF-4DB8-9C6B-D6C7DFDC589F}" vid="{4A3C46E8-61CC-4603-A589-7422A47A8E4A}"/>
     </a:ext>
   </a:extLst>
 </a:theme>

--- a/presentations/HTRC-2018/poster-template.pptx
+++ b/presentations/HTRC-2018/poster-template.pptx
@@ -109,7 +109,7 @@
   </p:defaultTextStyle>
   <p:extLst>
     <p:ext uri="{EFAFB233-063F-42B5-8137-9DF3F51BA10A}">
-      <p15:sldGuideLst xmlns:p15="http://schemas.microsoft.com/office/powerpoint/2012/main">
+      <p15:sldGuideLst xmlns:p15="http://schemas.microsoft.com/office/powerpoint/2012/main" xmlns="">
         <p15:guide id="1" orient="horz" pos="6912">
           <p15:clr>
             <a:srgbClr val="A4A3A4"/>
@@ -123,7 +123,7 @@
       </p15:sldGuideLst>
     </p:ext>
     <p:ext uri="{2D200454-40CA-4A62-9FC3-DE9A4176ACB9}">
-      <p15:notesGuideLst xmlns:p15="http://schemas.microsoft.com/office/powerpoint/2012/main">
+      <p15:notesGuideLst xmlns:p15="http://schemas.microsoft.com/office/powerpoint/2012/main" xmlns="">
         <p15:guide id="1" orient="horz" pos="2926">
           <p15:clr>
             <a:srgbClr val="A4A3A4"/>
@@ -222,7 +222,7 @@
           <a:p>
             <a:fld id="{FF66CDD7-09B6-4BB3-9069-2B95837CCCB2}" type="datetimeFigureOut">
               <a:rPr lang="en-US" smtClean="0"/>
-              <a:t>1/18/18</a:t>
+              <a:t>1/22/2018</a:t>
             </a:fld>
             <a:endParaRPr lang="en-US"/>
           </a:p>
@@ -436,7 +436,7 @@
           <a:p>
             <a:fld id="{985D6BDF-9D0E-4E2B-85B8-D8F4790360C9}" type="datetimeFigureOut">
               <a:rPr lang="en-US" smtClean="0"/>
-              <a:t>1/18/18</a:t>
+              <a:t>1/22/2018</a:t>
             </a:fld>
             <a:endParaRPr lang="en-US" dirty="0"/>
           </a:p>
@@ -601,7 +601,7 @@
           <a:p>
             <a:fld id="{985D6BDF-9D0E-4E2B-85B8-D8F4790360C9}" type="datetimeFigureOut">
               <a:rPr lang="en-US" smtClean="0"/>
-              <a:t>1/18/18</a:t>
+              <a:t>1/22/2018</a:t>
             </a:fld>
             <a:endParaRPr lang="en-US" dirty="0"/>
           </a:p>
@@ -776,7 +776,7 @@
           <a:p>
             <a:fld id="{985D6BDF-9D0E-4E2B-85B8-D8F4790360C9}" type="datetimeFigureOut">
               <a:rPr lang="en-US" smtClean="0"/>
-              <a:t>1/18/18</a:t>
+              <a:t>1/22/2018</a:t>
             </a:fld>
             <a:endParaRPr lang="en-US" dirty="0"/>
           </a:p>
@@ -2451,7 +2451,7 @@
           <a:p>
             <a:fld id="{985D6BDF-9D0E-4E2B-85B8-D8F4790360C9}" type="datetimeFigureOut">
               <a:rPr lang="en-US" smtClean="0"/>
-              <a:t>1/18/18</a:t>
+              <a:t>1/22/2018</a:t>
             </a:fld>
             <a:endParaRPr lang="en-US" dirty="0"/>
           </a:p>
@@ -2692,7 +2692,7 @@
           <a:p>
             <a:fld id="{985D6BDF-9D0E-4E2B-85B8-D8F4790360C9}" type="datetimeFigureOut">
               <a:rPr lang="en-US" smtClean="0"/>
-              <a:t>1/18/18</a:t>
+              <a:t>1/22/2018</a:t>
             </a:fld>
             <a:endParaRPr lang="en-US" dirty="0"/>
           </a:p>
@@ -2919,7 +2919,7 @@
           <a:p>
             <a:fld id="{985D6BDF-9D0E-4E2B-85B8-D8F4790360C9}" type="datetimeFigureOut">
               <a:rPr lang="en-US" smtClean="0"/>
-              <a:t>1/18/18</a:t>
+              <a:t>1/22/2018</a:t>
             </a:fld>
             <a:endParaRPr lang="en-US" dirty="0"/>
           </a:p>
@@ -3281,7 +3281,7 @@
           <a:p>
             <a:fld id="{985D6BDF-9D0E-4E2B-85B8-D8F4790360C9}" type="datetimeFigureOut">
               <a:rPr lang="en-US" smtClean="0"/>
-              <a:t>1/18/18</a:t>
+              <a:t>1/22/2018</a:t>
             </a:fld>
             <a:endParaRPr lang="en-US" dirty="0"/>
           </a:p>
@@ -3394,7 +3394,7 @@
           <a:p>
             <a:fld id="{985D6BDF-9D0E-4E2B-85B8-D8F4790360C9}" type="datetimeFigureOut">
               <a:rPr lang="en-US" smtClean="0"/>
-              <a:t>1/18/18</a:t>
+              <a:t>1/22/2018</a:t>
             </a:fld>
             <a:endParaRPr lang="en-US" dirty="0"/>
           </a:p>
@@ -3484,7 +3484,7 @@
           <a:p>
             <a:fld id="{985D6BDF-9D0E-4E2B-85B8-D8F4790360C9}" type="datetimeFigureOut">
               <a:rPr lang="en-US" smtClean="0"/>
-              <a:t>1/18/18</a:t>
+              <a:t>1/22/2018</a:t>
             </a:fld>
             <a:endParaRPr lang="en-US" dirty="0"/>
           </a:p>
@@ -3756,7 +3756,7 @@
           <a:p>
             <a:fld id="{985D6BDF-9D0E-4E2B-85B8-D8F4790360C9}" type="datetimeFigureOut">
               <a:rPr lang="en-US" smtClean="0"/>
-              <a:t>1/18/18</a:t>
+              <a:t>1/22/2018</a:t>
             </a:fld>
             <a:endParaRPr lang="en-US" dirty="0"/>
           </a:p>
@@ -4004,7 +4004,7 @@
           <a:p>
             <a:fld id="{985D6BDF-9D0E-4E2B-85B8-D8F4790360C9}" type="datetimeFigureOut">
               <a:rPr lang="en-US" smtClean="0"/>
-              <a:t>1/18/18</a:t>
+              <a:t>1/22/2018</a:t>
             </a:fld>
             <a:endParaRPr lang="en-US" dirty="0"/>
           </a:p>
@@ -4212,7 +4212,7 @@
           <a:p>
             <a:fld id="{985D6BDF-9D0E-4E2B-85B8-D8F4790360C9}" type="datetimeFigureOut">
               <a:rPr lang="en-US" smtClean="0"/>
-              <a:t>1/18/18</a:t>
+              <a:t>1/22/2018</a:t>
             </a:fld>
             <a:endParaRPr lang="en-US" dirty="0"/>
           </a:p>
@@ -5022,7 +5022,79 @@
                 </a:solidFill>
                 <a:latin typeface="+mn-lt"/>
               </a:rPr>
-              <a:t>Erin Becker, Software Carpentry and  Niek Veldhuis, UC Berkeley, Department of Near Eastern Studies</a:t>
+              <a:t>Erin Becker, </a:t>
+            </a:r>
+            <a:r>
+              <a:rPr lang="en-US" sz="2800" dirty="0" smtClean="0">
+                <a:solidFill>
+                  <a:schemeClr val="accent3">
+                    <a:lumMod val="20000"/>
+                    <a:lumOff val="80000"/>
+                  </a:schemeClr>
+                </a:solidFill>
+                <a:latin typeface="+mn-lt"/>
+              </a:rPr>
+              <a:t>Associate Director, The </a:t>
+            </a:r>
+            <a:r>
+              <a:rPr lang="en-US" sz="2800" smtClean="0">
+                <a:solidFill>
+                  <a:schemeClr val="accent3">
+                    <a:lumMod val="20000"/>
+                    <a:lumOff val="80000"/>
+                  </a:schemeClr>
+                </a:solidFill>
+                <a:latin typeface="+mn-lt"/>
+              </a:rPr>
+              <a:t>Carpentries and </a:t>
+            </a:r>
+            <a:r>
+              <a:rPr lang="en-US" sz="2800" dirty="0" smtClean="0">
+                <a:solidFill>
+                  <a:schemeClr val="accent3">
+                    <a:lumMod val="20000"/>
+                    <a:lumOff val="80000"/>
+                  </a:schemeClr>
+                </a:solidFill>
+                <a:latin typeface="+mn-lt"/>
+              </a:rPr>
+              <a:t>Niek Veldhuis, </a:t>
+            </a:r>
+            <a:r>
+              <a:rPr lang="en-US" sz="2800" dirty="0" smtClean="0">
+                <a:solidFill>
+                  <a:schemeClr val="accent3">
+                    <a:lumMod val="20000"/>
+                    <a:lumOff val="80000"/>
+                  </a:schemeClr>
+                </a:solidFill>
+                <a:latin typeface="+mn-lt"/>
+              </a:rPr>
+              <a:t>Professor </a:t>
+            </a:r>
+            <a:r>
+              <a:rPr lang="en-US" sz="2800" smtClean="0">
+                <a:solidFill>
+                  <a:schemeClr val="accent3">
+                    <a:lumMod val="20000"/>
+                    <a:lumOff val="80000"/>
+                  </a:schemeClr>
+                </a:solidFill>
+                <a:latin typeface="+mn-lt"/>
+              </a:rPr>
+              <a:t>of Assyriology, UC </a:t>
+            </a:r>
+            <a:r>
+              <a:rPr lang="en-US" sz="2800" dirty="0" smtClean="0">
+                <a:solidFill>
+                  <a:schemeClr val="accent3">
+                    <a:lumMod val="20000"/>
+                    <a:lumOff val="80000"/>
+                  </a:schemeClr>
+                </a:solidFill>
+                <a:latin typeface="+mn-lt"/>
+              </a:rPr>
+              <a:t>Berkeley, Department of Near Eastern Studies</a:t>
             </a:r>
             <a:endParaRPr lang="en-US" sz="2800" baseline="30000" dirty="0">
               <a:solidFill>
@@ -7549,15 +7621,15 @@
           <a:p>
             <a:r>
               <a:rPr lang="en-US" sz="1600" dirty="0" smtClean="0"/>
-              <a:t>The section “bow” is defined by a sequence of lemmas that share a sequence of at least 3 characters either in the Sumerian Citation Form or in the English Guide Word. Square brackets and Part of Speech are ignored. The word for “</a:t>
-            </a:r>
-            <a:r>
-              <a:rPr lang="en-US" sz="1600" dirty="0" err="1" smtClean="0"/>
-              <a:t>trap”is</a:t>
+              <a:t>The section “bow” is defined by a sequence of lemmas that share a sequence of at least 3 characters either in the Sumerian Citation Form or in the English Guide Word. Square brackets and Part of Speech are ignored. The word for “trap</a:t>
             </a:r>
             <a:r>
               <a:rPr lang="en-US" sz="1600" dirty="0" smtClean="0"/>
-              <a:t> the beginning of a new section</a:t>
+              <a:t>” is </a:t>
+            </a:r>
+            <a:r>
+              <a:rPr lang="en-US" sz="1600" dirty="0" smtClean="0"/>
+              <a:t>the beginning of a new section</a:t>
             </a:r>
             <a:endParaRPr lang="en-US" sz="1600" dirty="0"/>
           </a:p>
@@ -7868,7 +7940,7 @@
   <a:extraClrSchemeLst/>
   <a:extLst>
     <a:ext uri="{05A4C25C-085E-4340-85A3-A5531E510DB2}">
-      <thm15:themeFamily xmlns:thm15="http://schemas.microsoft.com/office/thememl/2012/main" name="Office Theme" id="{62F939B6-93AF-4DB8-9C6B-D6C7DFDC589F}" vid="{4A3C46E8-61CC-4603-A589-7422A47A8E4A}"/>
+      <thm15:themeFamily xmlns:thm15="http://schemas.microsoft.com/office/thememl/2012/main" xmlns="" name="Office Theme" id="{62F939B6-93AF-4DB8-9C6B-D6C7DFDC589F}" vid="{4A3C46E8-61CC-4603-A589-7422A47A8E4A}"/>
     </a:ext>
   </a:extLst>
 </a:theme>

--- a/presentations/HTRC-2018/poster-template.pptx
+++ b/presentations/HTRC-2018/poster-template.pptx
@@ -5022,10 +5022,10 @@
                 </a:solidFill>
                 <a:latin typeface="+mn-lt"/>
               </a:rPr>
-              <a:t>Erin Becker, </a:t>
-            </a:r>
-            <a:r>
-              <a:rPr lang="en-US" sz="2800" dirty="0" smtClean="0">
+              <a:t>Erin Becker, Associate Director, The </a:t>
+            </a:r>
+            <a:r>
+              <a:rPr lang="en-US" sz="2800" smtClean="0">
                 <a:solidFill>
                   <a:schemeClr val="accent3">
                     <a:lumMod val="20000"/>
@@ -5034,10 +5034,10 @@
                 </a:solidFill>
                 <a:latin typeface="+mn-lt"/>
               </a:rPr>
-              <a:t>Associate Director, The </a:t>
-            </a:r>
-            <a:r>
-              <a:rPr lang="en-US" sz="2800" smtClean="0">
+              <a:t>Carpentries and </a:t>
+            </a:r>
+            <a:r>
+              <a:rPr lang="en-US" sz="2800" dirty="0" smtClean="0">
                 <a:solidFill>
                   <a:schemeClr val="accent3">
                     <a:lumMod val="20000"/>
@@ -5046,31 +5046,7 @@
                 </a:solidFill>
                 <a:latin typeface="+mn-lt"/>
               </a:rPr>
-              <a:t>Carpentries and </a:t>
-            </a:r>
-            <a:r>
-              <a:rPr lang="en-US" sz="2800" dirty="0" smtClean="0">
-                <a:solidFill>
-                  <a:schemeClr val="accent3">
-                    <a:lumMod val="20000"/>
-                    <a:lumOff val="80000"/>
-                  </a:schemeClr>
-                </a:solidFill>
-                <a:latin typeface="+mn-lt"/>
-              </a:rPr>
-              <a:t>Niek Veldhuis, </a:t>
-            </a:r>
-            <a:r>
-              <a:rPr lang="en-US" sz="2800" dirty="0" smtClean="0">
-                <a:solidFill>
-                  <a:schemeClr val="accent3">
-                    <a:lumMod val="20000"/>
-                    <a:lumOff val="80000"/>
-                  </a:schemeClr>
-                </a:solidFill>
-                <a:latin typeface="+mn-lt"/>
-              </a:rPr>
-              <a:t>Professor </a:t>
+              <a:t>Niek Veldhuis, Professor </a:t>
             </a:r>
             <a:r>
               <a:rPr lang="en-US" sz="2800" smtClean="0">
@@ -5117,7 +5093,7 @@
         <p:spPr>
           <a:xfrm>
             <a:off x="1280162" y="20025361"/>
-            <a:ext cx="2171325" cy="1588333"/>
+            <a:ext cx="7770550" cy="1280556"/>
           </a:xfrm>
           <a:prstGeom prst="rect">
             <a:avLst/>
@@ -5136,33 +5112,75 @@
           <a:lstStyle/>
           <a:p>
             <a:r>
+              <a:rPr lang="en-US" sz="2000" dirty="0" smtClean="0"/>
+              <a:t>Erin Becker</a:t>
+            </a:r>
+            <a:endParaRPr lang="en-US" sz="2000" dirty="0"/>
+          </a:p>
+          <a:p>
+            <a:r>
+              <a:rPr lang="en-US" sz="2000" dirty="0" smtClean="0"/>
+              <a:t>Associate Director, The Carpentries</a:t>
+            </a:r>
+            <a:endParaRPr lang="en-US" sz="2000" dirty="0"/>
+          </a:p>
+          <a:p>
+            <a:r>
               <a:rPr lang="en-US" sz="2000" dirty="0"/>
-              <a:t>&lt;your name&gt;</a:t>
-            </a:r>
+              <a:t>Email</a:t>
+            </a:r>
+            <a:r>
+              <a:rPr lang="en-US" sz="2000" dirty="0" smtClean="0"/>
+              <a:t>: </a:t>
+            </a:r>
+            <a:r>
+              <a:rPr lang="en-US" sz="2000" dirty="0" smtClean="0">
+                <a:hlinkClick r:id="rId3"/>
+              </a:rPr>
+              <a:t>ebecker@carpentries.org</a:t>
+            </a:r>
+            <a:r>
+              <a:rPr lang="en-US" sz="2000" dirty="0" smtClean="0"/>
+              <a:t> </a:t>
+            </a:r>
+            <a:endParaRPr lang="en-US" sz="2000" dirty="0"/>
           </a:p>
           <a:p>
             <a:r>
               <a:rPr lang="en-US" sz="2000" dirty="0"/>
-              <a:t>&lt;your organization&gt;</a:t>
-            </a:r>
-          </a:p>
-          <a:p>
+              <a:t>Website</a:t>
+            </a:r>
+            <a:r>
+              <a:rPr lang="en-US" sz="2000" dirty="0" smtClean="0"/>
+              <a:t>:</a:t>
+            </a:r>
             <a:r>
               <a:rPr lang="en-US" sz="2000" dirty="0"/>
-              <a:t>Email:</a:t>
-            </a:r>
-          </a:p>
-          <a:p>
-            <a:r>
-              <a:rPr lang="en-US" sz="2000" dirty="0"/>
-              <a:t>Website:</a:t>
-            </a:r>
-          </a:p>
-          <a:p>
-            <a:r>
-              <a:rPr lang="en-US" sz="2000" dirty="0"/>
-              <a:t>Phone:</a:t>
-            </a:r>
+              <a:t> </a:t>
+            </a:r>
+            <a:r>
+              <a:rPr lang="en-US" sz="2000" dirty="0" smtClean="0">
+                <a:hlinkClick r:id="rId4"/>
+              </a:rPr>
+              <a:t>https</a:t>
+            </a:r>
+            <a:r>
+              <a:rPr lang="en-US" sz="2000" smtClean="0">
+                <a:hlinkClick r:id="rId4"/>
+              </a:rPr>
+              <a:t>://</a:t>
+            </a:r>
+            <a:r>
+              <a:rPr lang="en-US" sz="2000" smtClean="0">
+                <a:hlinkClick r:id="rId4"/>
+              </a:rPr>
+              <a:t>github.com/ErinBecker/digital-humanities-phylogenetics</a:t>
+            </a:r>
+            <a:r>
+              <a:rPr lang="en-US" sz="2000" smtClean="0"/>
+              <a:t> </a:t>
+            </a:r>
+            <a:endParaRPr lang="en-US" sz="2000" dirty="0"/>
           </a:p>
         </p:txBody>
       </p:sp>
@@ -5217,140 +5235,49 @@
           </a:bodyPr>
           <a:lstStyle/>
           <a:p>
-            <a:pPr marL="244855" indent="-244855">
-              <a:buFont typeface="+mj-lt"/>
-              <a:buAutoNum type="arabicPeriod"/>
-            </a:pPr>
-            <a:r>
-              <a:rPr lang="en-US" sz="900" dirty="0"/>
+            <a:r>
+              <a:rPr lang="en-US" sz="2000" dirty="0" smtClean="0"/>
+              <a:t>Niek Veldhuis</a:t>
+            </a:r>
+          </a:p>
+          <a:p>
+            <a:r>
+              <a:rPr lang="en-US" sz="2000" dirty="0" smtClean="0"/>
+              <a:t>Professor of Assyriology, Dept. of Near Eastern Studies, UC Berkeley</a:t>
+            </a:r>
+          </a:p>
+          <a:p>
+            <a:r>
+              <a:rPr lang="en-US" sz="2000" dirty="0" smtClean="0"/>
+              <a:t>Email: </a:t>
+            </a:r>
+            <a:r>
+              <a:rPr lang="en-US" sz="2000" dirty="0" smtClean="0">
+                <a:hlinkClick r:id="rId5"/>
+              </a:rPr>
+              <a:t>veldhuis@berkeley.edu</a:t>
+            </a:r>
+            <a:endParaRPr lang="en-US" sz="2000" dirty="0" smtClean="0"/>
+          </a:p>
+          <a:p>
+            <a:r>
+              <a:rPr lang="en-US" sz="2000" dirty="0" smtClean="0"/>
+              <a:t>Website: </a:t>
+            </a:r>
+            <a:r>
+              <a:rPr lang="en-US" sz="2000" dirty="0" smtClean="0">
+                <a:hlinkClick r:id="rId6"/>
+              </a:rPr>
+              <a:t>http://oracc.org/dcclt</a:t>
+            </a:r>
+            <a:r>
+              <a:rPr lang="en-US" sz="2000" dirty="0" smtClean="0"/>
               <a:t> </a:t>
             </a:r>
-          </a:p>
-          <a:p>
-            <a:pPr marL="244855" indent="-244855">
-              <a:buFont typeface="+mj-lt"/>
-              <a:buAutoNum type="arabicPeriod"/>
-            </a:pPr>
-            <a:r>
-              <a:rPr lang="en-US" sz="900" dirty="0"/>
-              <a:t> </a:t>
-            </a:r>
-          </a:p>
-          <a:p>
-            <a:pPr marL="244855" indent="-244855">
-              <a:buFont typeface="+mj-lt"/>
-              <a:buAutoNum type="arabicPeriod"/>
-            </a:pPr>
-            <a:r>
-              <a:rPr lang="en-US" sz="900" dirty="0"/>
-              <a:t> </a:t>
-            </a:r>
-          </a:p>
-          <a:p>
-            <a:pPr marL="244855" indent="-244855">
-              <a:buFont typeface="+mj-lt"/>
-              <a:buAutoNum type="arabicPeriod"/>
-            </a:pPr>
-            <a:r>
-              <a:rPr lang="en-US" sz="900" dirty="0"/>
-              <a:t> </a:t>
-            </a:r>
-          </a:p>
-          <a:p>
-            <a:pPr marL="244855" indent="-244855">
-              <a:buFont typeface="+mj-lt"/>
-              <a:buAutoNum type="arabicPeriod"/>
-            </a:pPr>
-            <a:r>
-              <a:rPr lang="en-US" sz="900" dirty="0"/>
-              <a:t> </a:t>
-            </a:r>
-          </a:p>
-          <a:p>
-            <a:pPr marL="244855" indent="-244855">
-              <a:buFont typeface="+mj-lt"/>
-              <a:buAutoNum type="arabicPeriod"/>
-            </a:pPr>
-            <a:r>
-              <a:rPr lang="en-US" sz="900" dirty="0"/>
-              <a:t> </a:t>
-            </a:r>
-          </a:p>
-          <a:p>
-            <a:pPr marL="244855" indent="-244855">
-              <a:buFont typeface="+mj-lt"/>
-              <a:buAutoNum type="arabicPeriod"/>
-            </a:pPr>
-            <a:r>
-              <a:rPr lang="en-US" sz="900" dirty="0"/>
-              <a:t> </a:t>
-            </a:r>
-          </a:p>
-          <a:p>
-            <a:pPr marL="244855" indent="-244855">
-              <a:buFont typeface="+mj-lt"/>
-              <a:buAutoNum type="arabicPeriod"/>
-            </a:pPr>
-            <a:r>
-              <a:rPr lang="en-US" sz="900" dirty="0"/>
-              <a:t> </a:t>
-            </a:r>
-          </a:p>
-          <a:p>
-            <a:pPr marL="244855" indent="-244855">
-              <a:buFont typeface="+mj-lt"/>
-              <a:buAutoNum type="arabicPeriod"/>
-            </a:pPr>
-            <a:r>
-              <a:rPr lang="en-US" sz="900" dirty="0"/>
-              <a:t> </a:t>
-            </a:r>
-          </a:p>
-          <a:p>
-            <a:pPr marL="244855" indent="-244855">
-              <a:buFont typeface="+mj-lt"/>
-              <a:buAutoNum type="arabicPeriod"/>
-            </a:pPr>
-            <a:r>
-              <a:rPr lang="en-US" sz="900" dirty="0"/>
-              <a:t>  </a:t>
-            </a:r>
-          </a:p>
-          <a:p>
-            <a:pPr marL="244855" indent="-244855">
-              <a:buFont typeface="+mj-lt"/>
-              <a:buAutoNum type="arabicPeriod"/>
-            </a:pPr>
+            <a:endParaRPr lang="en-US" sz="2000" dirty="0" smtClean="0"/>
+          </a:p>
+          <a:p>
             <a:endParaRPr lang="en-US" sz="900" dirty="0"/>
-          </a:p>
-        </p:txBody>
-      </p:sp>
-      <p:sp>
-        <p:nvSpPr>
-          <p:cNvPr id="27" name="TextBox 26"/>
-          <p:cNvSpPr txBox="1"/>
-          <p:nvPr/>
-        </p:nvSpPr>
-        <p:spPr>
-          <a:xfrm>
-            <a:off x="16459202" y="19431001"/>
-            <a:ext cx="2026670" cy="557282"/>
-          </a:xfrm>
-          <a:prstGeom prst="rect">
-            <a:avLst/>
-          </a:prstGeom>
-          <a:noFill/>
-        </p:spPr>
-        <p:txBody>
-          <a:bodyPr wrap="none" lIns="48971" tIns="24486" rIns="48971" bIns="24486" rtlCol="0">
-            <a:spAutoFit/>
-          </a:bodyPr>
-          <a:lstStyle/>
-          <a:p>
-            <a:r>
-              <a:rPr lang="en-US" sz="3200" b="1" dirty="0"/>
-              <a:t>References</a:t>
-            </a:r>
           </a:p>
         </p:txBody>
       </p:sp>
@@ -5671,7 +5598,7 @@
             <a:r>
               <a:rPr lang="en-US" sz="2000" dirty="0">
                 <a:latin typeface="+mn-lt"/>
-                <a:hlinkClick r:id="rId3"/>
+                <a:hlinkClick r:id="rId7"/>
               </a:rPr>
               <a:t>http://oracc.org</a:t>
             </a:r>
@@ -6730,144 +6657,6 @@
           </a:p>
         </p:txBody>
       </p:sp>
-      <p:sp>
-        <p:nvSpPr>
-          <p:cNvPr id="30" name="Rectangle 265"/>
-          <p:cNvSpPr>
-            <a:spLocks noChangeAspect="1" noChangeArrowheads="1"/>
-          </p:cNvSpPr>
-          <p:nvPr/>
-        </p:nvSpPr>
-        <p:spPr bwMode="auto">
-          <a:xfrm>
-            <a:off x="1097280" y="731520"/>
-            <a:ext cx="1827358" cy="1371600"/>
-          </a:xfrm>
-          <a:prstGeom prst="rect">
-            <a:avLst/>
-          </a:prstGeom>
-          <a:blipFill dpi="0" rotWithShape="1">
-            <a:blip r:embed="rId4">
-              <a:lum bright="70000" contrast="-70000"/>
-            </a:blip>
-            <a:srcRect/>
-            <a:stretch>
-              <a:fillRect r="-79"/>
-            </a:stretch>
-          </a:blipFill>
-          <a:ln w="9525">
-            <a:solidFill>
-              <a:schemeClr val="tx1"/>
-            </a:solidFill>
-            <a:miter lim="800000"/>
-            <a:headEnd/>
-            <a:tailEnd/>
-          </a:ln>
-          <a:effectLst/>
-          <a:extLst>
-            <a:ext uri="{AF507438-7753-43E0-B8FC-AC1667EBCBE1}">
-              <a14:hiddenEffects xmlns:a14="http://schemas.microsoft.com/office/drawing/2010/main">
-                <a:effectLst>
-                  <a:outerShdw dist="35921" dir="2700000" algn="ctr" rotWithShape="0">
-                    <a:schemeClr val="bg2"/>
-                  </a:outerShdw>
-                </a:effectLst>
-              </a14:hiddenEffects>
-            </a:ext>
-          </a:extLst>
-        </p:spPr>
-        <p:txBody>
-          <a:bodyPr lIns="83814" tIns="41907" rIns="83814" bIns="41907" anchor="ctr"/>
-          <a:lstStyle/>
-          <a:p>
-            <a:pPr algn="ctr" defTabSz="4022725"/>
-            <a:r>
-              <a:rPr lang="en-US" sz="1200" b="1" dirty="0">
-                <a:latin typeface="Calibri" pitchFamily="34" charset="0"/>
-              </a:rPr>
-              <a:t>REPLACE THIS BOX WITH YOUR ORGANIZATION’S</a:t>
-            </a:r>
-          </a:p>
-          <a:p>
-            <a:pPr algn="ctr" defTabSz="4022725"/>
-            <a:r>
-              <a:rPr lang="en-US" sz="1200" b="1" dirty="0">
-                <a:latin typeface="Calibri" pitchFamily="34" charset="0"/>
-              </a:rPr>
-              <a:t>HIGH RESOLUTION LOGO</a:t>
-            </a:r>
-          </a:p>
-        </p:txBody>
-      </p:sp>
-      <p:sp>
-        <p:nvSpPr>
-          <p:cNvPr id="31" name="Rectangle 265"/>
-          <p:cNvSpPr>
-            <a:spLocks noChangeAspect="1" noChangeArrowheads="1"/>
-          </p:cNvSpPr>
-          <p:nvPr/>
-        </p:nvSpPr>
-        <p:spPr bwMode="auto">
-          <a:xfrm>
-            <a:off x="29992320" y="731520"/>
-            <a:ext cx="1827358" cy="1371600"/>
-          </a:xfrm>
-          <a:prstGeom prst="rect">
-            <a:avLst/>
-          </a:prstGeom>
-          <a:blipFill dpi="0" rotWithShape="1">
-            <a:blip r:embed="rId4">
-              <a:lum bright="70000" contrast="-70000"/>
-            </a:blip>
-            <a:srcRect/>
-            <a:stretch>
-              <a:fillRect r="-79"/>
-            </a:stretch>
-          </a:blipFill>
-          <a:ln w="9525">
-            <a:solidFill>
-              <a:schemeClr val="tx1"/>
-            </a:solidFill>
-            <a:miter lim="800000"/>
-            <a:headEnd/>
-            <a:tailEnd/>
-          </a:ln>
-          <a:effectLst/>
-          <a:extLst>
-            <a:ext uri="{AF507438-7753-43E0-B8FC-AC1667EBCBE1}">
-              <a14:hiddenEffects xmlns:a14="http://schemas.microsoft.com/office/drawing/2010/main">
-                <a:effectLst>
-                  <a:outerShdw dist="35921" dir="2700000" algn="ctr" rotWithShape="0">
-                    <a:schemeClr val="bg2"/>
-                  </a:outerShdw>
-                </a:effectLst>
-              </a14:hiddenEffects>
-            </a:ext>
-          </a:extLst>
-        </p:spPr>
-        <p:txBody>
-          <a:bodyPr lIns="83814" tIns="41907" rIns="83814" bIns="41907" anchor="ctr"/>
-          <a:lstStyle/>
-          <a:p>
-            <a:pPr algn="ctr" defTabSz="4022725"/>
-            <a:r>
-              <a:rPr lang="en-US" sz="1200" b="1" dirty="0">
-                <a:latin typeface="Calibri" pitchFamily="34" charset="0"/>
-              </a:rPr>
-              <a:t>REPLACE THIS BOX WITH YOUR ORGANIZATION’S</a:t>
-            </a:r>
-          </a:p>
-          <a:p>
-            <a:pPr algn="ctr" defTabSz="4022725"/>
-            <a:r>
-              <a:rPr lang="en-US" sz="1200" b="1" dirty="0">
-                <a:latin typeface="Calibri" pitchFamily="34" charset="0"/>
-              </a:rPr>
-              <a:t>HIGH RESOLUTION LOGO</a:t>
-            </a:r>
-          </a:p>
-        </p:txBody>
-      </p:sp>
       <p:pic>
         <p:nvPicPr>
           <p:cNvPr id="1031" name="Picture 7"/>
@@ -6877,7 +6666,7 @@
           <p:nvPr/>
         </p:nvPicPr>
         <p:blipFill>
-          <a:blip r:embed="rId5">
+          <a:blip r:embed="rId8">
             <a:extLst>
               <a:ext uri="{28A0092B-C50C-407E-A947-70E740481C1C}">
                 <a14:useLocalDpi xmlns:a14="http://schemas.microsoft.com/office/drawing/2010/main" val="0"/>
@@ -7026,7 +6815,7 @@
           <p:nvPr/>
         </p:nvPicPr>
         <p:blipFill>
-          <a:blip r:embed="rId6" cstate="print">
+          <a:blip r:embed="rId9" cstate="print">
             <a:extLst>
               <a:ext uri="{28A0092B-C50C-407E-A947-70E740481C1C}">
                 <a14:useLocalDpi xmlns:a14="http://schemas.microsoft.com/office/drawing/2010/main" val="0"/>
@@ -7621,15 +7410,7 @@
           <a:p>
             <a:r>
               <a:rPr lang="en-US" sz="1600" dirty="0" smtClean="0"/>
-              <a:t>The section “bow” is defined by a sequence of lemmas that share a sequence of at least 3 characters either in the Sumerian Citation Form or in the English Guide Word. Square brackets and Part of Speech are ignored. The word for “trap</a:t>
-            </a:r>
-            <a:r>
-              <a:rPr lang="en-US" sz="1600" dirty="0" smtClean="0"/>
-              <a:t>” is </a:t>
-            </a:r>
-            <a:r>
-              <a:rPr lang="en-US" sz="1600" dirty="0" smtClean="0"/>
-              <a:t>the beginning of a new section</a:t>
+              <a:t>The section “bow” is defined by a sequence of lemmas that share a sequence of at least 3 characters either in the Sumerian Citation Form or in the English Guide Word. Square brackets and Part of Speech are ignored. The word for “trap” is the beginning of a new section</a:t>
             </a:r>
             <a:endParaRPr lang="en-US" sz="1600" dirty="0"/>
           </a:p>
@@ -7644,7 +7425,7 @@
           <p:nvPr/>
         </p:nvPicPr>
         <p:blipFill>
-          <a:blip r:embed="rId7">
+          <a:blip r:embed="rId10">
             <a:extLst>
               <a:ext uri="{28A0092B-C50C-407E-A947-70E740481C1C}">
                 <a14:useLocalDpi xmlns:a14="http://schemas.microsoft.com/office/drawing/2010/main" val="0"/>
@@ -7663,6 +7444,111 @@
           <a:prstGeom prst="rect">
             <a:avLst/>
           </a:prstGeom>
+        </p:spPr>
+      </p:pic>
+      <p:pic>
+        <p:nvPicPr>
+          <p:cNvPr id="28" name="Picture 2" descr="C:\Users\veldhuis\Downloads\logo-white.svg.png"/>
+          <p:cNvPicPr>
+            <a:picLocks noChangeAspect="1" noChangeArrowheads="1"/>
+          </p:cNvPicPr>
+          <p:nvPr/>
+        </p:nvPicPr>
+        <p:blipFill>
+          <a:blip r:embed="rId11">
+            <a:extLst>
+              <a:ext uri="{28A0092B-C50C-407E-A947-70E740481C1C}">
+                <a14:useLocalDpi xmlns:a14="http://schemas.microsoft.com/office/drawing/2010/main" val="0"/>
+              </a:ext>
+            </a:extLst>
+          </a:blip>
+          <a:srcRect/>
+          <a:stretch>
+            <a:fillRect/>
+          </a:stretch>
+        </p:blipFill>
+        <p:spPr bwMode="auto">
+          <a:xfrm>
+            <a:off x="1097279" y="1025107"/>
+            <a:ext cx="3968235" cy="803693"/>
+          </a:xfrm>
+          <a:prstGeom prst="rect">
+            <a:avLst/>
+          </a:prstGeom>
+          <a:noFill/>
+          <a:extLst>
+            <a:ext uri="{909E8E84-426E-40DD-AFC4-6F175D3DCCD1}">
+              <a14:hiddenFill xmlns:a14="http://schemas.microsoft.com/office/drawing/2010/main">
+                <a:solidFill>
+                  <a:srgbClr val="FFFFFF"/>
+                </a:solidFill>
+              </a14:hiddenFill>
+            </a:ext>
+          </a:extLst>
+        </p:spPr>
+      </p:pic>
+      <p:pic>
+        <p:nvPicPr>
+          <p:cNvPr id="1026" name="Picture 2"/>
+          <p:cNvPicPr>
+            <a:picLocks noChangeAspect="1" noChangeArrowheads="1"/>
+          </p:cNvPicPr>
+          <p:nvPr/>
+        </p:nvPicPr>
+        <p:blipFill>
+          <a:blip r:embed="rId12">
+            <a:extLst>
+              <a:ext uri="{28A0092B-C50C-407E-A947-70E740481C1C}">
+                <a14:useLocalDpi xmlns:a14="http://schemas.microsoft.com/office/drawing/2010/main" val="0"/>
+              </a:ext>
+            </a:extLst>
+          </a:blip>
+          <a:srcRect/>
+          <a:stretch>
+            <a:fillRect/>
+          </a:stretch>
+        </p:blipFill>
+        <p:spPr bwMode="auto">
+          <a:xfrm>
+            <a:off x="28876625" y="271463"/>
+            <a:ext cx="2292350" cy="2286000"/>
+          </a:xfrm>
+          <a:prstGeom prst="rect">
+            <a:avLst/>
+          </a:prstGeom>
+          <a:noFill/>
+          <a:ln>
+            <a:noFill/>
+          </a:ln>
+          <a:effectLst/>
+          <a:extLst>
+            <a:ext uri="{909E8E84-426E-40DD-AFC4-6F175D3DCCD1}">
+              <a14:hiddenFill xmlns:a14="http://schemas.microsoft.com/office/drawing/2010/main">
+                <a:solidFill>
+                  <a:schemeClr val="accent1"/>
+                </a:solidFill>
+              </a14:hiddenFill>
+            </a:ext>
+            <a:ext uri="{91240B29-F687-4F45-9708-019B960494DF}">
+              <a14:hiddenLine xmlns:a14="http://schemas.microsoft.com/office/drawing/2010/main" w="9525">
+                <a:solidFill>
+                  <a:schemeClr val="tx1"/>
+                </a:solidFill>
+                <a:miter lim="800000"/>
+                <a:headEnd/>
+                <a:tailEnd/>
+              </a14:hiddenLine>
+            </a:ext>
+            <a:ext uri="{AF507438-7753-43E0-B8FC-AC1667EBCBE1}">
+              <a14:hiddenEffects xmlns:a14="http://schemas.microsoft.com/office/drawing/2010/main">
+                <a:effectLst>
+                  <a:outerShdw dist="35921" dir="2700000" algn="ctr" rotWithShape="0">
+                    <a:schemeClr val="bg2"/>
+                  </a:outerShdw>
+                </a:effectLst>
+              </a14:hiddenEffects>
+            </a:ext>
+          </a:extLst>
         </p:spPr>
       </p:pic>
     </p:spTree>

--- a/presentations/HTRC-2018/poster-template.pptx
+++ b/presentations/HTRC-2018/poster-template.pptx
@@ -109,7 +109,7 @@
   </p:defaultTextStyle>
   <p:extLst>
     <p:ext uri="{EFAFB233-063F-42B5-8137-9DF3F51BA10A}">
-      <p15:sldGuideLst xmlns:p15="http://schemas.microsoft.com/office/powerpoint/2012/main" xmlns="">
+      <p15:sldGuideLst xmlns:p15="http://schemas.microsoft.com/office/powerpoint/2012/main">
         <p15:guide id="1" orient="horz" pos="6912">
           <p15:clr>
             <a:srgbClr val="A4A3A4"/>
@@ -123,7 +123,7 @@
       </p15:sldGuideLst>
     </p:ext>
     <p:ext uri="{2D200454-40CA-4A62-9FC3-DE9A4176ACB9}">
-      <p15:notesGuideLst xmlns:p15="http://schemas.microsoft.com/office/powerpoint/2012/main" xmlns="">
+      <p15:notesGuideLst xmlns:p15="http://schemas.microsoft.com/office/powerpoint/2012/main">
         <p15:guide id="1" orient="horz" pos="2926">
           <p15:clr>
             <a:srgbClr val="A4A3A4"/>
@@ -222,7 +222,7 @@
           <a:p>
             <a:fld id="{FF66CDD7-09B6-4BB3-9069-2B95837CCCB2}" type="datetimeFigureOut">
               <a:rPr lang="en-US" smtClean="0"/>
-              <a:t>1/22/2018</a:t>
+              <a:t>1/22/18</a:t>
             </a:fld>
             <a:endParaRPr lang="en-US"/>
           </a:p>
@@ -436,7 +436,7 @@
           <a:p>
             <a:fld id="{985D6BDF-9D0E-4E2B-85B8-D8F4790360C9}" type="datetimeFigureOut">
               <a:rPr lang="en-US" smtClean="0"/>
-              <a:t>1/22/2018</a:t>
+              <a:t>1/22/18</a:t>
             </a:fld>
             <a:endParaRPr lang="en-US" dirty="0"/>
           </a:p>
@@ -601,7 +601,7 @@
           <a:p>
             <a:fld id="{985D6BDF-9D0E-4E2B-85B8-D8F4790360C9}" type="datetimeFigureOut">
               <a:rPr lang="en-US" smtClean="0"/>
-              <a:t>1/22/2018</a:t>
+              <a:t>1/22/18</a:t>
             </a:fld>
             <a:endParaRPr lang="en-US" dirty="0"/>
           </a:p>
@@ -776,7 +776,7 @@
           <a:p>
             <a:fld id="{985D6BDF-9D0E-4E2B-85B8-D8F4790360C9}" type="datetimeFigureOut">
               <a:rPr lang="en-US" smtClean="0"/>
-              <a:t>1/22/2018</a:t>
+              <a:t>1/22/18</a:t>
             </a:fld>
             <a:endParaRPr lang="en-US" dirty="0"/>
           </a:p>
@@ -2451,7 +2451,7 @@
           <a:p>
             <a:fld id="{985D6BDF-9D0E-4E2B-85B8-D8F4790360C9}" type="datetimeFigureOut">
               <a:rPr lang="en-US" smtClean="0"/>
-              <a:t>1/22/2018</a:t>
+              <a:t>1/22/18</a:t>
             </a:fld>
             <a:endParaRPr lang="en-US" dirty="0"/>
           </a:p>
@@ -2692,7 +2692,7 @@
           <a:p>
             <a:fld id="{985D6BDF-9D0E-4E2B-85B8-D8F4790360C9}" type="datetimeFigureOut">
               <a:rPr lang="en-US" smtClean="0"/>
-              <a:t>1/22/2018</a:t>
+              <a:t>1/22/18</a:t>
             </a:fld>
             <a:endParaRPr lang="en-US" dirty="0"/>
           </a:p>
@@ -2919,7 +2919,7 @@
           <a:p>
             <a:fld id="{985D6BDF-9D0E-4E2B-85B8-D8F4790360C9}" type="datetimeFigureOut">
               <a:rPr lang="en-US" smtClean="0"/>
-              <a:t>1/22/2018</a:t>
+              <a:t>1/22/18</a:t>
             </a:fld>
             <a:endParaRPr lang="en-US" dirty="0"/>
           </a:p>
@@ -3281,7 +3281,7 @@
           <a:p>
             <a:fld id="{985D6BDF-9D0E-4E2B-85B8-D8F4790360C9}" type="datetimeFigureOut">
               <a:rPr lang="en-US" smtClean="0"/>
-              <a:t>1/22/2018</a:t>
+              <a:t>1/22/18</a:t>
             </a:fld>
             <a:endParaRPr lang="en-US" dirty="0"/>
           </a:p>
@@ -3394,7 +3394,7 @@
           <a:p>
             <a:fld id="{985D6BDF-9D0E-4E2B-85B8-D8F4790360C9}" type="datetimeFigureOut">
               <a:rPr lang="en-US" smtClean="0"/>
-              <a:t>1/22/2018</a:t>
+              <a:t>1/22/18</a:t>
             </a:fld>
             <a:endParaRPr lang="en-US" dirty="0"/>
           </a:p>
@@ -3484,7 +3484,7 @@
           <a:p>
             <a:fld id="{985D6BDF-9D0E-4E2B-85B8-D8F4790360C9}" type="datetimeFigureOut">
               <a:rPr lang="en-US" smtClean="0"/>
-              <a:t>1/22/2018</a:t>
+              <a:t>1/22/18</a:t>
             </a:fld>
             <a:endParaRPr lang="en-US" dirty="0"/>
           </a:p>
@@ -3756,7 +3756,7 @@
           <a:p>
             <a:fld id="{985D6BDF-9D0E-4E2B-85B8-D8F4790360C9}" type="datetimeFigureOut">
               <a:rPr lang="en-US" smtClean="0"/>
-              <a:t>1/22/2018</a:t>
+              <a:t>1/22/18</a:t>
             </a:fld>
             <a:endParaRPr lang="en-US" dirty="0"/>
           </a:p>
@@ -4004,7 +4004,7 @@
           <a:p>
             <a:fld id="{985D6BDF-9D0E-4E2B-85B8-D8F4790360C9}" type="datetimeFigureOut">
               <a:rPr lang="en-US" smtClean="0"/>
-              <a:t>1/22/2018</a:t>
+              <a:t>1/22/18</a:t>
             </a:fld>
             <a:endParaRPr lang="en-US" dirty="0"/>
           </a:p>
@@ -4212,7 +4212,7 @@
           <a:p>
             <a:fld id="{985D6BDF-9D0E-4E2B-85B8-D8F4790360C9}" type="datetimeFigureOut">
               <a:rPr lang="en-US" smtClean="0"/>
-              <a:t>1/22/2018</a:t>
+              <a:t>1/22/18</a:t>
             </a:fld>
             <a:endParaRPr lang="en-US" dirty="0"/>
           </a:p>
@@ -5168,13 +5168,7 @@
               <a:rPr lang="en-US" sz="2000" smtClean="0">
                 <a:hlinkClick r:id="rId4"/>
               </a:rPr>
-              <a:t>://</a:t>
-            </a:r>
-            <a:r>
-              <a:rPr lang="en-US" sz="2000" smtClean="0">
-                <a:hlinkClick r:id="rId4"/>
-              </a:rPr>
-              <a:t>github.com/ErinBecker/digital-humanities-phylogenetics</a:t>
+              <a:t>://github.com/ErinBecker/digital-humanities-phylogenetics</a:t>
             </a:r>
             <a:r>
               <a:rPr lang="en-US" sz="2000" smtClean="0"/>
@@ -5274,7 +5268,6 @@
               <a:rPr lang="en-US" sz="2000" dirty="0" smtClean="0"/>
               <a:t> </a:t>
             </a:r>
-            <a:endParaRPr lang="en-US" sz="2000" dirty="0" smtClean="0"/>
           </a:p>
           <a:p>
             <a:endParaRPr lang="en-US" sz="900" dirty="0"/>
@@ -6195,7 +6188,7 @@
         </p:nvSpPr>
         <p:spPr bwMode="auto">
           <a:xfrm>
-            <a:off x="21945600" y="12524627"/>
+            <a:off x="21945600" y="16666730"/>
             <a:ext cx="9875520" cy="505573"/>
           </a:xfrm>
           <a:prstGeom prst="rect">
@@ -6331,7 +6324,7 @@
         </p:nvSpPr>
         <p:spPr>
           <a:xfrm>
-            <a:off x="21945600" y="12067427"/>
+            <a:off x="21945600" y="16209530"/>
             <a:ext cx="9875520" cy="457200"/>
           </a:xfrm>
           <a:prstGeom prst="rect">
@@ -7438,7 +7431,7 @@
         </p:blipFill>
         <p:spPr>
           <a:xfrm>
-            <a:off x="11496040" y="7445706"/>
+            <a:off x="11367676" y="7337334"/>
             <a:ext cx="6267577" cy="8093891"/>
           </a:xfrm>
           <a:prstGeom prst="rect">
@@ -7549,6 +7542,36 @@
               </a14:hiddenEffects>
             </a:ext>
           </a:extLst>
+        </p:spPr>
+      </p:pic>
+      <p:pic>
+        <p:nvPicPr>
+          <p:cNvPr id="9" name="Picture 8"/>
+          <p:cNvPicPr>
+            <a:picLocks noChangeAspect="1"/>
+          </p:cNvPicPr>
+          <p:nvPr/>
+        </p:nvPicPr>
+        <p:blipFill>
+          <a:blip r:embed="rId13">
+            <a:extLst>
+              <a:ext uri="{28A0092B-C50C-407E-A947-70E740481C1C}">
+                <a14:useLocalDpi xmlns:a14="http://schemas.microsoft.com/office/drawing/2010/main" val="0"/>
+              </a:ext>
+            </a:extLst>
+          </a:blip>
+          <a:stretch>
+            <a:fillRect/>
+          </a:stretch>
+        </p:blipFill>
+        <p:spPr>
+          <a:xfrm>
+            <a:off x="18004729" y="7353060"/>
+            <a:ext cx="3340017" cy="5943600"/>
+          </a:xfrm>
+          <a:prstGeom prst="rect">
+            <a:avLst/>
+          </a:prstGeom>
         </p:spPr>
       </p:pic>
     </p:spTree>
@@ -7826,7 +7849,7 @@
   <a:extraClrSchemeLst/>
   <a:extLst>
     <a:ext uri="{05A4C25C-085E-4340-85A3-A5531E510DB2}">
-      <thm15:themeFamily xmlns:thm15="http://schemas.microsoft.com/office/thememl/2012/main" xmlns="" name="Office Theme" id="{62F939B6-93AF-4DB8-9C6B-D6C7DFDC589F}" vid="{4A3C46E8-61CC-4603-A589-7422A47A8E4A}"/>
+      <thm15:themeFamily xmlns:thm15="http://schemas.microsoft.com/office/thememl/2012/main" name="Office Theme" id="{62F939B6-93AF-4DB8-9C6B-D6C7DFDC589F}" vid="{4A3C46E8-61CC-4603-A589-7422A47A8E4A}"/>
     </a:ext>
   </a:extLst>
 </a:theme>

--- a/presentations/HTRC-2018/poster-template.pptx
+++ b/presentations/HTRC-2018/poster-template.pptx
@@ -6180,151 +6180,13 @@
       </p:sp>
       <p:sp>
         <p:nvSpPr>
-          <p:cNvPr id="12" name="Text Box 191"/>
-          <p:cNvSpPr txBox="1">
-            <a:spLocks noChangeArrowheads="1"/>
-          </p:cNvSpPr>
-          <p:nvPr/>
-        </p:nvSpPr>
-        <p:spPr bwMode="auto">
-          <a:xfrm>
-            <a:off x="21945600" y="16666730"/>
-            <a:ext cx="9875520" cy="505573"/>
-          </a:xfrm>
-          <a:prstGeom prst="rect">
-            <a:avLst/>
-          </a:prstGeom>
-          <a:solidFill>
-            <a:schemeClr val="bg1"/>
-          </a:solidFill>
-          <a:ln w="12700">
-            <a:solidFill>
-              <a:schemeClr val="accent1">
-                <a:lumMod val="75000"/>
-              </a:schemeClr>
-            </a:solidFill>
-          </a:ln>
-          <a:effectLst/>
-        </p:spPr>
-        <p:txBody>
-          <a:bodyPr lIns="97942" tIns="97942" rIns="97942" bIns="97942">
-            <a:spAutoFit/>
-          </a:bodyPr>
-          <a:lstStyle>
-            <a:lvl1pPr eaLnBrk="0" hangingPunct="0">
-              <a:defRPr sz="2200">
-                <a:solidFill>
-                  <a:schemeClr val="tx1"/>
-                </a:solidFill>
-                <a:latin typeface="Arial" charset="0"/>
-              </a:defRPr>
-            </a:lvl1pPr>
-            <a:lvl2pPr marL="742950" indent="-285750" eaLnBrk="0" hangingPunct="0">
-              <a:defRPr sz="2200">
-                <a:solidFill>
-                  <a:schemeClr val="tx1"/>
-                </a:solidFill>
-                <a:latin typeface="Arial" charset="0"/>
-              </a:defRPr>
-            </a:lvl2pPr>
-            <a:lvl3pPr marL="1143000" indent="-228600" eaLnBrk="0" hangingPunct="0">
-              <a:defRPr sz="2200">
-                <a:solidFill>
-                  <a:schemeClr val="tx1"/>
-                </a:solidFill>
-                <a:latin typeface="Arial" charset="0"/>
-              </a:defRPr>
-            </a:lvl3pPr>
-            <a:lvl4pPr marL="1600200" indent="-228600" eaLnBrk="0" hangingPunct="0">
-              <a:defRPr sz="2200">
-                <a:solidFill>
-                  <a:schemeClr val="tx1"/>
-                </a:solidFill>
-                <a:latin typeface="Arial" charset="0"/>
-              </a:defRPr>
-            </a:lvl4pPr>
-            <a:lvl5pPr marL="2057400" indent="-228600" eaLnBrk="0" hangingPunct="0">
-              <a:defRPr sz="2200">
-                <a:solidFill>
-                  <a:schemeClr val="tx1"/>
-                </a:solidFill>
-                <a:latin typeface="Arial" charset="0"/>
-              </a:defRPr>
-            </a:lvl5pPr>
-            <a:lvl6pPr marL="2514600" indent="-228600" eaLnBrk="0" fontAlgn="base" hangingPunct="0">
-              <a:spcBef>
-                <a:spcPct val="0"/>
-              </a:spcBef>
-              <a:spcAft>
-                <a:spcPct val="0"/>
-              </a:spcAft>
-              <a:defRPr sz="2200">
-                <a:solidFill>
-                  <a:schemeClr val="tx1"/>
-                </a:solidFill>
-                <a:latin typeface="Arial" charset="0"/>
-              </a:defRPr>
-            </a:lvl6pPr>
-            <a:lvl7pPr marL="2971800" indent="-228600" eaLnBrk="0" fontAlgn="base" hangingPunct="0">
-              <a:spcBef>
-                <a:spcPct val="0"/>
-              </a:spcBef>
-              <a:spcAft>
-                <a:spcPct val="0"/>
-              </a:spcAft>
-              <a:defRPr sz="2200">
-                <a:solidFill>
-                  <a:schemeClr val="tx1"/>
-                </a:solidFill>
-                <a:latin typeface="Arial" charset="0"/>
-              </a:defRPr>
-            </a:lvl7pPr>
-            <a:lvl8pPr marL="3429000" indent="-228600" eaLnBrk="0" fontAlgn="base" hangingPunct="0">
-              <a:spcBef>
-                <a:spcPct val="0"/>
-              </a:spcBef>
-              <a:spcAft>
-                <a:spcPct val="0"/>
-              </a:spcAft>
-              <a:defRPr sz="2200">
-                <a:solidFill>
-                  <a:schemeClr val="tx1"/>
-                </a:solidFill>
-                <a:latin typeface="Arial" charset="0"/>
-              </a:defRPr>
-            </a:lvl8pPr>
-            <a:lvl9pPr marL="3886200" indent="-228600" eaLnBrk="0" fontAlgn="base" hangingPunct="0">
-              <a:spcBef>
-                <a:spcPct val="0"/>
-              </a:spcBef>
-              <a:spcAft>
-                <a:spcPct val="0"/>
-              </a:spcAft>
-              <a:defRPr sz="2200">
-                <a:solidFill>
-                  <a:schemeClr val="tx1"/>
-                </a:solidFill>
-                <a:latin typeface="Arial" charset="0"/>
-              </a:defRPr>
-            </a:lvl9pPr>
-          </a:lstStyle>
-          <a:p>
-            <a:pPr eaLnBrk="1" hangingPunct="1"/>
-            <a:endParaRPr lang="en-US" sz="2000" dirty="0">
-              <a:latin typeface="Calibri" pitchFamily="34" charset="0"/>
-            </a:endParaRPr>
-          </a:p>
-        </p:txBody>
-      </p:sp>
-      <p:sp>
-        <p:nvSpPr>
           <p:cNvPr id="35" name="Rectangle 34"/>
           <p:cNvSpPr/>
           <p:nvPr/>
         </p:nvSpPr>
         <p:spPr>
           <a:xfrm>
-            <a:off x="21945600" y="16209530"/>
+            <a:off x="21945600" y="10038612"/>
             <a:ext cx="9875520" cy="457200"/>
           </a:xfrm>
           <a:prstGeom prst="rect">
@@ -7574,6 +7436,74 @@
           </a:prstGeom>
         </p:spPr>
       </p:pic>
+      <p:pic>
+        <p:nvPicPr>
+          <p:cNvPr id="14" name="Picture 13"/>
+          <p:cNvPicPr>
+            <a:picLocks noChangeAspect="1"/>
+          </p:cNvPicPr>
+          <p:nvPr/>
+        </p:nvPicPr>
+        <p:blipFill>
+          <a:blip r:embed="rId14">
+            <a:extLst>
+              <a:ext uri="{28A0092B-C50C-407E-A947-70E740481C1C}">
+                <a14:useLocalDpi xmlns:a14="http://schemas.microsoft.com/office/drawing/2010/main" val="0"/>
+              </a:ext>
+            </a:extLst>
+          </a:blip>
+          <a:stretch>
+            <a:fillRect/>
+          </a:stretch>
+        </p:blipFill>
+        <p:spPr>
+          <a:xfrm>
+            <a:off x="21688822" y="10895507"/>
+            <a:ext cx="5524500" cy="4572000"/>
+          </a:xfrm>
+          <a:prstGeom prst="rect">
+            <a:avLst/>
+          </a:prstGeom>
+        </p:spPr>
+      </p:pic>
+      <p:sp>
+        <p:nvSpPr>
+          <p:cNvPr id="16" name="TextBox 15"/>
+          <p:cNvSpPr txBox="1"/>
+          <p:nvPr/>
+        </p:nvSpPr>
+        <p:spPr>
+          <a:xfrm>
+            <a:off x="21564600" y="15621000"/>
+            <a:ext cx="6324600" cy="646331"/>
+          </a:xfrm>
+          <a:prstGeom prst="rect">
+            <a:avLst/>
+          </a:prstGeom>
+          <a:noFill/>
+        </p:spPr>
+        <p:txBody>
+          <a:bodyPr wrap="square" rtlCol="0">
+            <a:spAutoFit/>
+          </a:bodyPr>
+          <a:lstStyle/>
+          <a:p>
+            <a:r>
+              <a:rPr lang="en-US" sz="1800" dirty="0" smtClean="0"/>
+              <a:t>Caption . . . . This is the mcc tree for the </a:t>
+            </a:r>
+            <a:r>
+              <a:rPr lang="en-US" sz="1800" dirty="0" err="1" smtClean="0"/>
+              <a:t>synteny</a:t>
+            </a:r>
+            <a:r>
+              <a:rPr lang="en-US" sz="1800" dirty="0" smtClean="0"/>
+              <a:t> analysis of section order.</a:t>
+            </a:r>
+            <a:endParaRPr lang="en-US" sz="1800" dirty="0"/>
+          </a:p>
+        </p:txBody>
+      </p:sp>
     </p:spTree>
     <p:extLst>
       <p:ext uri="{BB962C8B-B14F-4D97-AF65-F5344CB8AC3E}">

--- a/presentations/HTRC-2018/poster-template.pptx
+++ b/presentations/HTRC-2018/poster-template.pptx
@@ -5025,7 +5025,7 @@
               <a:t>Erin Becker, Associate Director, The </a:t>
             </a:r>
             <a:r>
-              <a:rPr lang="en-US" sz="2800" smtClean="0">
+              <a:rPr lang="en-US" sz="2800" dirty="0" smtClean="0">
                 <a:solidFill>
                   <a:schemeClr val="accent3">
                     <a:lumMod val="20000"/>
@@ -5034,7 +5034,7 @@
                 </a:solidFill>
                 <a:latin typeface="+mn-lt"/>
               </a:rPr>
-              <a:t>Carpentries and </a:t>
+              <a:t>Carpentries &amp; </a:t>
             </a:r>
             <a:r>
               <a:rPr lang="en-US" sz="2800" dirty="0" smtClean="0">
@@ -5046,31 +5046,7 @@
                 </a:solidFill>
                 <a:latin typeface="+mn-lt"/>
               </a:rPr>
-              <a:t>Niek Veldhuis, Professor </a:t>
-            </a:r>
-            <a:r>
-              <a:rPr lang="en-US" sz="2800" smtClean="0">
-                <a:solidFill>
-                  <a:schemeClr val="accent3">
-                    <a:lumMod val="20000"/>
-                    <a:lumOff val="80000"/>
-                  </a:schemeClr>
-                </a:solidFill>
-                <a:latin typeface="+mn-lt"/>
-              </a:rPr>
-              <a:t>of Assyriology, UC </a:t>
-            </a:r>
-            <a:r>
-              <a:rPr lang="en-US" sz="2800" dirty="0" smtClean="0">
-                <a:solidFill>
-                  <a:schemeClr val="accent3">
-                    <a:lumMod val="20000"/>
-                    <a:lumOff val="80000"/>
-                  </a:schemeClr>
-                </a:solidFill>
-                <a:latin typeface="+mn-lt"/>
-              </a:rPr>
-              <a:t>Berkeley, Department of Near Eastern Studies</a:t>
+              <a:t>Niek Veldhuis, Professor of Assyriology, UC Berkeley, Department of Near Eastern Studies</a:t>
             </a:r>
             <a:endParaRPr lang="en-US" sz="2800" baseline="30000" dirty="0">
               <a:solidFill>
@@ -5986,7 +5962,7 @@
         <p:spPr bwMode="auto">
           <a:xfrm>
             <a:off x="11521440" y="3657600"/>
-            <a:ext cx="9875520" cy="505573"/>
+            <a:ext cx="9875520" cy="3583339"/>
           </a:xfrm>
           <a:prstGeom prst="rect">
             <a:avLst/>
@@ -6107,6 +6083,57 @@
           </a:lstStyle>
           <a:p>
             <a:pPr eaLnBrk="1" hangingPunct="1"/>
+            <a:r>
+              <a:rPr lang="en-US" sz="2000" dirty="0" smtClean="0">
+                <a:latin typeface="Calibri" pitchFamily="34" charset="0"/>
+              </a:rPr>
+              <a:t>Phylogenetics is a field of evolutionary biology which uses patterns of similarity and difference among organisms to make hypotheses about relatedness. Hypothesized relationships are displayed as trees where more closely related organisms are separated by fewer branching points and/or shorter total branch length. </a:t>
+            </a:r>
+          </a:p>
+          <a:p>
+            <a:pPr eaLnBrk="1" hangingPunct="1"/>
+            <a:r>
+              <a:rPr lang="en-US" sz="2000" dirty="0" smtClean="0">
+                <a:latin typeface="Calibri" pitchFamily="34" charset="0"/>
+              </a:rPr>
+              <a:t>                               </a:t>
+            </a:r>
+          </a:p>
+          <a:p>
+            <a:pPr eaLnBrk="1" hangingPunct="1"/>
+            <a:r>
+              <a:rPr lang="en-US" sz="2000" dirty="0">
+                <a:latin typeface="Calibri" pitchFamily="34" charset="0"/>
+              </a:rPr>
+              <a:t>	</a:t>
+            </a:r>
+            <a:r>
+              <a:rPr lang="en-US" sz="2000" dirty="0" smtClean="0">
+                <a:latin typeface="Calibri" pitchFamily="34" charset="0"/>
+              </a:rPr>
+              <a:t>Species X is most closely related to Species Y. Both are next most   	closely related to Species W and most distantly related to Species Z. </a:t>
+            </a:r>
+          </a:p>
+          <a:p>
+            <a:pPr eaLnBrk="1" hangingPunct="1"/>
+            <a:endParaRPr lang="en-US" sz="2000" dirty="0" smtClean="0">
+              <a:latin typeface="Calibri" pitchFamily="34" charset="0"/>
+            </a:endParaRPr>
+          </a:p>
+          <a:p>
+            <a:pPr eaLnBrk="1" hangingPunct="1"/>
+            <a:endParaRPr lang="en-US" sz="2000" dirty="0" smtClean="0">
+              <a:latin typeface="Calibri" pitchFamily="34" charset="0"/>
+            </a:endParaRPr>
+          </a:p>
+          <a:p>
+            <a:pPr eaLnBrk="1" hangingPunct="1"/>
+            <a:r>
+              <a:rPr lang="en-US" sz="2000" dirty="0" smtClean="0">
+                <a:latin typeface="Calibri" pitchFamily="34" charset="0"/>
+              </a:rPr>
+              <a:t>Patterns in DNA sequences, protein sequences, gene order, morphological characters, or others can be used to make phylogenetic hypotheses.</a:t>
+            </a:r>
             <a:endParaRPr lang="en-US" sz="2000" dirty="0">
               <a:latin typeface="Calibri" pitchFamily="34" charset="0"/>
             </a:endParaRPr>
@@ -7293,53 +7320,12 @@
         </p:blipFill>
         <p:spPr>
           <a:xfrm>
-            <a:off x="11367676" y="7337334"/>
+            <a:off x="11435130" y="9355909"/>
             <a:ext cx="6267577" cy="8093891"/>
           </a:xfrm>
           <a:prstGeom prst="rect">
             <a:avLst/>
           </a:prstGeom>
-        </p:spPr>
-      </p:pic>
-      <p:pic>
-        <p:nvPicPr>
-          <p:cNvPr id="28" name="Picture 2" descr="C:\Users\veldhuis\Downloads\logo-white.svg.png"/>
-          <p:cNvPicPr>
-            <a:picLocks noChangeAspect="1" noChangeArrowheads="1"/>
-          </p:cNvPicPr>
-          <p:nvPr/>
-        </p:nvPicPr>
-        <p:blipFill>
-          <a:blip r:embed="rId11">
-            <a:extLst>
-              <a:ext uri="{28A0092B-C50C-407E-A947-70E740481C1C}">
-                <a14:useLocalDpi xmlns:a14="http://schemas.microsoft.com/office/drawing/2010/main" val="0"/>
-              </a:ext>
-            </a:extLst>
-          </a:blip>
-          <a:srcRect/>
-          <a:stretch>
-            <a:fillRect/>
-          </a:stretch>
-        </p:blipFill>
-        <p:spPr bwMode="auto">
-          <a:xfrm>
-            <a:off x="1097279" y="1025107"/>
-            <a:ext cx="3968235" cy="803693"/>
-          </a:xfrm>
-          <a:prstGeom prst="rect">
-            <a:avLst/>
-          </a:prstGeom>
-          <a:noFill/>
-          <a:extLst>
-            <a:ext uri="{909E8E84-426E-40DD-AFC4-6F175D3DCCD1}">
-              <a14:hiddenFill xmlns:a14="http://schemas.microsoft.com/office/drawing/2010/main">
-                <a:solidFill>
-                  <a:srgbClr val="FFFFFF"/>
-                </a:solidFill>
-              </a14:hiddenFill>
-            </a:ext>
-          </a:extLst>
         </p:spPr>
       </p:pic>
       <p:pic>
@@ -7351,7 +7337,7 @@
           <p:nvPr/>
         </p:nvPicPr>
         <p:blipFill>
-          <a:blip r:embed="rId12">
+          <a:blip r:embed="rId11">
             <a:extLst>
               <a:ext uri="{28A0092B-C50C-407E-A947-70E740481C1C}">
                 <a14:useLocalDpi xmlns:a14="http://schemas.microsoft.com/office/drawing/2010/main" val="0"/>
@@ -7415,7 +7401,7 @@
           <p:nvPr/>
         </p:nvPicPr>
         <p:blipFill>
-          <a:blip r:embed="rId13">
+          <a:blip r:embed="rId12">
             <a:extLst>
               <a:ext uri="{28A0092B-C50C-407E-A947-70E740481C1C}">
                 <a14:useLocalDpi xmlns:a14="http://schemas.microsoft.com/office/drawing/2010/main" val="0"/>
@@ -7428,7 +7414,7 @@
         </p:blipFill>
         <p:spPr>
           <a:xfrm>
-            <a:off x="18004729" y="7353060"/>
+            <a:off x="18072183" y="9371635"/>
             <a:ext cx="3340017" cy="5943600"/>
           </a:xfrm>
           <a:prstGeom prst="rect">
@@ -7445,7 +7431,7 @@
           <p:nvPr/>
         </p:nvPicPr>
         <p:blipFill>
-          <a:blip r:embed="rId14">
+          <a:blip r:embed="rId13">
             <a:extLst>
               <a:ext uri="{28A0092B-C50C-407E-A947-70E740481C1C}">
                 <a14:useLocalDpi xmlns:a14="http://schemas.microsoft.com/office/drawing/2010/main" val="0"/>
@@ -7504,6 +7490,60 @@
           </a:p>
         </p:txBody>
       </p:sp>
+      <p:pic>
+        <p:nvPicPr>
+          <p:cNvPr id="12" name="Picture 11"/>
+          <p:cNvPicPr>
+            <a:picLocks noChangeAspect="1"/>
+          </p:cNvPicPr>
+          <p:nvPr/>
+        </p:nvPicPr>
+        <p:blipFill>
+          <a:blip r:embed="rId14"/>
+          <a:stretch>
+            <a:fillRect/>
+          </a:stretch>
+        </p:blipFill>
+        <p:spPr>
+          <a:xfrm>
+            <a:off x="230868" y="642368"/>
+            <a:ext cx="5750832" cy="1188720"/>
+          </a:xfrm>
+          <a:prstGeom prst="rect">
+            <a:avLst/>
+          </a:prstGeom>
+        </p:spPr>
+      </p:pic>
+      <p:pic>
+        <p:nvPicPr>
+          <p:cNvPr id="18" name="Picture 17"/>
+          <p:cNvPicPr>
+            <a:picLocks noChangeAspect="1"/>
+          </p:cNvPicPr>
+          <p:nvPr/>
+        </p:nvPicPr>
+        <p:blipFill>
+          <a:blip r:embed="rId15">
+            <a:extLst>
+              <a:ext uri="{28A0092B-C50C-407E-A947-70E740481C1C}">
+                <a14:useLocalDpi xmlns:a14="http://schemas.microsoft.com/office/drawing/2010/main" val="0"/>
+              </a:ext>
+            </a:extLst>
+          </a:blip>
+          <a:stretch>
+            <a:fillRect/>
+          </a:stretch>
+        </p:blipFill>
+        <p:spPr>
+          <a:xfrm>
+            <a:off x="12420600" y="5212404"/>
+            <a:ext cx="1238865" cy="1097280"/>
+          </a:xfrm>
+          <a:prstGeom prst="rect">
+            <a:avLst/>
+          </a:prstGeom>
+        </p:spPr>
+      </p:pic>
     </p:spTree>
     <p:extLst>
       <p:ext uri="{BB962C8B-B14F-4D97-AF65-F5344CB8AC3E}">

--- a/presentations/HTRC-2018/poster-template.pptx
+++ b/presentations/HTRC-2018/poster-template.pptx
@@ -5022,31 +5022,7 @@
                 </a:solidFill>
                 <a:latin typeface="+mn-lt"/>
               </a:rPr>
-              <a:t>Erin Becker, Associate Director, The </a:t>
-            </a:r>
-            <a:r>
-              <a:rPr lang="en-US" sz="2800" dirty="0" smtClean="0">
-                <a:solidFill>
-                  <a:schemeClr val="accent3">
-                    <a:lumMod val="20000"/>
-                    <a:lumOff val="80000"/>
-                  </a:schemeClr>
-                </a:solidFill>
-                <a:latin typeface="+mn-lt"/>
-              </a:rPr>
-              <a:t>Carpentries &amp; </a:t>
-            </a:r>
-            <a:r>
-              <a:rPr lang="en-US" sz="2800" dirty="0" smtClean="0">
-                <a:solidFill>
-                  <a:schemeClr val="accent3">
-                    <a:lumMod val="20000"/>
-                    <a:lumOff val="80000"/>
-                  </a:schemeClr>
-                </a:solidFill>
-                <a:latin typeface="+mn-lt"/>
-              </a:rPr>
-              <a:t>Niek Veldhuis, Professor of Assyriology, UC Berkeley, Department of Near Eastern Studies</a:t>
+              <a:t>Erin Becker, Associate Director, The Carpentries &amp; Niek Veldhuis, Professor of Assyriology, UC Berkeley, Department of Near Eastern Studies</a:t>
             </a:r>
             <a:endParaRPr lang="en-US" sz="2800" baseline="30000" dirty="0">
               <a:solidFill>
@@ -6213,7 +6189,7 @@
         </p:nvSpPr>
         <p:spPr>
           <a:xfrm>
-            <a:off x="21945600" y="10038612"/>
+            <a:off x="21688822" y="5749517"/>
             <a:ext cx="9875520" cy="457200"/>
           </a:xfrm>
           <a:prstGeom prst="rect">
@@ -7320,7 +7296,7 @@
         </p:blipFill>
         <p:spPr>
           <a:xfrm>
-            <a:off x="11435130" y="9355909"/>
+            <a:off x="11435130" y="10498909"/>
             <a:ext cx="6267577" cy="8093891"/>
           </a:xfrm>
           <a:prstGeom prst="rect">
@@ -7414,7 +7390,7 @@
         </p:blipFill>
         <p:spPr>
           <a:xfrm>
-            <a:off x="18072183" y="9371635"/>
+            <a:off x="18072183" y="10514635"/>
             <a:ext cx="3340017" cy="5943600"/>
           </a:xfrm>
           <a:prstGeom prst="rect">
@@ -7444,7 +7420,7 @@
         </p:blipFill>
         <p:spPr>
           <a:xfrm>
-            <a:off x="21688822" y="10895507"/>
+            <a:off x="21590000" y="6586085"/>
             <a:ext cx="5524500" cy="4572000"/>
           </a:xfrm>
           <a:prstGeom prst="rect">
@@ -7460,7 +7436,7 @@
         </p:nvSpPr>
         <p:spPr>
           <a:xfrm>
-            <a:off x="21564600" y="15621000"/>
+            <a:off x="21564600" y="11214287"/>
             <a:ext cx="6324600" cy="646331"/>
           </a:xfrm>
           <a:prstGeom prst="rect">
@@ -7544,6 +7520,277 @@
           </a:prstGeom>
         </p:spPr>
       </p:pic>
+      <p:sp>
+        <p:nvSpPr>
+          <p:cNvPr id="30" name="Rectangle 29"/>
+          <p:cNvSpPr/>
+          <p:nvPr/>
+        </p:nvSpPr>
+        <p:spPr>
+          <a:xfrm>
+            <a:off x="11546840" y="7502714"/>
+            <a:ext cx="9875520" cy="457200"/>
+          </a:xfrm>
+          <a:prstGeom prst="rect">
+            <a:avLst/>
+          </a:prstGeom>
+          <a:solidFill>
+            <a:schemeClr val="accent1">
+              <a:lumMod val="40000"/>
+              <a:lumOff val="60000"/>
+            </a:schemeClr>
+          </a:solidFill>
+          <a:ln w="12700"/>
+        </p:spPr>
+        <p:style>
+          <a:lnRef idx="2">
+            <a:schemeClr val="accent1">
+              <a:shade val="50000"/>
+            </a:schemeClr>
+          </a:lnRef>
+          <a:fillRef idx="1">
+            <a:schemeClr val="accent1"/>
+          </a:fillRef>
+          <a:effectRef idx="0">
+            <a:schemeClr val="accent1"/>
+          </a:effectRef>
+          <a:fontRef idx="minor">
+            <a:schemeClr val="lt1"/>
+          </a:fontRef>
+        </p:style>
+        <p:txBody>
+          <a:bodyPr lIns="48971" tIns="24486" rIns="48971" bIns="24486" rtlCol="0" anchor="ctr"/>
+          <a:lstStyle/>
+          <a:p>
+            <a:pPr algn="ctr"/>
+            <a:r>
+              <a:rPr lang="en-US" sz="3200" b="1" dirty="0" smtClean="0">
+                <a:solidFill>
+                  <a:schemeClr val="accent3">
+                    <a:lumMod val="20000"/>
+                    <a:lumOff val="80000"/>
+                  </a:schemeClr>
+                </a:solidFill>
+              </a:rPr>
+              <a:t>Complementary Methods</a:t>
+            </a:r>
+            <a:endParaRPr lang="en-US" sz="3200" b="1" dirty="0">
+              <a:solidFill>
+                <a:schemeClr val="accent3">
+                  <a:lumMod val="20000"/>
+                  <a:lumOff val="80000"/>
+                </a:schemeClr>
+              </a:solidFill>
+            </a:endParaRPr>
+          </a:p>
+        </p:txBody>
+      </p:sp>
+      <p:sp>
+        <p:nvSpPr>
+          <p:cNvPr id="31" name="Text Box 194"/>
+          <p:cNvSpPr txBox="1">
+            <a:spLocks noChangeArrowheads="1"/>
+          </p:cNvSpPr>
+          <p:nvPr/>
+        </p:nvSpPr>
+        <p:spPr bwMode="auto">
+          <a:xfrm>
+            <a:off x="11546840" y="7959914"/>
+            <a:ext cx="9875520" cy="505573"/>
+          </a:xfrm>
+          <a:prstGeom prst="rect">
+            <a:avLst/>
+          </a:prstGeom>
+          <a:solidFill>
+            <a:schemeClr val="bg1"/>
+          </a:solidFill>
+          <a:ln w="12700">
+            <a:solidFill>
+              <a:schemeClr val="accent1">
+                <a:lumMod val="75000"/>
+              </a:schemeClr>
+            </a:solidFill>
+          </a:ln>
+          <a:effectLst/>
+        </p:spPr>
+        <p:txBody>
+          <a:bodyPr lIns="97942" tIns="97942" rIns="97942" bIns="97942">
+            <a:spAutoFit/>
+          </a:bodyPr>
+          <a:lstStyle>
+            <a:lvl1pPr eaLnBrk="0" hangingPunct="0">
+              <a:defRPr sz="2200">
+                <a:solidFill>
+                  <a:schemeClr val="tx1"/>
+                </a:solidFill>
+                <a:latin typeface="Arial" charset="0"/>
+              </a:defRPr>
+            </a:lvl1pPr>
+            <a:lvl2pPr marL="742950" indent="-285750" eaLnBrk="0" hangingPunct="0">
+              <a:defRPr sz="2200">
+                <a:solidFill>
+                  <a:schemeClr val="tx1"/>
+                </a:solidFill>
+                <a:latin typeface="Arial" charset="0"/>
+              </a:defRPr>
+            </a:lvl2pPr>
+            <a:lvl3pPr marL="1143000" indent="-228600" eaLnBrk="0" hangingPunct="0">
+              <a:defRPr sz="2200">
+                <a:solidFill>
+                  <a:schemeClr val="tx1"/>
+                </a:solidFill>
+                <a:latin typeface="Arial" charset="0"/>
+              </a:defRPr>
+            </a:lvl3pPr>
+            <a:lvl4pPr marL="1600200" indent="-228600" eaLnBrk="0" hangingPunct="0">
+              <a:defRPr sz="2200">
+                <a:solidFill>
+                  <a:schemeClr val="tx1"/>
+                </a:solidFill>
+                <a:latin typeface="Arial" charset="0"/>
+              </a:defRPr>
+            </a:lvl4pPr>
+            <a:lvl5pPr marL="2057400" indent="-228600" eaLnBrk="0" hangingPunct="0">
+              <a:defRPr sz="2200">
+                <a:solidFill>
+                  <a:schemeClr val="tx1"/>
+                </a:solidFill>
+                <a:latin typeface="Arial" charset="0"/>
+              </a:defRPr>
+            </a:lvl5pPr>
+            <a:lvl6pPr marL="2514600" indent="-228600" eaLnBrk="0" fontAlgn="base" hangingPunct="0">
+              <a:spcBef>
+                <a:spcPct val="0"/>
+              </a:spcBef>
+              <a:spcAft>
+                <a:spcPct val="0"/>
+              </a:spcAft>
+              <a:defRPr sz="2200">
+                <a:solidFill>
+                  <a:schemeClr val="tx1"/>
+                </a:solidFill>
+                <a:latin typeface="Arial" charset="0"/>
+              </a:defRPr>
+            </a:lvl6pPr>
+            <a:lvl7pPr marL="2971800" indent="-228600" eaLnBrk="0" fontAlgn="base" hangingPunct="0">
+              <a:spcBef>
+                <a:spcPct val="0"/>
+              </a:spcBef>
+              <a:spcAft>
+                <a:spcPct val="0"/>
+              </a:spcAft>
+              <a:defRPr sz="2200">
+                <a:solidFill>
+                  <a:schemeClr val="tx1"/>
+                </a:solidFill>
+                <a:latin typeface="Arial" charset="0"/>
+              </a:defRPr>
+            </a:lvl7pPr>
+            <a:lvl8pPr marL="3429000" indent="-228600" eaLnBrk="0" fontAlgn="base" hangingPunct="0">
+              <a:spcBef>
+                <a:spcPct val="0"/>
+              </a:spcBef>
+              <a:spcAft>
+                <a:spcPct val="0"/>
+              </a:spcAft>
+              <a:defRPr sz="2200">
+                <a:solidFill>
+                  <a:schemeClr val="tx1"/>
+                </a:solidFill>
+                <a:latin typeface="Arial" charset="0"/>
+              </a:defRPr>
+            </a:lvl8pPr>
+            <a:lvl9pPr marL="3886200" indent="-228600" eaLnBrk="0" fontAlgn="base" hangingPunct="0">
+              <a:spcBef>
+                <a:spcPct val="0"/>
+              </a:spcBef>
+              <a:spcAft>
+                <a:spcPct val="0"/>
+              </a:spcAft>
+              <a:defRPr sz="2200">
+                <a:solidFill>
+                  <a:schemeClr val="tx1"/>
+                </a:solidFill>
+                <a:latin typeface="Arial" charset="0"/>
+              </a:defRPr>
+            </a:lvl9pPr>
+          </a:lstStyle>
+          <a:p>
+            <a:pPr eaLnBrk="1" hangingPunct="1"/>
+            <a:endParaRPr lang="en-US" sz="2000" dirty="0">
+              <a:latin typeface="Calibri" pitchFamily="34" charset="0"/>
+            </a:endParaRPr>
+          </a:p>
+        </p:txBody>
+      </p:sp>
+      <p:pic>
+        <p:nvPicPr>
+          <p:cNvPr id="17" name="Picture 16"/>
+          <p:cNvPicPr>
+            <a:picLocks noChangeAspect="1"/>
+          </p:cNvPicPr>
+          <p:nvPr/>
+        </p:nvPicPr>
+        <p:blipFill>
+          <a:blip r:embed="rId16">
+            <a:extLst>
+              <a:ext uri="{28A0092B-C50C-407E-A947-70E740481C1C}">
+                <a14:useLocalDpi xmlns:a14="http://schemas.microsoft.com/office/drawing/2010/main" val="0"/>
+              </a:ext>
+            </a:extLst>
+          </a:blip>
+          <a:stretch>
+            <a:fillRect/>
+          </a:stretch>
+        </p:blipFill>
+        <p:spPr>
+          <a:xfrm>
+            <a:off x="21564600" y="12127930"/>
+            <a:ext cx="6076950" cy="5029200"/>
+          </a:xfrm>
+          <a:prstGeom prst="rect">
+            <a:avLst/>
+          </a:prstGeom>
+        </p:spPr>
+      </p:pic>
+      <p:sp>
+        <p:nvSpPr>
+          <p:cNvPr id="36" name="TextBox 35"/>
+          <p:cNvSpPr txBox="1"/>
+          <p:nvPr/>
+        </p:nvSpPr>
+        <p:spPr>
+          <a:xfrm>
+            <a:off x="21564600" y="17211519"/>
+            <a:ext cx="6324600" cy="369332"/>
+          </a:xfrm>
+          <a:prstGeom prst="rect">
+            <a:avLst/>
+          </a:prstGeom>
+          <a:noFill/>
+        </p:spPr>
+        <p:txBody>
+          <a:bodyPr wrap="square" rtlCol="0">
+            <a:spAutoFit/>
+          </a:bodyPr>
+          <a:lstStyle/>
+          <a:p>
+            <a:r>
+              <a:rPr lang="en-US" sz="1800" dirty="0" smtClean="0"/>
+              <a:t>Caption . . . . This is the mcc tree for </a:t>
+            </a:r>
+            <a:r>
+              <a:rPr lang="en-US" sz="1800" dirty="0" smtClean="0"/>
+              <a:t>the </a:t>
+            </a:r>
+            <a:r>
+              <a:rPr lang="en-US" sz="1800" smtClean="0"/>
+              <a:t>dtm</a:t>
+            </a:r>
+            <a:endParaRPr lang="en-US" sz="1800" dirty="0"/>
+          </a:p>
+        </p:txBody>
+      </p:sp>
     </p:spTree>
     <p:extLst>
       <p:ext uri="{BB962C8B-B14F-4D97-AF65-F5344CB8AC3E}">

--- a/presentations/HTRC-2018/poster-template.pptx
+++ b/presentations/HTRC-2018/poster-template.pptx
@@ -5726,144 +5726,6 @@
       </p:sp>
       <p:sp>
         <p:nvSpPr>
-          <p:cNvPr id="15" name="Text Box 194"/>
-          <p:cNvSpPr txBox="1">
-            <a:spLocks noChangeArrowheads="1"/>
-          </p:cNvSpPr>
-          <p:nvPr/>
-        </p:nvSpPr>
-        <p:spPr bwMode="auto">
-          <a:xfrm>
-            <a:off x="21945600" y="3643087"/>
-            <a:ext cx="9875520" cy="505573"/>
-          </a:xfrm>
-          <a:prstGeom prst="rect">
-            <a:avLst/>
-          </a:prstGeom>
-          <a:solidFill>
-            <a:schemeClr val="bg1"/>
-          </a:solidFill>
-          <a:ln w="12700">
-            <a:solidFill>
-              <a:schemeClr val="accent1">
-                <a:lumMod val="75000"/>
-              </a:schemeClr>
-            </a:solidFill>
-          </a:ln>
-          <a:effectLst/>
-        </p:spPr>
-        <p:txBody>
-          <a:bodyPr lIns="97942" tIns="97942" rIns="97942" bIns="97942">
-            <a:spAutoFit/>
-          </a:bodyPr>
-          <a:lstStyle>
-            <a:lvl1pPr eaLnBrk="0" hangingPunct="0">
-              <a:defRPr sz="2200">
-                <a:solidFill>
-                  <a:schemeClr val="tx1"/>
-                </a:solidFill>
-                <a:latin typeface="Arial" charset="0"/>
-              </a:defRPr>
-            </a:lvl1pPr>
-            <a:lvl2pPr marL="742950" indent="-285750" eaLnBrk="0" hangingPunct="0">
-              <a:defRPr sz="2200">
-                <a:solidFill>
-                  <a:schemeClr val="tx1"/>
-                </a:solidFill>
-                <a:latin typeface="Arial" charset="0"/>
-              </a:defRPr>
-            </a:lvl2pPr>
-            <a:lvl3pPr marL="1143000" indent="-228600" eaLnBrk="0" hangingPunct="0">
-              <a:defRPr sz="2200">
-                <a:solidFill>
-                  <a:schemeClr val="tx1"/>
-                </a:solidFill>
-                <a:latin typeface="Arial" charset="0"/>
-              </a:defRPr>
-            </a:lvl3pPr>
-            <a:lvl4pPr marL="1600200" indent="-228600" eaLnBrk="0" hangingPunct="0">
-              <a:defRPr sz="2200">
-                <a:solidFill>
-                  <a:schemeClr val="tx1"/>
-                </a:solidFill>
-                <a:latin typeface="Arial" charset="0"/>
-              </a:defRPr>
-            </a:lvl4pPr>
-            <a:lvl5pPr marL="2057400" indent="-228600" eaLnBrk="0" hangingPunct="0">
-              <a:defRPr sz="2200">
-                <a:solidFill>
-                  <a:schemeClr val="tx1"/>
-                </a:solidFill>
-                <a:latin typeface="Arial" charset="0"/>
-              </a:defRPr>
-            </a:lvl5pPr>
-            <a:lvl6pPr marL="2514600" indent="-228600" eaLnBrk="0" fontAlgn="base" hangingPunct="0">
-              <a:spcBef>
-                <a:spcPct val="0"/>
-              </a:spcBef>
-              <a:spcAft>
-                <a:spcPct val="0"/>
-              </a:spcAft>
-              <a:defRPr sz="2200">
-                <a:solidFill>
-                  <a:schemeClr val="tx1"/>
-                </a:solidFill>
-                <a:latin typeface="Arial" charset="0"/>
-              </a:defRPr>
-            </a:lvl6pPr>
-            <a:lvl7pPr marL="2971800" indent="-228600" eaLnBrk="0" fontAlgn="base" hangingPunct="0">
-              <a:spcBef>
-                <a:spcPct val="0"/>
-              </a:spcBef>
-              <a:spcAft>
-                <a:spcPct val="0"/>
-              </a:spcAft>
-              <a:defRPr sz="2200">
-                <a:solidFill>
-                  <a:schemeClr val="tx1"/>
-                </a:solidFill>
-                <a:latin typeface="Arial" charset="0"/>
-              </a:defRPr>
-            </a:lvl7pPr>
-            <a:lvl8pPr marL="3429000" indent="-228600" eaLnBrk="0" fontAlgn="base" hangingPunct="0">
-              <a:spcBef>
-                <a:spcPct val="0"/>
-              </a:spcBef>
-              <a:spcAft>
-                <a:spcPct val="0"/>
-              </a:spcAft>
-              <a:defRPr sz="2200">
-                <a:solidFill>
-                  <a:schemeClr val="tx1"/>
-                </a:solidFill>
-                <a:latin typeface="Arial" charset="0"/>
-              </a:defRPr>
-            </a:lvl8pPr>
-            <a:lvl9pPr marL="3886200" indent="-228600" eaLnBrk="0" fontAlgn="base" hangingPunct="0">
-              <a:spcBef>
-                <a:spcPct val="0"/>
-              </a:spcBef>
-              <a:spcAft>
-                <a:spcPct val="0"/>
-              </a:spcAft>
-              <a:defRPr sz="2200">
-                <a:solidFill>
-                  <a:schemeClr val="tx1"/>
-                </a:solidFill>
-                <a:latin typeface="Arial" charset="0"/>
-              </a:defRPr>
-            </a:lvl9pPr>
-          </a:lstStyle>
-          <a:p>
-            <a:pPr eaLnBrk="1" hangingPunct="1"/>
-            <a:endParaRPr lang="en-US" sz="2000" dirty="0">
-              <a:latin typeface="Calibri" pitchFamily="34" charset="0"/>
-            </a:endParaRPr>
-          </a:p>
-        </p:txBody>
-      </p:sp>
-      <p:sp>
-        <p:nvSpPr>
           <p:cNvPr id="33" name="Rectangle 32"/>
           <p:cNvSpPr/>
           <p:nvPr/>
@@ -6189,7 +6051,7 @@
         </p:nvSpPr>
         <p:spPr>
           <a:xfrm>
-            <a:off x="21688822" y="5749517"/>
+            <a:off x="21793200" y="13630428"/>
             <a:ext cx="9875520" cy="457200"/>
           </a:xfrm>
           <a:prstGeom prst="rect">
@@ -6458,7 +6320,7 @@
         </p:nvSpPr>
         <p:spPr>
           <a:xfrm>
-            <a:off x="21945600" y="3185886"/>
+            <a:off x="21793200" y="3200400"/>
             <a:ext cx="9875520" cy="457200"/>
           </a:xfrm>
           <a:prstGeom prst="rect">
@@ -7296,7 +7158,7 @@
         </p:blipFill>
         <p:spPr>
           <a:xfrm>
-            <a:off x="11435130" y="10498909"/>
+            <a:off x="11534712" y="9685447"/>
             <a:ext cx="6267577" cy="8093891"/>
           </a:xfrm>
           <a:prstGeom prst="rect">
@@ -7390,7 +7252,7 @@
         </p:blipFill>
         <p:spPr>
           <a:xfrm>
-            <a:off x="18072183" y="10514635"/>
+            <a:off x="18074640" y="9675845"/>
             <a:ext cx="3340017" cy="5943600"/>
           </a:xfrm>
           <a:prstGeom prst="rect">
@@ -7420,7 +7282,7 @@
         </p:blipFill>
         <p:spPr>
           <a:xfrm>
-            <a:off x="21590000" y="6586085"/>
+            <a:off x="21653500" y="8915400"/>
             <a:ext cx="5524500" cy="4572000"/>
           </a:xfrm>
           <a:prstGeom prst="rect">
@@ -7436,8 +7298,8 @@
         </p:nvSpPr>
         <p:spPr>
           <a:xfrm>
-            <a:off x="21564600" y="11214287"/>
-            <a:ext cx="6324600" cy="646331"/>
+            <a:off x="26757100" y="6181587"/>
+            <a:ext cx="4911620" cy="1477328"/>
           </a:xfrm>
           <a:prstGeom prst="rect">
             <a:avLst/>
@@ -7451,18 +7313,14 @@
           <a:lstStyle/>
           <a:p>
             <a:r>
+              <a:rPr lang="en-US" sz="1800" b="1" dirty="0" smtClean="0"/>
+              <a:t>Similarity based on entry presence/absence. </a:t>
+            </a:r>
+            <a:r>
               <a:rPr lang="en-US" sz="1800" dirty="0" smtClean="0"/>
-              <a:t>Caption . . . . This is the mcc tree for the </a:t>
-            </a:r>
-            <a:r>
-              <a:rPr lang="en-US" sz="1800" dirty="0" err="1" smtClean="0"/>
-              <a:t>synteny</a:t>
-            </a:r>
-            <a:r>
-              <a:rPr lang="en-US" sz="1800" dirty="0" smtClean="0"/>
-              <a:t> analysis of section order.</a:t>
-            </a:r>
-            <a:endParaRPr lang="en-US" sz="1800" dirty="0"/>
+              <a:t>A document term matrix was constructed and 1000 bootstrap replicates were taken. Individual trees were built using Neighbor Joining and a consensus tree was built using Maximum Clade Credibility. </a:t>
+            </a:r>
+            <a:endParaRPr lang="en-US" sz="1800" b="1" dirty="0"/>
           </a:p>
         </p:txBody>
       </p:sp>
@@ -7596,7 +7454,7 @@
         <p:spPr bwMode="auto">
           <a:xfrm>
             <a:off x="11546840" y="7959914"/>
-            <a:ext cx="9875520" cy="505573"/>
+            <a:ext cx="9875520" cy="1428903"/>
           </a:xfrm>
           <a:prstGeom prst="rect">
             <a:avLst/>
@@ -7716,7 +7574,52 @@
             </a:lvl9pPr>
           </a:lstStyle>
           <a:p>
-            <a:pPr eaLnBrk="1" hangingPunct="1"/>
+            <a:pPr marL="342900" indent="-342900" eaLnBrk="1" hangingPunct="1">
+              <a:buFont typeface="Arial" charset="0"/>
+              <a:buChar char="•"/>
+            </a:pPr>
+            <a:r>
+              <a:rPr lang="en-US" sz="2000" dirty="0" smtClean="0">
+                <a:latin typeface="Calibri" pitchFamily="34" charset="0"/>
+              </a:rPr>
+              <a:t>Texts w/ordered information</a:t>
+            </a:r>
+          </a:p>
+          <a:p>
+            <a:pPr marL="342900" indent="-342900" eaLnBrk="1" hangingPunct="1">
+              <a:buFont typeface="Arial" charset="0"/>
+              <a:buChar char="•"/>
+            </a:pPr>
+            <a:r>
+              <a:rPr lang="en-US" sz="2000" dirty="0" smtClean="0">
+                <a:latin typeface="Calibri" pitchFamily="34" charset="0"/>
+              </a:rPr>
+              <a:t>Broken/fragmented texts</a:t>
+            </a:r>
+          </a:p>
+          <a:p>
+            <a:pPr marL="342900" indent="-342900" eaLnBrk="1" hangingPunct="1">
+              <a:buFont typeface="Arial" charset="0"/>
+              <a:buChar char="•"/>
+            </a:pPr>
+            <a:r>
+              <a:rPr lang="en-US" sz="2000" dirty="0" smtClean="0">
+                <a:latin typeface="Calibri" pitchFamily="34" charset="0"/>
+              </a:rPr>
+              <a:t>Texts copied w/changes</a:t>
+            </a:r>
+          </a:p>
+          <a:p>
+            <a:pPr marL="342900" indent="-342900" eaLnBrk="1" hangingPunct="1">
+              <a:buFont typeface="Arial" charset="0"/>
+              <a:buChar char="•"/>
+            </a:pPr>
+            <a:r>
+              <a:rPr lang="en-US" sz="2000" dirty="0" smtClean="0">
+                <a:latin typeface="Calibri" pitchFamily="34" charset="0"/>
+              </a:rPr>
+              <a:t>Incomplete collection of exemplars</a:t>
+            </a:r>
             <a:endParaRPr lang="en-US" sz="2000" dirty="0">
               <a:latin typeface="Calibri" pitchFamily="34" charset="0"/>
             </a:endParaRPr>
@@ -7745,7 +7648,7 @@
         </p:blipFill>
         <p:spPr>
           <a:xfrm>
-            <a:off x="21564600" y="12127930"/>
+            <a:off x="21793200" y="3842778"/>
             <a:ext cx="6076950" cy="5029200"/>
           </a:xfrm>
           <a:prstGeom prst="rect">
@@ -7761,8 +7664,8 @@
         </p:nvSpPr>
         <p:spPr>
           <a:xfrm>
-            <a:off x="21564600" y="17211519"/>
-            <a:ext cx="6324600" cy="369332"/>
+            <a:off x="11506200" y="17801272"/>
+            <a:ext cx="6324600" cy="1477328"/>
           </a:xfrm>
           <a:prstGeom prst="rect">
             <a:avLst/>
@@ -7776,18 +7679,98 @@
           <a:lstStyle/>
           <a:p>
             <a:r>
+              <a:rPr lang="en-US" sz="1800" b="1" dirty="0" smtClean="0"/>
+              <a:t>Bootstrapping </a:t>
+            </a:r>
+            <a:r>
               <a:rPr lang="en-US" sz="1800" dirty="0" smtClean="0"/>
-              <a:t>Caption . . . . This is the mcc tree for </a:t>
+              <a:t>is a method of assessing how sensitive results are to changes in the data. A large number of replicates are produced by sampling with replacement and the analysis is carried out on each replicate. If the results are robust, most replicates will be similar. </a:t>
+            </a:r>
+            <a:endParaRPr lang="en-US" sz="1800" b="1" dirty="0"/>
+          </a:p>
+        </p:txBody>
+      </p:sp>
+      <p:sp>
+        <p:nvSpPr>
+          <p:cNvPr id="21" name="TextBox 20"/>
+          <p:cNvSpPr txBox="1"/>
+          <p:nvPr/>
+        </p:nvSpPr>
+        <p:spPr>
+          <a:xfrm>
+            <a:off x="18074640" y="15723045"/>
+            <a:ext cx="3413760" cy="2031325"/>
+          </a:xfrm>
+          <a:prstGeom prst="rect">
+            <a:avLst/>
+          </a:prstGeom>
+          <a:noFill/>
+        </p:spPr>
+        <p:txBody>
+          <a:bodyPr wrap="square" rtlCol="0">
+            <a:spAutoFit/>
+          </a:bodyPr>
+          <a:lstStyle/>
+          <a:p>
+            <a:r>
+              <a:rPr lang="en-US" sz="1800" b="1" dirty="0" err="1" smtClean="0"/>
+              <a:t>Synteny</a:t>
             </a:r>
             <a:r>
               <a:rPr lang="en-US" sz="1800" dirty="0" smtClean="0"/>
-              <a:t>the </a:t>
-            </a:r>
-            <a:r>
-              <a:rPr lang="en-US" sz="1800" smtClean="0"/>
-              <a:t>dtm</a:t>
-            </a:r>
-            <a:endParaRPr lang="en-US" sz="1800" dirty="0"/>
+              <a:t> is a measure of similarity in order of items across exemplars. In phylogenetics, </a:t>
+            </a:r>
+            <a:r>
+              <a:rPr lang="en-US" sz="1800" dirty="0" err="1" smtClean="0"/>
+              <a:t>synteny</a:t>
+            </a:r>
+            <a:r>
+              <a:rPr lang="en-US" sz="1800" dirty="0" smtClean="0"/>
+              <a:t> is the conservation of gene order across genomes. In our analysis, it is the conservation of section order across exemplars.</a:t>
+            </a:r>
+            <a:endParaRPr lang="en-US" sz="1800" b="1" dirty="0"/>
+          </a:p>
+        </p:txBody>
+      </p:sp>
+      <p:sp>
+        <p:nvSpPr>
+          <p:cNvPr id="37" name="TextBox 36"/>
+          <p:cNvSpPr txBox="1"/>
+          <p:nvPr/>
+        </p:nvSpPr>
+        <p:spPr>
+          <a:xfrm>
+            <a:off x="26756360" y="10231202"/>
+            <a:ext cx="4912360" cy="2585323"/>
+          </a:xfrm>
+          <a:prstGeom prst="rect">
+            <a:avLst/>
+          </a:prstGeom>
+          <a:noFill/>
+        </p:spPr>
+        <p:txBody>
+          <a:bodyPr wrap="square" rtlCol="0">
+            <a:spAutoFit/>
+          </a:bodyPr>
+          <a:lstStyle/>
+          <a:p>
+            <a:r>
+              <a:rPr lang="en-US" sz="1800" b="1" dirty="0" smtClean="0"/>
+              <a:t>Similarity based on section order. </a:t>
+            </a:r>
+            <a:r>
+              <a:rPr lang="en-US" sz="1800" dirty="0" smtClean="0"/>
+              <a:t>One thousand bootstrap replicates were taken of the corpus. Section names were assigned based on sections in the Nippur version (Q000039). For each replicate, the </a:t>
+            </a:r>
+            <a:r>
+              <a:rPr lang="en-US" sz="1800" dirty="0" err="1" smtClean="0"/>
+              <a:t>synteny</a:t>
+            </a:r>
+            <a:r>
+              <a:rPr lang="en-US" sz="1800" dirty="0" smtClean="0"/>
+              <a:t> index for each document pair was calculated and used to construct a distance matrix. Individual trees were built using Neighbor Joining and a consensus tree was built using Maximum Clade Credibility. </a:t>
+            </a:r>
+            <a:endParaRPr lang="en-US" sz="1800" b="1" dirty="0"/>
           </a:p>
         </p:txBody>
       </p:sp>

--- a/presentations/HTRC-2018/poster-template.pptx
+++ b/presentations/HTRC-2018/poster-template.pptx
@@ -2,7 +2,7 @@
 <file path=ppt/presentation.xml><?xml version="1.0" encoding="utf-8"?>
 <p:presentation xmlns:a="http://schemas.openxmlformats.org/drawingml/2006/main" xmlns:r="http://schemas.openxmlformats.org/officeDocument/2006/relationships" xmlns:p="http://schemas.openxmlformats.org/presentationml/2006/main" saveSubsetFonts="1">
   <p:sldMasterIdLst>
-    <p:sldMasterId id="2147483651" r:id="rId1"/>
+    <p:sldMasterId id="2147483690" r:id="rId1"/>
   </p:sldMasterIdLst>
   <p:handoutMasterIdLst>
     <p:handoutMasterId r:id="rId3"/>
@@ -2325,7 +2325,7 @@
     </p:spTree>
     <p:extLst>
       <p:ext uri="{BB962C8B-B14F-4D97-AF65-F5344CB8AC3E}">
-        <p14:creationId xmlns:p14="http://schemas.microsoft.com/office/powerpoint/2010/main" val="409539525"/>
+        <p14:creationId xmlns:p14="http://schemas.microsoft.com/office/powerpoint/2010/main" val="2116746820"/>
       </p:ext>
     </p:extLst>
   </p:cSld>
@@ -4299,24 +4299,24 @@
     </p:spTree>
     <p:extLst>
       <p:ext uri="{BB962C8B-B14F-4D97-AF65-F5344CB8AC3E}">
-        <p14:creationId xmlns:p14="http://schemas.microsoft.com/office/powerpoint/2010/main" val="1847496614"/>
+        <p14:creationId xmlns:p14="http://schemas.microsoft.com/office/powerpoint/2010/main" val="1868680764"/>
       </p:ext>
     </p:extLst>
   </p:cSld>
   <p:clrMap bg1="lt1" tx1="dk1" bg2="lt2" tx2="dk2" accent1="accent1" accent2="accent2" accent3="accent3" accent4="accent4" accent5="accent5" accent6="accent6" hlink="hlink" folHlink="folHlink"/>
   <p:sldLayoutIdLst>
-    <p:sldLayoutId id="2147483652" r:id="rId1"/>
-    <p:sldLayoutId id="2147483653" r:id="rId2"/>
-    <p:sldLayoutId id="2147483654" r:id="rId3"/>
-    <p:sldLayoutId id="2147483655" r:id="rId4"/>
-    <p:sldLayoutId id="2147483656" r:id="rId5"/>
-    <p:sldLayoutId id="2147483657" r:id="rId6"/>
-    <p:sldLayoutId id="2147483658" r:id="rId7"/>
-    <p:sldLayoutId id="2147483659" r:id="rId8"/>
-    <p:sldLayoutId id="2147483660" r:id="rId9"/>
-    <p:sldLayoutId id="2147483661" r:id="rId10"/>
-    <p:sldLayoutId id="2147483662" r:id="rId11"/>
-    <p:sldLayoutId id="2147483663" r:id="rId12"/>
+    <p:sldLayoutId id="2147483691" r:id="rId1"/>
+    <p:sldLayoutId id="2147483692" r:id="rId2"/>
+    <p:sldLayoutId id="2147483693" r:id="rId3"/>
+    <p:sldLayoutId id="2147483694" r:id="rId4"/>
+    <p:sldLayoutId id="2147483695" r:id="rId5"/>
+    <p:sldLayoutId id="2147483696" r:id="rId6"/>
+    <p:sldLayoutId id="2147483697" r:id="rId7"/>
+    <p:sldLayoutId id="2147483698" r:id="rId8"/>
+    <p:sldLayoutId id="2147483699" r:id="rId9"/>
+    <p:sldLayoutId id="2147483700" r:id="rId10"/>
+    <p:sldLayoutId id="2147483701" r:id="rId11"/>
+    <p:sldLayoutId id="2147483702" r:id="rId12"/>
   </p:sldLayoutIdLst>
   <p:txStyles>
     <p:titleStyle>
@@ -6387,6 +6387,7 @@
         </p:nvPicPr>
         <p:blipFill>
           <a:blip r:embed="rId8">
+            <a:alphaModFix/>
             <a:extLst>
               <a:ext uri="{28A0092B-C50C-407E-A947-70E740481C1C}">
                 <a14:useLocalDpi xmlns:a14="http://schemas.microsoft.com/office/drawing/2010/main" val="0"/>
@@ -7189,7 +7190,7 @@
         </p:blipFill>
         <p:spPr bwMode="auto">
           <a:xfrm>
-            <a:off x="28876625" y="271463"/>
+            <a:off x="29943425" y="229297"/>
             <a:ext cx="2292350" cy="2286000"/>
           </a:xfrm>
           <a:prstGeom prst="rect">
@@ -7340,7 +7341,7 @@
         </p:blipFill>
         <p:spPr>
           <a:xfrm>
-            <a:off x="230868" y="642368"/>
+            <a:off x="571244" y="618364"/>
             <a:ext cx="5750832" cy="1188720"/>
           </a:xfrm>
           <a:prstGeom prst="rect">

--- a/presentations/HTRC-2018/poster-template.pptx
+++ b/presentations/HTRC-2018/poster-template.pptx
@@ -109,7 +109,7 @@
   </p:defaultTextStyle>
   <p:extLst>
     <p:ext uri="{EFAFB233-063F-42B5-8137-9DF3F51BA10A}">
-      <p15:sldGuideLst xmlns:p15="http://schemas.microsoft.com/office/powerpoint/2012/main">
+      <p15:sldGuideLst xmlns:p15="http://schemas.microsoft.com/office/powerpoint/2012/main" xmlns="">
         <p15:guide id="1" orient="horz" pos="6912">
           <p15:clr>
             <a:srgbClr val="A4A3A4"/>
@@ -123,7 +123,7 @@
       </p15:sldGuideLst>
     </p:ext>
     <p:ext uri="{2D200454-40CA-4A62-9FC3-DE9A4176ACB9}">
-      <p15:notesGuideLst xmlns:p15="http://schemas.microsoft.com/office/powerpoint/2012/main">
+      <p15:notesGuideLst xmlns:p15="http://schemas.microsoft.com/office/powerpoint/2012/main" xmlns="">
         <p15:guide id="1" orient="horz" pos="2926">
           <p15:clr>
             <a:srgbClr val="A4A3A4"/>
@@ -222,7 +222,7 @@
           <a:p>
             <a:fld id="{FF66CDD7-09B6-4BB3-9069-2B95837CCCB2}" type="datetimeFigureOut">
               <a:rPr lang="en-US" smtClean="0"/>
-              <a:t>1/22/18</a:t>
+              <a:t>1/22/2018</a:t>
             </a:fld>
             <a:endParaRPr lang="en-US"/>
           </a:p>
@@ -436,7 +436,7 @@
           <a:p>
             <a:fld id="{985D6BDF-9D0E-4E2B-85B8-D8F4790360C9}" type="datetimeFigureOut">
               <a:rPr lang="en-US" smtClean="0"/>
-              <a:t>1/22/18</a:t>
+              <a:t>1/22/2018</a:t>
             </a:fld>
             <a:endParaRPr lang="en-US" dirty="0"/>
           </a:p>
@@ -601,7 +601,7 @@
           <a:p>
             <a:fld id="{985D6BDF-9D0E-4E2B-85B8-D8F4790360C9}" type="datetimeFigureOut">
               <a:rPr lang="en-US" smtClean="0"/>
-              <a:t>1/22/18</a:t>
+              <a:t>1/22/2018</a:t>
             </a:fld>
             <a:endParaRPr lang="en-US" dirty="0"/>
           </a:p>
@@ -776,7 +776,7 @@
           <a:p>
             <a:fld id="{985D6BDF-9D0E-4E2B-85B8-D8F4790360C9}" type="datetimeFigureOut">
               <a:rPr lang="en-US" smtClean="0"/>
-              <a:t>1/22/18</a:t>
+              <a:t>1/22/2018</a:t>
             </a:fld>
             <a:endParaRPr lang="en-US" dirty="0"/>
           </a:p>
@@ -1003,8 +1003,8 @@
         </p:nvSpPr>
         <p:spPr>
           <a:xfrm>
-            <a:off x="0" y="19202400"/>
-            <a:ext cx="32918400" cy="2743200"/>
+            <a:off x="0" y="19735800"/>
+            <a:ext cx="32918400" cy="2209800"/>
           </a:xfrm>
           <a:prstGeom prst="rect">
             <a:avLst/>
@@ -2451,7 +2451,7 @@
           <a:p>
             <a:fld id="{985D6BDF-9D0E-4E2B-85B8-D8F4790360C9}" type="datetimeFigureOut">
               <a:rPr lang="en-US" smtClean="0"/>
-              <a:t>1/22/18</a:t>
+              <a:t>1/22/2018</a:t>
             </a:fld>
             <a:endParaRPr lang="en-US" dirty="0"/>
           </a:p>
@@ -2692,7 +2692,7 @@
           <a:p>
             <a:fld id="{985D6BDF-9D0E-4E2B-85B8-D8F4790360C9}" type="datetimeFigureOut">
               <a:rPr lang="en-US" smtClean="0"/>
-              <a:t>1/22/18</a:t>
+              <a:t>1/22/2018</a:t>
             </a:fld>
             <a:endParaRPr lang="en-US" dirty="0"/>
           </a:p>
@@ -2919,7 +2919,7 @@
           <a:p>
             <a:fld id="{985D6BDF-9D0E-4E2B-85B8-D8F4790360C9}" type="datetimeFigureOut">
               <a:rPr lang="en-US" smtClean="0"/>
-              <a:t>1/22/18</a:t>
+              <a:t>1/22/2018</a:t>
             </a:fld>
             <a:endParaRPr lang="en-US" dirty="0"/>
           </a:p>
@@ -3281,7 +3281,7 @@
           <a:p>
             <a:fld id="{985D6BDF-9D0E-4E2B-85B8-D8F4790360C9}" type="datetimeFigureOut">
               <a:rPr lang="en-US" smtClean="0"/>
-              <a:t>1/22/18</a:t>
+              <a:t>1/22/2018</a:t>
             </a:fld>
             <a:endParaRPr lang="en-US" dirty="0"/>
           </a:p>
@@ -3394,7 +3394,7 @@
           <a:p>
             <a:fld id="{985D6BDF-9D0E-4E2B-85B8-D8F4790360C9}" type="datetimeFigureOut">
               <a:rPr lang="en-US" smtClean="0"/>
-              <a:t>1/22/18</a:t>
+              <a:t>1/22/2018</a:t>
             </a:fld>
             <a:endParaRPr lang="en-US" dirty="0"/>
           </a:p>
@@ -3484,7 +3484,7 @@
           <a:p>
             <a:fld id="{985D6BDF-9D0E-4E2B-85B8-D8F4790360C9}" type="datetimeFigureOut">
               <a:rPr lang="en-US" smtClean="0"/>
-              <a:t>1/22/18</a:t>
+              <a:t>1/22/2018</a:t>
             </a:fld>
             <a:endParaRPr lang="en-US" dirty="0"/>
           </a:p>
@@ -3756,7 +3756,7 @@
           <a:p>
             <a:fld id="{985D6BDF-9D0E-4E2B-85B8-D8F4790360C9}" type="datetimeFigureOut">
               <a:rPr lang="en-US" smtClean="0"/>
-              <a:t>1/22/18</a:t>
+              <a:t>1/22/2018</a:t>
             </a:fld>
             <a:endParaRPr lang="en-US" dirty="0"/>
           </a:p>
@@ -4004,7 +4004,7 @@
           <a:p>
             <a:fld id="{985D6BDF-9D0E-4E2B-85B8-D8F4790360C9}" type="datetimeFigureOut">
               <a:rPr lang="en-US" smtClean="0"/>
-              <a:t>1/22/18</a:t>
+              <a:t>1/22/2018</a:t>
             </a:fld>
             <a:endParaRPr lang="en-US" dirty="0"/>
           </a:p>
@@ -4212,7 +4212,7 @@
           <a:p>
             <a:fld id="{985D6BDF-9D0E-4E2B-85B8-D8F4790360C9}" type="datetimeFigureOut">
               <a:rPr lang="en-US" smtClean="0"/>
-              <a:t>1/22/18</a:t>
+              <a:t>1/22/2018</a:t>
             </a:fld>
             <a:endParaRPr lang="en-US" dirty="0"/>
           </a:p>
@@ -5044,7 +5044,7 @@
         </p:nvSpPr>
         <p:spPr>
           <a:xfrm>
-            <a:off x="1280162" y="20025361"/>
+            <a:off x="1352793" y="20025359"/>
             <a:ext cx="7770550" cy="1280556"/>
           </a:xfrm>
           <a:prstGeom prst="rect">
@@ -5114,16 +5114,10 @@
               <a:rPr lang="en-US" sz="2000" dirty="0" smtClean="0">
                 <a:hlinkClick r:id="rId4"/>
               </a:rPr>
-              <a:t>https</a:t>
-            </a:r>
-            <a:r>
-              <a:rPr lang="en-US" sz="2000" smtClean="0">
-                <a:hlinkClick r:id="rId4"/>
-              </a:rPr>
-              <a:t>://github.com/ErinBecker/digital-humanities-phylogenetics</a:t>
-            </a:r>
-            <a:r>
-              <a:rPr lang="en-US" sz="2000" smtClean="0"/>
+              <a:t>https://github.com/ErinBecker/digital-humanities-phylogenetics</a:t>
+            </a:r>
+            <a:r>
+              <a:rPr lang="en-US" sz="2000" dirty="0" smtClean="0"/>
               <a:t> </a:t>
             </a:r>
             <a:endParaRPr lang="en-US" sz="2000" dirty="0"/>
@@ -5138,7 +5132,7 @@
         </p:nvSpPr>
         <p:spPr>
           <a:xfrm>
-            <a:off x="1280161" y="19431001"/>
+            <a:off x="1280161" y="19615925"/>
             <a:ext cx="1450230" cy="557282"/>
           </a:xfrm>
           <a:prstGeom prst="rect">
@@ -7775,6 +7769,145 @@
           </a:p>
         </p:txBody>
       </p:sp>
+      <p:sp>
+        <p:nvSpPr>
+          <p:cNvPr id="15" name="TextBox 14"/>
+          <p:cNvSpPr txBox="1"/>
+          <p:nvPr/>
+        </p:nvSpPr>
+        <p:spPr>
+          <a:xfrm>
+            <a:off x="21793200" y="14325600"/>
+            <a:ext cx="9875520" cy="4524315"/>
+          </a:xfrm>
+          <a:prstGeom prst="rect">
+            <a:avLst/>
+          </a:prstGeom>
+          <a:noFill/>
+        </p:spPr>
+        <p:txBody>
+          <a:bodyPr wrap="square" rtlCol="0">
+            <a:spAutoFit/>
+          </a:bodyPr>
+          <a:lstStyle/>
+          <a:p>
+            <a:r>
+              <a:rPr lang="en-US" sz="1800" dirty="0"/>
+              <a:t>Entry presence/absence turns out to be a rather bad predictor for dependency among tablets. Two duplicating tablets from Old Babylonian </a:t>
+            </a:r>
+            <a:r>
+              <a:rPr lang="en-US" sz="1800" dirty="0" err="1"/>
+              <a:t>Isin</a:t>
+            </a:r>
+            <a:r>
+              <a:rPr lang="en-US" sz="1800" dirty="0"/>
+              <a:t> (P459216 and P459217) </a:t>
+            </a:r>
+            <a:r>
+              <a:rPr lang="en-US" sz="1800" dirty="0" smtClean="0"/>
+              <a:t>end </a:t>
+            </a:r>
+            <a:r>
+              <a:rPr lang="en-US" sz="1800" dirty="0"/>
+              <a:t>up in different branches of the tree, presumably because they are broken at different places. The tree does correctly identify four tablets that have little to do with the rest: </a:t>
+            </a:r>
+            <a:r>
+              <a:rPr lang="en-US" sz="1800" dirty="0" smtClean="0"/>
+              <a:t>P250736, </a:t>
+            </a:r>
+            <a:r>
+              <a:rPr lang="en-US" sz="1800" dirty="0"/>
+              <a:t>Q000001, P492330, and P228196 (at the bottom of the tree</a:t>
+            </a:r>
+            <a:r>
+              <a:rPr lang="en-US" sz="1800" dirty="0" smtClean="0"/>
+              <a:t>)</a:t>
+            </a:r>
+          </a:p>
+          <a:p>
+            <a:endParaRPr lang="en-US" sz="1800" dirty="0"/>
+          </a:p>
+          <a:p>
+            <a:r>
+              <a:rPr lang="en-US" sz="1800" dirty="0"/>
+              <a:t>The </a:t>
+            </a:r>
+            <a:r>
+              <a:rPr lang="en-US" sz="1800" dirty="0" smtClean="0"/>
+              <a:t>“section order” </a:t>
+            </a:r>
+            <a:r>
+              <a:rPr lang="en-US" sz="1800" dirty="0"/>
+              <a:t>tree closely aligns P346714 (from Ur) with P250364 (unknown provenance). P250364 certainly does not come from Ur but may well descent from the Ur version. The Old Babylonian </a:t>
+            </a:r>
+            <a:r>
+              <a:rPr lang="en-US" sz="1800" dirty="0" err="1"/>
+              <a:t>Isin</a:t>
+            </a:r>
+            <a:r>
+              <a:rPr lang="en-US" sz="1800" dirty="0"/>
+              <a:t> texts P459216 and P459217 align with two exemplars from Ugarit (P332934 and P429503), which are several centuries later. The Ugarit version is unlikely to derive directly from </a:t>
+            </a:r>
+            <a:r>
+              <a:rPr lang="en-US" sz="1800" dirty="0" err="1"/>
+              <a:t>Isin</a:t>
+            </a:r>
+            <a:r>
+              <a:rPr lang="en-US" sz="1800" dirty="0"/>
+              <a:t> – but </a:t>
+            </a:r>
+            <a:r>
+              <a:rPr lang="en-US" sz="1800" dirty="0" err="1"/>
+              <a:t>Isin</a:t>
+            </a:r>
+            <a:r>
+              <a:rPr lang="en-US" sz="1800" dirty="0"/>
+              <a:t> may well have been a station on the way</a:t>
+            </a:r>
+            <a:r>
+              <a:rPr lang="en-US" sz="1800" dirty="0" smtClean="0"/>
+              <a:t>.</a:t>
+            </a:r>
+          </a:p>
+          <a:p>
+            <a:endParaRPr lang="en-US" sz="1800" dirty="0"/>
+          </a:p>
+          <a:p>
+            <a:r>
+              <a:rPr lang="en-US" sz="1800" dirty="0"/>
+              <a:t>Future work: </a:t>
+            </a:r>
+          </a:p>
+          <a:p>
+            <a:pPr marL="285750" indent="-285750">
+              <a:buFont typeface="Arial" panose="020B0604020202020204" pitchFamily="34" charset="0"/>
+              <a:buChar char="•"/>
+            </a:pPr>
+            <a:r>
+              <a:rPr lang="en-US" sz="1800" dirty="0"/>
+              <a:t>order of entries within a section</a:t>
+            </a:r>
+          </a:p>
+          <a:p>
+            <a:pPr marL="285750" indent="-285750">
+              <a:buFont typeface="Arial" panose="020B0604020202020204" pitchFamily="34" charset="0"/>
+              <a:buChar char="•"/>
+            </a:pPr>
+            <a:r>
+              <a:rPr lang="en-US" sz="1800" dirty="0"/>
+              <a:t>applying the method on other groups of lexical </a:t>
+            </a:r>
+            <a:r>
+              <a:rPr lang="en-US" sz="1800" dirty="0" smtClean="0"/>
+              <a:t>texts</a:t>
+            </a:r>
+            <a:endParaRPr lang="en-US" sz="1800" dirty="0"/>
+          </a:p>
+          <a:p>
+            <a:endParaRPr lang="en-US" sz="1800" dirty="0"/>
+          </a:p>
+        </p:txBody>
+      </p:sp>
     </p:spTree>
     <p:extLst>
       <p:ext uri="{BB962C8B-B14F-4D97-AF65-F5344CB8AC3E}">
@@ -7806,34 +7939,34 @@
         <a:sysClr val="window" lastClr="FFFFFF"/>
       </a:lt1>
       <a:dk2>
-        <a:srgbClr val="44546A"/>
+        <a:srgbClr val="1F497D"/>
       </a:dk2>
       <a:lt2>
-        <a:srgbClr val="E7E6E6"/>
+        <a:srgbClr val="EEECE1"/>
       </a:lt2>
       <a:accent1>
-        <a:srgbClr val="4472C4"/>
+        <a:srgbClr val="4F81BD"/>
       </a:accent1>
       <a:accent2>
-        <a:srgbClr val="ED7D31"/>
+        <a:srgbClr val="C0504D"/>
       </a:accent2>
       <a:accent3>
-        <a:srgbClr val="A5A5A5"/>
+        <a:srgbClr val="9BBB59"/>
       </a:accent3>
       <a:accent4>
-        <a:srgbClr val="FFC000"/>
+        <a:srgbClr val="8064A2"/>
       </a:accent4>
       <a:accent5>
-        <a:srgbClr val="5B9BD5"/>
+        <a:srgbClr val="4BACC6"/>
       </a:accent5>
       <a:accent6>
-        <a:srgbClr val="70AD47"/>
+        <a:srgbClr val="F79646"/>
       </a:accent6>
       <a:hlink>
-        <a:srgbClr val="0563C1"/>
+        <a:srgbClr val="0000FF"/>
       </a:hlink>
       <a:folHlink>
-        <a:srgbClr val="954F72"/>
+        <a:srgbClr val="800080"/>
       </a:folHlink>
     </a:clrScheme>
     <a:fontScheme name="Office">
@@ -8050,7 +8183,7 @@
   <a:extraClrSchemeLst/>
   <a:extLst>
     <a:ext uri="{05A4C25C-085E-4340-85A3-A5531E510DB2}">
-      <thm15:themeFamily xmlns:thm15="http://schemas.microsoft.com/office/thememl/2012/main" name="Office Theme" id="{62F939B6-93AF-4DB8-9C6B-D6C7DFDC589F}" vid="{4A3C46E8-61CC-4603-A589-7422A47A8E4A}"/>
+      <thm15:themeFamily xmlns:thm15="http://schemas.microsoft.com/office/thememl/2012/main" xmlns="" name="Office Theme" id="{62F939B6-93AF-4DB8-9C6B-D6C7DFDC589F}" vid="{4A3C46E8-61CC-4603-A589-7422A47A8E4A}"/>
     </a:ext>
   </a:extLst>
 </a:theme>

--- a/presentations/HTRC-2018/poster-template.pptx
+++ b/presentations/HTRC-2018/poster-template.pptx
@@ -109,7 +109,7 @@
   </p:defaultTextStyle>
   <p:extLst>
     <p:ext uri="{EFAFB233-063F-42B5-8137-9DF3F51BA10A}">
-      <p15:sldGuideLst xmlns:p15="http://schemas.microsoft.com/office/powerpoint/2012/main" xmlns="">
+      <p15:sldGuideLst xmlns="" xmlns:p15="http://schemas.microsoft.com/office/powerpoint/2012/main">
         <p15:guide id="1" orient="horz" pos="6912">
           <p15:clr>
             <a:srgbClr val="A4A3A4"/>
@@ -123,7 +123,7 @@
       </p15:sldGuideLst>
     </p:ext>
     <p:ext uri="{2D200454-40CA-4A62-9FC3-DE9A4176ACB9}">
-      <p15:notesGuideLst xmlns:p15="http://schemas.microsoft.com/office/powerpoint/2012/main" xmlns="">
+      <p15:notesGuideLst xmlns="" xmlns:p15="http://schemas.microsoft.com/office/powerpoint/2012/main">
         <p15:guide id="1" orient="horz" pos="2926">
           <p15:clr>
             <a:srgbClr val="A4A3A4"/>
@@ -222,7 +222,7 @@
           <a:p>
             <a:fld id="{FF66CDD7-09B6-4BB3-9069-2B95837CCCB2}" type="datetimeFigureOut">
               <a:rPr lang="en-US" smtClean="0"/>
-              <a:t>1/22/2018</a:t>
+              <a:t>1/23/2018</a:t>
             </a:fld>
             <a:endParaRPr lang="en-US"/>
           </a:p>
@@ -436,7 +436,7 @@
           <a:p>
             <a:fld id="{985D6BDF-9D0E-4E2B-85B8-D8F4790360C9}" type="datetimeFigureOut">
               <a:rPr lang="en-US" smtClean="0"/>
-              <a:t>1/22/2018</a:t>
+              <a:t>1/23/2018</a:t>
             </a:fld>
             <a:endParaRPr lang="en-US" dirty="0"/>
           </a:p>
@@ -601,7 +601,7 @@
           <a:p>
             <a:fld id="{985D6BDF-9D0E-4E2B-85B8-D8F4790360C9}" type="datetimeFigureOut">
               <a:rPr lang="en-US" smtClean="0"/>
-              <a:t>1/22/2018</a:t>
+              <a:t>1/23/2018</a:t>
             </a:fld>
             <a:endParaRPr lang="en-US" dirty="0"/>
           </a:p>
@@ -776,7 +776,7 @@
           <a:p>
             <a:fld id="{985D6BDF-9D0E-4E2B-85B8-D8F4790360C9}" type="datetimeFigureOut">
               <a:rPr lang="en-US" smtClean="0"/>
-              <a:t>1/22/2018</a:t>
+              <a:t>1/23/2018</a:t>
             </a:fld>
             <a:endParaRPr lang="en-US" dirty="0"/>
           </a:p>
@@ -2451,7 +2451,7 @@
           <a:p>
             <a:fld id="{985D6BDF-9D0E-4E2B-85B8-D8F4790360C9}" type="datetimeFigureOut">
               <a:rPr lang="en-US" smtClean="0"/>
-              <a:t>1/22/2018</a:t>
+              <a:t>1/23/2018</a:t>
             </a:fld>
             <a:endParaRPr lang="en-US" dirty="0"/>
           </a:p>
@@ -2692,7 +2692,7 @@
           <a:p>
             <a:fld id="{985D6BDF-9D0E-4E2B-85B8-D8F4790360C9}" type="datetimeFigureOut">
               <a:rPr lang="en-US" smtClean="0"/>
-              <a:t>1/22/2018</a:t>
+              <a:t>1/23/2018</a:t>
             </a:fld>
             <a:endParaRPr lang="en-US" dirty="0"/>
           </a:p>
@@ -2919,7 +2919,7 @@
           <a:p>
             <a:fld id="{985D6BDF-9D0E-4E2B-85B8-D8F4790360C9}" type="datetimeFigureOut">
               <a:rPr lang="en-US" smtClean="0"/>
-              <a:t>1/22/2018</a:t>
+              <a:t>1/23/2018</a:t>
             </a:fld>
             <a:endParaRPr lang="en-US" dirty="0"/>
           </a:p>
@@ -3281,7 +3281,7 @@
           <a:p>
             <a:fld id="{985D6BDF-9D0E-4E2B-85B8-D8F4790360C9}" type="datetimeFigureOut">
               <a:rPr lang="en-US" smtClean="0"/>
-              <a:t>1/22/2018</a:t>
+              <a:t>1/23/2018</a:t>
             </a:fld>
             <a:endParaRPr lang="en-US" dirty="0"/>
           </a:p>
@@ -3394,7 +3394,7 @@
           <a:p>
             <a:fld id="{985D6BDF-9D0E-4E2B-85B8-D8F4790360C9}" type="datetimeFigureOut">
               <a:rPr lang="en-US" smtClean="0"/>
-              <a:t>1/22/2018</a:t>
+              <a:t>1/23/2018</a:t>
             </a:fld>
             <a:endParaRPr lang="en-US" dirty="0"/>
           </a:p>
@@ -3484,7 +3484,7 @@
           <a:p>
             <a:fld id="{985D6BDF-9D0E-4E2B-85B8-D8F4790360C9}" type="datetimeFigureOut">
               <a:rPr lang="en-US" smtClean="0"/>
-              <a:t>1/22/2018</a:t>
+              <a:t>1/23/2018</a:t>
             </a:fld>
             <a:endParaRPr lang="en-US" dirty="0"/>
           </a:p>
@@ -3756,7 +3756,7 @@
           <a:p>
             <a:fld id="{985D6BDF-9D0E-4E2B-85B8-D8F4790360C9}" type="datetimeFigureOut">
               <a:rPr lang="en-US" smtClean="0"/>
-              <a:t>1/22/2018</a:t>
+              <a:t>1/23/2018</a:t>
             </a:fld>
             <a:endParaRPr lang="en-US" dirty="0"/>
           </a:p>
@@ -4004,7 +4004,7 @@
           <a:p>
             <a:fld id="{985D6BDF-9D0E-4E2B-85B8-D8F4790360C9}" type="datetimeFigureOut">
               <a:rPr lang="en-US" smtClean="0"/>
-              <a:t>1/22/2018</a:t>
+              <a:t>1/23/2018</a:t>
             </a:fld>
             <a:endParaRPr lang="en-US" dirty="0"/>
           </a:p>
@@ -4212,7 +4212,7 @@
           <a:p>
             <a:fld id="{985D6BDF-9D0E-4E2B-85B8-D8F4790360C9}" type="datetimeFigureOut">
               <a:rPr lang="en-US" smtClean="0"/>
-              <a:t>1/22/2018</a:t>
+              <a:t>1/23/2018</a:t>
             </a:fld>
             <a:endParaRPr lang="en-US" dirty="0"/>
           </a:p>
@@ -6371,71 +6371,6 @@
           </a:p>
         </p:txBody>
       </p:sp>
-      <p:pic>
-        <p:nvPicPr>
-          <p:cNvPr id="1031" name="Picture 7"/>
-          <p:cNvPicPr>
-            <a:picLocks noChangeAspect="1" noChangeArrowheads="1"/>
-          </p:cNvPicPr>
-          <p:nvPr/>
-        </p:nvPicPr>
-        <p:blipFill>
-          <a:blip r:embed="rId8">
-            <a:alphaModFix/>
-            <a:extLst>
-              <a:ext uri="{28A0092B-C50C-407E-A947-70E740481C1C}">
-                <a14:useLocalDpi xmlns:a14="http://schemas.microsoft.com/office/drawing/2010/main" val="0"/>
-              </a:ext>
-            </a:extLst>
-          </a:blip>
-          <a:srcRect/>
-          <a:stretch>
-            <a:fillRect/>
-          </a:stretch>
-        </p:blipFill>
-        <p:spPr bwMode="auto">
-          <a:xfrm>
-            <a:off x="8471126" y="3810000"/>
-            <a:ext cx="2428875" cy="1257300"/>
-          </a:xfrm>
-          <a:prstGeom prst="rect">
-            <a:avLst/>
-          </a:prstGeom>
-          <a:noFill/>
-          <a:ln>
-            <a:noFill/>
-          </a:ln>
-          <a:effectLst/>
-          <a:extLst>
-            <a:ext uri="{909E8E84-426E-40DD-AFC4-6F175D3DCCD1}">
-              <a14:hiddenFill xmlns:a14="http://schemas.microsoft.com/office/drawing/2010/main">
-                <a:solidFill>
-                  <a:schemeClr val="accent1"/>
-                </a:solidFill>
-              </a14:hiddenFill>
-            </a:ext>
-            <a:ext uri="{91240B29-F687-4F45-9708-019B960494DF}">
-              <a14:hiddenLine xmlns:a14="http://schemas.microsoft.com/office/drawing/2010/main" w="9525">
-                <a:solidFill>
-                  <a:schemeClr val="tx1"/>
-                </a:solidFill>
-                <a:miter lim="800000"/>
-                <a:headEnd/>
-                <a:tailEnd/>
-              </a14:hiddenLine>
-            </a:ext>
-            <a:ext uri="{AF507438-7753-43E0-B8FC-AC1667EBCBE1}">
-              <a14:hiddenEffects xmlns:a14="http://schemas.microsoft.com/office/drawing/2010/main">
-                <a:effectLst>
-                  <a:outerShdw dist="35921" dir="2700000" algn="ctr" rotWithShape="0">
-                    <a:schemeClr val="bg2"/>
-                  </a:outerShdw>
-                </a:effectLst>
-              </a14:hiddenEffects>
-            </a:ext>
-          </a:extLst>
-        </p:spPr>
-      </p:pic>
       <p:sp>
         <p:nvSpPr>
           <p:cNvPr id="2" name="TextBox 1"/>
@@ -6530,7 +6465,7 @@
           <p:nvPr/>
         </p:nvPicPr>
         <p:blipFill>
-          <a:blip r:embed="rId9" cstate="print">
+          <a:blip r:embed="rId8" cstate="print">
             <a:extLst>
               <a:ext uri="{28A0092B-C50C-407E-A947-70E740481C1C}">
                 <a14:useLocalDpi xmlns:a14="http://schemas.microsoft.com/office/drawing/2010/main" val="0"/>
@@ -7140,7 +7075,7 @@
           <p:nvPr/>
         </p:nvPicPr>
         <p:blipFill>
-          <a:blip r:embed="rId10">
+          <a:blip r:embed="rId9">
             <a:extLst>
               <a:ext uri="{28A0092B-C50C-407E-A947-70E740481C1C}">
                 <a14:useLocalDpi xmlns:a14="http://schemas.microsoft.com/office/drawing/2010/main" val="0"/>
@@ -7170,7 +7105,7 @@
           <p:nvPr/>
         </p:nvPicPr>
         <p:blipFill>
-          <a:blip r:embed="rId11">
+          <a:blip r:embed="rId10">
             <a:extLst>
               <a:ext uri="{28A0092B-C50C-407E-A947-70E740481C1C}">
                 <a14:useLocalDpi xmlns:a14="http://schemas.microsoft.com/office/drawing/2010/main" val="0"/>
@@ -7234,7 +7169,7 @@
           <p:nvPr/>
         </p:nvPicPr>
         <p:blipFill>
-          <a:blip r:embed="rId12">
+          <a:blip r:embed="rId11">
             <a:extLst>
               <a:ext uri="{28A0092B-C50C-407E-A947-70E740481C1C}">
                 <a14:useLocalDpi xmlns:a14="http://schemas.microsoft.com/office/drawing/2010/main" val="0"/>
@@ -7264,7 +7199,7 @@
           <p:nvPr/>
         </p:nvPicPr>
         <p:blipFill>
-          <a:blip r:embed="rId13">
+          <a:blip r:embed="rId12">
             <a:extLst>
               <a:ext uri="{28A0092B-C50C-407E-A947-70E740481C1C}">
                 <a14:useLocalDpi xmlns:a14="http://schemas.microsoft.com/office/drawing/2010/main" val="0"/>
@@ -7328,7 +7263,7 @@
           <p:nvPr/>
         </p:nvPicPr>
         <p:blipFill>
-          <a:blip r:embed="rId14"/>
+          <a:blip r:embed="rId13"/>
           <a:stretch>
             <a:fillRect/>
           </a:stretch>
@@ -7352,7 +7287,7 @@
           <p:nvPr/>
         </p:nvPicPr>
         <p:blipFill>
-          <a:blip r:embed="rId15">
+          <a:blip r:embed="rId14">
             <a:extLst>
               <a:ext uri="{28A0092B-C50C-407E-A947-70E740481C1C}">
                 <a14:useLocalDpi xmlns:a14="http://schemas.microsoft.com/office/drawing/2010/main" val="0"/>
@@ -7577,7 +7512,19 @@
               <a:rPr lang="en-US" sz="2000" dirty="0" smtClean="0">
                 <a:latin typeface="Calibri" pitchFamily="34" charset="0"/>
               </a:rPr>
-              <a:t>Texts w/ordered information</a:t>
+              <a:t>Texts </a:t>
+            </a:r>
+            <a:r>
+              <a:rPr lang="en-US" sz="2000" dirty="0" smtClean="0">
+                <a:latin typeface="Calibri" pitchFamily="34" charset="0"/>
+              </a:rPr>
+              <a:t>with ordered </a:t>
+            </a:r>
+            <a:r>
+              <a:rPr lang="en-US" sz="2000" dirty="0" smtClean="0">
+                <a:latin typeface="Calibri" pitchFamily="34" charset="0"/>
+              </a:rPr>
+              <a:t>information</a:t>
             </a:r>
           </a:p>
           <a:p>
@@ -7601,8 +7548,17 @@
               <a:rPr lang="en-US" sz="2000" dirty="0" smtClean="0">
                 <a:latin typeface="Calibri" pitchFamily="34" charset="0"/>
               </a:rPr>
-              <a:t>Texts copied w/changes</a:t>
-            </a:r>
+              <a:t>Texts copied </a:t>
+            </a:r>
+            <a:r>
+              <a:rPr lang="en-US" sz="2000" dirty="0" smtClean="0">
+                <a:latin typeface="Calibri" pitchFamily="34" charset="0"/>
+              </a:rPr>
+              <a:t>with changes</a:t>
+            </a:r>
+            <a:endParaRPr lang="en-US" sz="2000" dirty="0" smtClean="0">
+              <a:latin typeface="Calibri" pitchFamily="34" charset="0"/>
+            </a:endParaRPr>
           </a:p>
           <a:p>
             <a:pPr marL="342900" indent="-342900" eaLnBrk="1" hangingPunct="1">
@@ -7630,7 +7586,7 @@
           <p:nvPr/>
         </p:nvPicPr>
         <p:blipFill>
-          <a:blip r:embed="rId16">
+          <a:blip r:embed="rId15">
             <a:extLst>
               <a:ext uri="{28A0092B-C50C-407E-A947-70E740481C1C}">
                 <a14:useLocalDpi xmlns:a14="http://schemas.microsoft.com/office/drawing/2010/main" val="0"/>
@@ -7908,6 +7864,70 @@
           </a:p>
         </p:txBody>
       </p:sp>
+      <p:pic>
+        <p:nvPicPr>
+          <p:cNvPr id="19" name="Picture 2"/>
+          <p:cNvPicPr>
+            <a:picLocks noChangeAspect="1" noChangeArrowheads="1"/>
+          </p:cNvPicPr>
+          <p:nvPr/>
+        </p:nvPicPr>
+        <p:blipFill>
+          <a:blip r:embed="rId16">
+            <a:extLst>
+              <a:ext uri="{28A0092B-C50C-407E-A947-70E740481C1C}">
+                <a14:useLocalDpi xmlns:a14="http://schemas.microsoft.com/office/drawing/2010/main" val="0"/>
+              </a:ext>
+            </a:extLst>
+          </a:blip>
+          <a:srcRect/>
+          <a:stretch>
+            <a:fillRect/>
+          </a:stretch>
+        </p:blipFill>
+        <p:spPr bwMode="auto">
+          <a:xfrm>
+            <a:off x="8513989" y="3955104"/>
+            <a:ext cx="2428875" cy="1257300"/>
+          </a:xfrm>
+          <a:prstGeom prst="rect">
+            <a:avLst/>
+          </a:prstGeom>
+          <a:noFill/>
+          <a:ln>
+            <a:noFill/>
+          </a:ln>
+          <a:effectLst/>
+          <a:extLst>
+            <a:ext uri="{909E8E84-426E-40DD-AFC4-6F175D3DCCD1}">
+              <a14:hiddenFill xmlns:a14="http://schemas.microsoft.com/office/drawing/2010/main">
+                <a:solidFill>
+                  <a:schemeClr val="accent1"/>
+                </a:solidFill>
+              </a14:hiddenFill>
+            </a:ext>
+            <a:ext uri="{91240B29-F687-4F45-9708-019B960494DF}">
+              <a14:hiddenLine xmlns:a14="http://schemas.microsoft.com/office/drawing/2010/main" w="9525">
+                <a:solidFill>
+                  <a:schemeClr val="tx1"/>
+                </a:solidFill>
+                <a:miter lim="800000"/>
+                <a:headEnd/>
+                <a:tailEnd/>
+              </a14:hiddenLine>
+            </a:ext>
+            <a:ext uri="{AF507438-7753-43E0-B8FC-AC1667EBCBE1}">
+              <a14:hiddenEffects xmlns:a14="http://schemas.microsoft.com/office/drawing/2010/main">
+                <a:effectLst>
+                  <a:outerShdw dist="35921" dir="2700000" algn="ctr" rotWithShape="0">
+                    <a:schemeClr val="bg2"/>
+                  </a:outerShdw>
+                </a:effectLst>
+              </a14:hiddenEffects>
+            </a:ext>
+          </a:extLst>
+        </p:spPr>
+      </p:pic>
     </p:spTree>
     <p:extLst>
       <p:ext uri="{BB962C8B-B14F-4D97-AF65-F5344CB8AC3E}">
@@ -8183,7 +8203,7 @@
   <a:extraClrSchemeLst/>
   <a:extLst>
     <a:ext uri="{05A4C25C-085E-4340-85A3-A5531E510DB2}">
-      <thm15:themeFamily xmlns:thm15="http://schemas.microsoft.com/office/thememl/2012/main" xmlns="" name="Office Theme" id="{62F939B6-93AF-4DB8-9C6B-D6C7DFDC589F}" vid="{4A3C46E8-61CC-4603-A589-7422A47A8E4A}"/>
+      <thm15:themeFamily xmlns="" xmlns:thm15="http://schemas.microsoft.com/office/thememl/2012/main" name="Office Theme" id="{62F939B6-93AF-4DB8-9C6B-D6C7DFDC589F}" vid="{4A3C46E8-61CC-4603-A589-7422A47A8E4A}"/>
     </a:ext>
   </a:extLst>
 </a:theme>

--- a/presentations/HTRC-2018/poster-template.pptx
+++ b/presentations/HTRC-2018/poster-template.pptx
@@ -109,7 +109,7 @@
   </p:defaultTextStyle>
   <p:extLst>
     <p:ext uri="{EFAFB233-063F-42B5-8137-9DF3F51BA10A}">
-      <p15:sldGuideLst xmlns="" xmlns:p15="http://schemas.microsoft.com/office/powerpoint/2012/main">
+      <p15:sldGuideLst xmlns:p15="http://schemas.microsoft.com/office/powerpoint/2012/main">
         <p15:guide id="1" orient="horz" pos="6912">
           <p15:clr>
             <a:srgbClr val="A4A3A4"/>
@@ -123,7 +123,7 @@
       </p15:sldGuideLst>
     </p:ext>
     <p:ext uri="{2D200454-40CA-4A62-9FC3-DE9A4176ACB9}">
-      <p15:notesGuideLst xmlns="" xmlns:p15="http://schemas.microsoft.com/office/powerpoint/2012/main">
+      <p15:notesGuideLst xmlns:p15="http://schemas.microsoft.com/office/powerpoint/2012/main">
         <p15:guide id="1" orient="horz" pos="2926">
           <p15:clr>
             <a:srgbClr val="A4A3A4"/>
@@ -222,7 +222,7 @@
           <a:p>
             <a:fld id="{FF66CDD7-09B6-4BB3-9069-2B95837CCCB2}" type="datetimeFigureOut">
               <a:rPr lang="en-US" smtClean="0"/>
-              <a:t>1/23/2018</a:t>
+              <a:t>1/23/18</a:t>
             </a:fld>
             <a:endParaRPr lang="en-US"/>
           </a:p>
@@ -436,7 +436,7 @@
           <a:p>
             <a:fld id="{985D6BDF-9D0E-4E2B-85B8-D8F4790360C9}" type="datetimeFigureOut">
               <a:rPr lang="en-US" smtClean="0"/>
-              <a:t>1/23/2018</a:t>
+              <a:t>1/23/18</a:t>
             </a:fld>
             <a:endParaRPr lang="en-US" dirty="0"/>
           </a:p>
@@ -601,7 +601,7 @@
           <a:p>
             <a:fld id="{985D6BDF-9D0E-4E2B-85B8-D8F4790360C9}" type="datetimeFigureOut">
               <a:rPr lang="en-US" smtClean="0"/>
-              <a:t>1/23/2018</a:t>
+              <a:t>1/23/18</a:t>
             </a:fld>
             <a:endParaRPr lang="en-US" dirty="0"/>
           </a:p>
@@ -776,7 +776,7 @@
           <a:p>
             <a:fld id="{985D6BDF-9D0E-4E2B-85B8-D8F4790360C9}" type="datetimeFigureOut">
               <a:rPr lang="en-US" smtClean="0"/>
-              <a:t>1/23/2018</a:t>
+              <a:t>1/23/18</a:t>
             </a:fld>
             <a:endParaRPr lang="en-US" dirty="0"/>
           </a:p>
@@ -2451,7 +2451,7 @@
           <a:p>
             <a:fld id="{985D6BDF-9D0E-4E2B-85B8-D8F4790360C9}" type="datetimeFigureOut">
               <a:rPr lang="en-US" smtClean="0"/>
-              <a:t>1/23/2018</a:t>
+              <a:t>1/23/18</a:t>
             </a:fld>
             <a:endParaRPr lang="en-US" dirty="0"/>
           </a:p>
@@ -2692,7 +2692,7 @@
           <a:p>
             <a:fld id="{985D6BDF-9D0E-4E2B-85B8-D8F4790360C9}" type="datetimeFigureOut">
               <a:rPr lang="en-US" smtClean="0"/>
-              <a:t>1/23/2018</a:t>
+              <a:t>1/23/18</a:t>
             </a:fld>
             <a:endParaRPr lang="en-US" dirty="0"/>
           </a:p>
@@ -2919,7 +2919,7 @@
           <a:p>
             <a:fld id="{985D6BDF-9D0E-4E2B-85B8-D8F4790360C9}" type="datetimeFigureOut">
               <a:rPr lang="en-US" smtClean="0"/>
-              <a:t>1/23/2018</a:t>
+              <a:t>1/23/18</a:t>
             </a:fld>
             <a:endParaRPr lang="en-US" dirty="0"/>
           </a:p>
@@ -3281,7 +3281,7 @@
           <a:p>
             <a:fld id="{985D6BDF-9D0E-4E2B-85B8-D8F4790360C9}" type="datetimeFigureOut">
               <a:rPr lang="en-US" smtClean="0"/>
-              <a:t>1/23/2018</a:t>
+              <a:t>1/23/18</a:t>
             </a:fld>
             <a:endParaRPr lang="en-US" dirty="0"/>
           </a:p>
@@ -3394,7 +3394,7 @@
           <a:p>
             <a:fld id="{985D6BDF-9D0E-4E2B-85B8-D8F4790360C9}" type="datetimeFigureOut">
               <a:rPr lang="en-US" smtClean="0"/>
-              <a:t>1/23/2018</a:t>
+              <a:t>1/23/18</a:t>
             </a:fld>
             <a:endParaRPr lang="en-US" dirty="0"/>
           </a:p>
@@ -3484,7 +3484,7 @@
           <a:p>
             <a:fld id="{985D6BDF-9D0E-4E2B-85B8-D8F4790360C9}" type="datetimeFigureOut">
               <a:rPr lang="en-US" smtClean="0"/>
-              <a:t>1/23/2018</a:t>
+              <a:t>1/23/18</a:t>
             </a:fld>
             <a:endParaRPr lang="en-US" dirty="0"/>
           </a:p>
@@ -3756,7 +3756,7 @@
           <a:p>
             <a:fld id="{985D6BDF-9D0E-4E2B-85B8-D8F4790360C9}" type="datetimeFigureOut">
               <a:rPr lang="en-US" smtClean="0"/>
-              <a:t>1/23/2018</a:t>
+              <a:t>1/23/18</a:t>
             </a:fld>
             <a:endParaRPr lang="en-US" dirty="0"/>
           </a:p>
@@ -4004,7 +4004,7 @@
           <a:p>
             <a:fld id="{985D6BDF-9D0E-4E2B-85B8-D8F4790360C9}" type="datetimeFigureOut">
               <a:rPr lang="en-US" smtClean="0"/>
-              <a:t>1/23/2018</a:t>
+              <a:t>1/23/18</a:t>
             </a:fld>
             <a:endParaRPr lang="en-US" dirty="0"/>
           </a:p>
@@ -4212,7 +4212,7 @@
           <a:p>
             <a:fld id="{985D6BDF-9D0E-4E2B-85B8-D8F4790360C9}" type="datetimeFigureOut">
               <a:rPr lang="en-US" smtClean="0"/>
-              <a:t>1/23/2018</a:t>
+              <a:t>1/23/18</a:t>
             </a:fld>
             <a:endParaRPr lang="en-US" dirty="0"/>
           </a:p>
@@ -5231,7 +5231,7 @@
         <p:spPr bwMode="auto">
           <a:xfrm>
             <a:off x="1097280" y="3657600"/>
-            <a:ext cx="9875520" cy="8815541"/>
+            <a:ext cx="9845584" cy="8455225"/>
           </a:xfrm>
           <a:prstGeom prst="rect">
             <a:avLst/>
@@ -5247,7 +5247,7 @@
           <a:effectLst/>
         </p:spPr>
         <p:txBody>
-          <a:bodyPr lIns="97942" tIns="97942" rIns="97942" bIns="97942">
+          <a:bodyPr wrap="square" lIns="97942" tIns="97942" rIns="97942" bIns="97942">
             <a:spAutoFit/>
           </a:bodyPr>
           <a:lstStyle>
@@ -5477,7 +5477,19 @@
               <a:rPr lang="en-US" sz="2000" dirty="0" smtClean="0">
                 <a:latin typeface="Calibri" pitchFamily="34" charset="0"/>
               </a:rPr>
-              <a:t>Scholars will asses the relationship between two versions of a lexical text by looking at </a:t>
+              <a:t>Scholars will </a:t>
+            </a:r>
+            <a:r>
+              <a:rPr lang="en-US" sz="2000" dirty="0" smtClean="0">
+                <a:latin typeface="Calibri" pitchFamily="34" charset="0"/>
+              </a:rPr>
+              <a:t>assess </a:t>
+            </a:r>
+            <a:r>
+              <a:rPr lang="en-US" sz="2000" dirty="0" smtClean="0">
+                <a:latin typeface="Calibri" pitchFamily="34" charset="0"/>
+              </a:rPr>
+              <a:t>the relationship between two versions of a lexical text by looking at </a:t>
             </a:r>
             <a:r>
               <a:rPr lang="en-US" sz="2000" b="1" dirty="0" smtClean="0">
@@ -5489,7 +5501,13 @@
               <a:rPr lang="en-US" sz="2000" dirty="0" smtClean="0">
                 <a:latin typeface="Calibri" pitchFamily="34" charset="0"/>
               </a:rPr>
-              <a:t> of entries; </a:t>
+              <a:t> of </a:t>
+            </a:r>
+            <a:r>
+              <a:rPr lang="en-US" sz="2000" dirty="0" smtClean="0">
+                <a:latin typeface="Calibri" pitchFamily="34" charset="0"/>
+              </a:rPr>
+              <a:t>entries, </a:t>
             </a:r>
             <a:r>
               <a:rPr lang="en-US" sz="2000" b="1" dirty="0" smtClean="0">
@@ -5501,7 +5519,19 @@
               <a:rPr lang="en-US" sz="2000" dirty="0" smtClean="0">
                 <a:latin typeface="Calibri" pitchFamily="34" charset="0"/>
               </a:rPr>
-              <a:t> of entries within a section and </a:t>
+              <a:t> of entries within a </a:t>
+            </a:r>
+            <a:r>
+              <a:rPr lang="en-US" sz="2000" dirty="0" smtClean="0">
+                <a:latin typeface="Calibri" pitchFamily="34" charset="0"/>
+              </a:rPr>
+              <a:t>section, </a:t>
+            </a:r>
+            <a:r>
+              <a:rPr lang="en-US" sz="2000" dirty="0" smtClean="0">
+                <a:latin typeface="Calibri" pitchFamily="34" charset="0"/>
+              </a:rPr>
+              <a:t>and </a:t>
             </a:r>
             <a:r>
               <a:rPr lang="en-US" sz="2000" b="1" dirty="0" smtClean="0">
@@ -6268,7 +6298,25 @@
               <a:rPr lang="en-US" sz="2000" dirty="0" smtClean="0">
                 <a:latin typeface="+mn-lt"/>
               </a:rPr>
-              <a:t>format, is used in the analysis. Data consist of c</a:t>
+              <a:t>format, is used in </a:t>
+            </a:r>
+            <a:r>
+              <a:rPr lang="en-US" sz="2000" dirty="0" smtClean="0">
+                <a:latin typeface="+mn-lt"/>
+              </a:rPr>
+              <a:t>our</a:t>
+            </a:r>
+            <a:r>
+              <a:rPr lang="en-US" sz="2000" dirty="0" smtClean="0">
+                <a:latin typeface="+mn-lt"/>
+              </a:rPr>
+              <a:t> analyses</a:t>
+            </a:r>
+            <a:r>
+              <a:rPr lang="en-US" sz="2000" dirty="0" smtClean="0">
+                <a:latin typeface="+mn-lt"/>
+              </a:rPr>
+              <a:t>. Data consist of c</a:t>
             </a:r>
             <a:r>
               <a:rPr lang="en-US" sz="2000" dirty="0" smtClean="0">
@@ -7060,7 +7108,39 @@
           <a:p>
             <a:r>
               <a:rPr lang="en-US" sz="1600" dirty="0" smtClean="0"/>
-              <a:t>The section “bow” is defined by a sequence of lemmas that share a sequence of at least 3 characters either in the Sumerian Citation Form or in the English Guide Word. Square brackets and Part of Speech are ignored. The word for “trap” is the beginning of a new section</a:t>
+              <a:t>The section “bow” is defined by a sequence of lemmas that share a sequence of at least 3 characters either in the Sumerian Citation Form or in the English </a:t>
+            </a:r>
+            <a:r>
+              <a:rPr lang="en-US" sz="1600" dirty="0" smtClean="0"/>
+              <a:t>guide </a:t>
+            </a:r>
+            <a:r>
+              <a:rPr lang="en-US" sz="1600" dirty="0"/>
+              <a:t>w</a:t>
+            </a:r>
+            <a:r>
+              <a:rPr lang="en-US" sz="1600" dirty="0" smtClean="0"/>
+              <a:t>ord</a:t>
+            </a:r>
+            <a:r>
+              <a:rPr lang="en-US" sz="1600" dirty="0" smtClean="0"/>
+              <a:t>. Square brackets and </a:t>
+            </a:r>
+            <a:r>
+              <a:rPr lang="en-US" sz="1600" dirty="0" smtClean="0"/>
+              <a:t>part </a:t>
+            </a:r>
+            <a:r>
+              <a:rPr lang="en-US" sz="1600" dirty="0" smtClean="0"/>
+              <a:t>of </a:t>
+            </a:r>
+            <a:r>
+              <a:rPr lang="en-US" sz="1600" dirty="0" smtClean="0"/>
+              <a:t>speech </a:t>
+            </a:r>
+            <a:r>
+              <a:rPr lang="en-US" sz="1600" dirty="0" smtClean="0"/>
+              <a:t>are ignored. The word for “trap” is the beginning of a new section</a:t>
             </a:r>
             <a:endParaRPr lang="en-US" sz="1600" dirty="0"/>
           </a:p>
@@ -7316,7 +7396,7 @@
         </p:nvSpPr>
         <p:spPr>
           <a:xfrm>
-            <a:off x="11546840" y="7502714"/>
+            <a:off x="11506200" y="7391400"/>
             <a:ext cx="9875520" cy="457200"/>
           </a:xfrm>
           <a:prstGeom prst="rect">
@@ -7360,7 +7440,7 @@
                   </a:schemeClr>
                 </a:solidFill>
               </a:rPr>
-              <a:t>Complementary Methods</a:t>
+              <a:t>Shared Issues</a:t>
             </a:r>
             <a:endParaRPr lang="en-US" sz="3200" b="1" dirty="0">
               <a:solidFill>
@@ -7383,8 +7463,8 @@
         </p:nvSpPr>
         <p:spPr bwMode="auto">
           <a:xfrm>
-            <a:off x="11546840" y="7959914"/>
-            <a:ext cx="9875520" cy="1428903"/>
+            <a:off x="11506200" y="7848600"/>
+            <a:ext cx="9875520" cy="1736680"/>
           </a:xfrm>
           <a:prstGeom prst="rect">
             <a:avLst/>
@@ -7504,6 +7584,24 @@
             </a:lvl9pPr>
           </a:lstStyle>
           <a:p>
+            <a:pPr eaLnBrk="1" hangingPunct="1"/>
+            <a:r>
+              <a:rPr lang="en-US" sz="2000" dirty="0">
+                <a:latin typeface="Calibri" pitchFamily="34" charset="0"/>
+              </a:rPr>
+              <a:t>L</a:t>
+            </a:r>
+            <a:r>
+              <a:rPr lang="en-US" sz="2000" dirty="0" smtClean="0">
+                <a:latin typeface="Calibri" pitchFamily="34" charset="0"/>
+              </a:rPr>
+              <a:t>exical lists and genomic data share characteristics making similar approaches appropriate. </a:t>
+            </a:r>
+            <a:endParaRPr lang="en-US" sz="2000" dirty="0" smtClean="0">
+              <a:latin typeface="Calibri" pitchFamily="34" charset="0"/>
+            </a:endParaRPr>
+          </a:p>
+          <a:p>
             <a:pPr marL="342900" indent="-342900" eaLnBrk="1" hangingPunct="1">
               <a:buFont typeface="Arial" charset="0"/>
               <a:buChar char="•"/>
@@ -7518,13 +7616,7 @@
               <a:rPr lang="en-US" sz="2000" dirty="0" smtClean="0">
                 <a:latin typeface="Calibri" pitchFamily="34" charset="0"/>
               </a:rPr>
-              <a:t>with ordered </a:t>
-            </a:r>
-            <a:r>
-              <a:rPr lang="en-US" sz="2000" dirty="0" smtClean="0">
-                <a:latin typeface="Calibri" pitchFamily="34" charset="0"/>
-              </a:rPr>
-              <a:t>information</a:t>
+              <a:t>with ordered information</a:t>
             </a:r>
           </a:p>
           <a:p>
@@ -7548,17 +7640,8 @@
               <a:rPr lang="en-US" sz="2000" dirty="0" smtClean="0">
                 <a:latin typeface="Calibri" pitchFamily="34" charset="0"/>
               </a:rPr>
-              <a:t>Texts copied </a:t>
-            </a:r>
-            <a:r>
-              <a:rPr lang="en-US" sz="2000" dirty="0" smtClean="0">
-                <a:latin typeface="Calibri" pitchFamily="34" charset="0"/>
-              </a:rPr>
-              <a:t>with changes</a:t>
-            </a:r>
-            <a:endParaRPr lang="en-US" sz="2000" dirty="0" smtClean="0">
-              <a:latin typeface="Calibri" pitchFamily="34" charset="0"/>
-            </a:endParaRPr>
+              <a:t>Texts copied with changes</a:t>
+            </a:r>
           </a:p>
           <a:p>
             <a:pPr marL="342900" indent="-342900" eaLnBrk="1" hangingPunct="1">
@@ -7794,7 +7877,19 @@
             </a:r>
             <a:r>
               <a:rPr lang="en-US" sz="1800" dirty="0"/>
-              <a:t>tree closely aligns P346714 (from Ur) with P250364 (unknown provenance). P250364 certainly does not come from Ur but may well descent from the Ur version. The Old Babylonian </a:t>
+              <a:t>tree closely aligns P346714 (from Ur) with P250364 (unknown provenance). P250364 certainly does not come from Ur but may </a:t>
+            </a:r>
+            <a:r>
+              <a:rPr lang="en-US" sz="1800"/>
+              <a:t>well </a:t>
+            </a:r>
+            <a:r>
+              <a:rPr lang="en-US" sz="1800" smtClean="0"/>
+              <a:t>descend </a:t>
+            </a:r>
+            <a:r>
+              <a:rPr lang="en-US" sz="1800" dirty="0"/>
+              <a:t>from the Ur version. The Old Babylonian </a:t>
             </a:r>
             <a:r>
               <a:rPr lang="en-US" sz="1800" dirty="0" err="1"/>
@@ -8203,7 +8298,7 @@
   <a:extraClrSchemeLst/>
   <a:extLst>
     <a:ext uri="{05A4C25C-085E-4340-85A3-A5531E510DB2}">
-      <thm15:themeFamily xmlns="" xmlns:thm15="http://schemas.microsoft.com/office/thememl/2012/main" name="Office Theme" id="{62F939B6-93AF-4DB8-9C6B-D6C7DFDC589F}" vid="{4A3C46E8-61CC-4603-A589-7422A47A8E4A}"/>
+      <thm15:themeFamily xmlns:thm15="http://schemas.microsoft.com/office/thememl/2012/main" name="Office Theme" id="{62F939B6-93AF-4DB8-9C6B-D6C7DFDC589F}" vid="{4A3C46E8-61CC-4603-A589-7422A47A8E4A}"/>
     </a:ext>
   </a:extLst>
 </a:theme>

--- a/presentations/HTRC-2018/poster-template.pptx
+++ b/presentations/HTRC-2018/poster-template.pptx
@@ -109,7 +109,7 @@
   </p:defaultTextStyle>
   <p:extLst>
     <p:ext uri="{EFAFB233-063F-42B5-8137-9DF3F51BA10A}">
-      <p15:sldGuideLst xmlns:p15="http://schemas.microsoft.com/office/powerpoint/2012/main">
+      <p15:sldGuideLst xmlns:p15="http://schemas.microsoft.com/office/powerpoint/2012/main" xmlns="">
         <p15:guide id="1" orient="horz" pos="6912">
           <p15:clr>
             <a:srgbClr val="A4A3A4"/>
@@ -123,7 +123,7 @@
       </p15:sldGuideLst>
     </p:ext>
     <p:ext uri="{2D200454-40CA-4A62-9FC3-DE9A4176ACB9}">
-      <p15:notesGuideLst xmlns:p15="http://schemas.microsoft.com/office/powerpoint/2012/main">
+      <p15:notesGuideLst xmlns:p15="http://schemas.microsoft.com/office/powerpoint/2012/main" xmlns="">
         <p15:guide id="1" orient="horz" pos="2926">
           <p15:clr>
             <a:srgbClr val="A4A3A4"/>
@@ -222,7 +222,7 @@
           <a:p>
             <a:fld id="{FF66CDD7-09B6-4BB3-9069-2B95837CCCB2}" type="datetimeFigureOut">
               <a:rPr lang="en-US" smtClean="0"/>
-              <a:t>1/23/18</a:t>
+              <a:t>1/23/2018</a:t>
             </a:fld>
             <a:endParaRPr lang="en-US"/>
           </a:p>
@@ -436,7 +436,7 @@
           <a:p>
             <a:fld id="{985D6BDF-9D0E-4E2B-85B8-D8F4790360C9}" type="datetimeFigureOut">
               <a:rPr lang="en-US" smtClean="0"/>
-              <a:t>1/23/18</a:t>
+              <a:t>1/23/2018</a:t>
             </a:fld>
             <a:endParaRPr lang="en-US" dirty="0"/>
           </a:p>
@@ -601,7 +601,7 @@
           <a:p>
             <a:fld id="{985D6BDF-9D0E-4E2B-85B8-D8F4790360C9}" type="datetimeFigureOut">
               <a:rPr lang="en-US" smtClean="0"/>
-              <a:t>1/23/18</a:t>
+              <a:t>1/23/2018</a:t>
             </a:fld>
             <a:endParaRPr lang="en-US" dirty="0"/>
           </a:p>
@@ -776,7 +776,7 @@
           <a:p>
             <a:fld id="{985D6BDF-9D0E-4E2B-85B8-D8F4790360C9}" type="datetimeFigureOut">
               <a:rPr lang="en-US" smtClean="0"/>
-              <a:t>1/23/18</a:t>
+              <a:t>1/23/2018</a:t>
             </a:fld>
             <a:endParaRPr lang="en-US" dirty="0"/>
           </a:p>
@@ -2451,7 +2451,7 @@
           <a:p>
             <a:fld id="{985D6BDF-9D0E-4E2B-85B8-D8F4790360C9}" type="datetimeFigureOut">
               <a:rPr lang="en-US" smtClean="0"/>
-              <a:t>1/23/18</a:t>
+              <a:t>1/23/2018</a:t>
             </a:fld>
             <a:endParaRPr lang="en-US" dirty="0"/>
           </a:p>
@@ -2692,7 +2692,7 @@
           <a:p>
             <a:fld id="{985D6BDF-9D0E-4E2B-85B8-D8F4790360C9}" type="datetimeFigureOut">
               <a:rPr lang="en-US" smtClean="0"/>
-              <a:t>1/23/18</a:t>
+              <a:t>1/23/2018</a:t>
             </a:fld>
             <a:endParaRPr lang="en-US" dirty="0"/>
           </a:p>
@@ -2919,7 +2919,7 @@
           <a:p>
             <a:fld id="{985D6BDF-9D0E-4E2B-85B8-D8F4790360C9}" type="datetimeFigureOut">
               <a:rPr lang="en-US" smtClean="0"/>
-              <a:t>1/23/18</a:t>
+              <a:t>1/23/2018</a:t>
             </a:fld>
             <a:endParaRPr lang="en-US" dirty="0"/>
           </a:p>
@@ -3281,7 +3281,7 @@
           <a:p>
             <a:fld id="{985D6BDF-9D0E-4E2B-85B8-D8F4790360C9}" type="datetimeFigureOut">
               <a:rPr lang="en-US" smtClean="0"/>
-              <a:t>1/23/18</a:t>
+              <a:t>1/23/2018</a:t>
             </a:fld>
             <a:endParaRPr lang="en-US" dirty="0"/>
           </a:p>
@@ -3394,7 +3394,7 @@
           <a:p>
             <a:fld id="{985D6BDF-9D0E-4E2B-85B8-D8F4790360C9}" type="datetimeFigureOut">
               <a:rPr lang="en-US" smtClean="0"/>
-              <a:t>1/23/18</a:t>
+              <a:t>1/23/2018</a:t>
             </a:fld>
             <a:endParaRPr lang="en-US" dirty="0"/>
           </a:p>
@@ -3484,7 +3484,7 @@
           <a:p>
             <a:fld id="{985D6BDF-9D0E-4E2B-85B8-D8F4790360C9}" type="datetimeFigureOut">
               <a:rPr lang="en-US" smtClean="0"/>
-              <a:t>1/23/18</a:t>
+              <a:t>1/23/2018</a:t>
             </a:fld>
             <a:endParaRPr lang="en-US" dirty="0"/>
           </a:p>
@@ -3756,7 +3756,7 @@
           <a:p>
             <a:fld id="{985D6BDF-9D0E-4E2B-85B8-D8F4790360C9}" type="datetimeFigureOut">
               <a:rPr lang="en-US" smtClean="0"/>
-              <a:t>1/23/18</a:t>
+              <a:t>1/23/2018</a:t>
             </a:fld>
             <a:endParaRPr lang="en-US" dirty="0"/>
           </a:p>
@@ -4004,7 +4004,7 @@
           <a:p>
             <a:fld id="{985D6BDF-9D0E-4E2B-85B8-D8F4790360C9}" type="datetimeFigureOut">
               <a:rPr lang="en-US" smtClean="0"/>
-              <a:t>1/23/18</a:t>
+              <a:t>1/23/2018</a:t>
             </a:fld>
             <a:endParaRPr lang="en-US" dirty="0"/>
           </a:p>
@@ -4212,7 +4212,7 @@
           <a:p>
             <a:fld id="{985D6BDF-9D0E-4E2B-85B8-D8F4790360C9}" type="datetimeFigureOut">
               <a:rPr lang="en-US" smtClean="0"/>
-              <a:t>1/23/18</a:t>
+              <a:t>1/23/2018</a:t>
             </a:fld>
             <a:endParaRPr lang="en-US" dirty="0"/>
           </a:p>
@@ -5044,8 +5044,8 @@
         </p:nvSpPr>
         <p:spPr>
           <a:xfrm>
-            <a:off x="1352793" y="20025359"/>
-            <a:ext cx="7770550" cy="1280556"/>
+            <a:off x="1352793" y="20136482"/>
+            <a:ext cx="7770550" cy="1058311"/>
           </a:xfrm>
           <a:prstGeom prst="rect">
             <a:avLst/>
@@ -5132,8 +5132,8 @@
         </p:nvSpPr>
         <p:spPr>
           <a:xfrm>
-            <a:off x="1280161" y="19615925"/>
-            <a:ext cx="1450230" cy="557282"/>
+            <a:off x="1352793" y="19691753"/>
+            <a:ext cx="1450230" cy="460564"/>
           </a:xfrm>
           <a:prstGeom prst="rect">
             <a:avLst/>
@@ -5161,8 +5161,8 @@
         </p:nvSpPr>
         <p:spPr>
           <a:xfrm>
-            <a:off x="16459200" y="20025359"/>
-            <a:ext cx="14630400" cy="1463040"/>
+            <a:off x="16459200" y="20152317"/>
+            <a:ext cx="14630400" cy="1209124"/>
           </a:xfrm>
           <a:prstGeom prst="rect">
             <a:avLst/>
@@ -5477,61 +5477,31 @@
               <a:rPr lang="en-US" sz="2000" dirty="0" smtClean="0">
                 <a:latin typeface="Calibri" pitchFamily="34" charset="0"/>
               </a:rPr>
-              <a:t>Scholars will </a:t>
+              <a:t>Scholars will assess the relationship between two versions of a lexical text by looking at </a:t>
+            </a:r>
+            <a:r>
+              <a:rPr lang="en-US" sz="2000" b="1" dirty="0" smtClean="0">
+                <a:latin typeface="Calibri" pitchFamily="34" charset="0"/>
+              </a:rPr>
+              <a:t>presence/absence</a:t>
             </a:r>
             <a:r>
               <a:rPr lang="en-US" sz="2000" dirty="0" smtClean="0">
                 <a:latin typeface="Calibri" pitchFamily="34" charset="0"/>
               </a:rPr>
-              <a:t>assess </a:t>
+              <a:t> of entries, </a:t>
+            </a:r>
+            <a:r>
+              <a:rPr lang="en-US" sz="2000" b="1" dirty="0" smtClean="0">
+                <a:latin typeface="Calibri" pitchFamily="34" charset="0"/>
+              </a:rPr>
+              <a:t>order</a:t>
             </a:r>
             <a:r>
               <a:rPr lang="en-US" sz="2000" dirty="0" smtClean="0">
                 <a:latin typeface="Calibri" pitchFamily="34" charset="0"/>
               </a:rPr>
-              <a:t>the relationship between two versions of a lexical text by looking at </a:t>
-            </a:r>
-            <a:r>
-              <a:rPr lang="en-US" sz="2000" b="1" dirty="0" smtClean="0">
-                <a:latin typeface="Calibri" pitchFamily="34" charset="0"/>
-              </a:rPr>
-              <a:t>presence/absence</a:t>
-            </a:r>
-            <a:r>
-              <a:rPr lang="en-US" sz="2000" dirty="0" smtClean="0">
-                <a:latin typeface="Calibri" pitchFamily="34" charset="0"/>
-              </a:rPr>
-              <a:t> of </a:t>
-            </a:r>
-            <a:r>
-              <a:rPr lang="en-US" sz="2000" dirty="0" smtClean="0">
-                <a:latin typeface="Calibri" pitchFamily="34" charset="0"/>
-              </a:rPr>
-              <a:t>entries, </a:t>
-            </a:r>
-            <a:r>
-              <a:rPr lang="en-US" sz="2000" b="1" dirty="0" smtClean="0">
-                <a:latin typeface="Calibri" pitchFamily="34" charset="0"/>
-              </a:rPr>
-              <a:t>order</a:t>
-            </a:r>
-            <a:r>
-              <a:rPr lang="en-US" sz="2000" dirty="0" smtClean="0">
-                <a:latin typeface="Calibri" pitchFamily="34" charset="0"/>
-              </a:rPr>
-              <a:t> of entries within a </a:t>
-            </a:r>
-            <a:r>
-              <a:rPr lang="en-US" sz="2000" dirty="0" smtClean="0">
-                <a:latin typeface="Calibri" pitchFamily="34" charset="0"/>
-              </a:rPr>
-              <a:t>section, </a:t>
-            </a:r>
-            <a:r>
-              <a:rPr lang="en-US" sz="2000" dirty="0" smtClean="0">
-                <a:latin typeface="Calibri" pitchFamily="34" charset="0"/>
-              </a:rPr>
-              <a:t>and </a:t>
+              <a:t> of entries within a section, and </a:t>
             </a:r>
             <a:r>
               <a:rPr lang="en-US" sz="2000" b="1" dirty="0" smtClean="0">
@@ -6298,25 +6268,7 @@
               <a:rPr lang="en-US" sz="2000" dirty="0" smtClean="0">
                 <a:latin typeface="+mn-lt"/>
               </a:rPr>
-              <a:t>format, is used in </a:t>
-            </a:r>
-            <a:r>
-              <a:rPr lang="en-US" sz="2000" dirty="0" smtClean="0">
-                <a:latin typeface="+mn-lt"/>
-              </a:rPr>
-              <a:t>our</a:t>
-            </a:r>
-            <a:r>
-              <a:rPr lang="en-US" sz="2000" dirty="0" smtClean="0">
-                <a:latin typeface="+mn-lt"/>
-              </a:rPr>
-              <a:t> analyses</a:t>
-            </a:r>
-            <a:r>
-              <a:rPr lang="en-US" sz="2000" dirty="0" smtClean="0">
-                <a:latin typeface="+mn-lt"/>
-              </a:rPr>
-              <a:t>. Data consist of c</a:t>
+              <a:t>format, is used in our analyses. Data consist of c</a:t>
             </a:r>
             <a:r>
               <a:rPr lang="en-US" sz="2000" dirty="0" smtClean="0">
@@ -6567,7 +6519,7 @@
           <p:nvPr>
             <p:extLst>
               <p:ext uri="{D42A27DB-BD31-4B8C-83A1-F6EECF244321}">
-                <p14:modId xmlns:p14="http://schemas.microsoft.com/office/powerpoint/2010/main" val="2042920076"/>
+                <p14:modId xmlns:p14="http://schemas.microsoft.com/office/powerpoint/2010/main" val="1857329963"/>
               </p:ext>
             </p:extLst>
           </p:nvPr>
@@ -6685,7 +6637,7 @@
                     <a:p>
                       <a:r>
                         <a:rPr lang="en-US" sz="2000" dirty="0" smtClean="0"/>
-                        <a:t>Exemplar 1</a:t>
+                        <a:t>P459216</a:t>
                       </a:r>
                       <a:endParaRPr lang="en-US" sz="2000" dirty="0"/>
                     </a:p>
@@ -6757,7 +6709,7 @@
                     <a:p>
                       <a:r>
                         <a:rPr lang="en-US" sz="2000" dirty="0" smtClean="0"/>
-                        <a:t>Exemplar 2</a:t>
+                        <a:t>P253866</a:t>
                       </a:r>
                       <a:endParaRPr lang="en-US" sz="2000" dirty="0"/>
                     </a:p>
@@ -6829,7 +6781,7 @@
                     <a:p>
                       <a:r>
                         <a:rPr lang="en-US" sz="2000" dirty="0" smtClean="0"/>
-                        <a:t>Exemplar 3</a:t>
+                        <a:t>P332930</a:t>
                       </a:r>
                       <a:endParaRPr lang="en-US" sz="2000" dirty="0"/>
                     </a:p>
@@ -7108,11 +7060,7 @@
           <a:p>
             <a:r>
               <a:rPr lang="en-US" sz="1600" dirty="0" smtClean="0"/>
-              <a:t>The section “bow” is defined by a sequence of lemmas that share a sequence of at least 3 characters either in the Sumerian Citation Form or in the English </a:t>
-            </a:r>
-            <a:r>
-              <a:rPr lang="en-US" sz="1600" dirty="0" smtClean="0"/>
-              <a:t>guide </a:t>
+              <a:t>The section “bow” is defined by a sequence of lemmas that share a sequence of at least 3 characters either in the Sumerian Citation Form or in the English guide </a:t>
             </a:r>
             <a:r>
               <a:rPr lang="en-US" sz="1600" dirty="0"/>
@@ -7120,27 +7068,7 @@
             </a:r>
             <a:r>
               <a:rPr lang="en-US" sz="1600" dirty="0" smtClean="0"/>
-              <a:t>ord</a:t>
-            </a:r>
-            <a:r>
-              <a:rPr lang="en-US" sz="1600" dirty="0" smtClean="0"/>
-              <a:t>. Square brackets and </a:t>
-            </a:r>
-            <a:r>
-              <a:rPr lang="en-US" sz="1600" dirty="0" smtClean="0"/>
-              <a:t>part </a:t>
-            </a:r>
-            <a:r>
-              <a:rPr lang="en-US" sz="1600" dirty="0" smtClean="0"/>
-              <a:t>of </a:t>
-            </a:r>
-            <a:r>
-              <a:rPr lang="en-US" sz="1600" dirty="0" smtClean="0"/>
-              <a:t>speech </a:t>
-            </a:r>
-            <a:r>
-              <a:rPr lang="en-US" sz="1600" dirty="0" smtClean="0"/>
-              <a:t>are ignored. The word for “trap” is the beginning of a new section</a:t>
+              <a:t>ord. Square brackets and part of speech are ignored. The word for “trap” is the beginning of a new section</a:t>
             </a:r>
             <a:endParaRPr lang="en-US" sz="1600" dirty="0"/>
           </a:p>
@@ -7597,9 +7525,6 @@
               </a:rPr>
               <a:t>exical lists and genomic data share characteristics making similar approaches appropriate. </a:t>
             </a:r>
-            <a:endParaRPr lang="en-US" sz="2000" dirty="0" smtClean="0">
-              <a:latin typeface="Calibri" pitchFamily="34" charset="0"/>
-            </a:endParaRPr>
           </a:p>
           <a:p>
             <a:pPr marL="342900" indent="-342900" eaLnBrk="1" hangingPunct="1">
@@ -7610,13 +7535,7 @@
               <a:rPr lang="en-US" sz="2000" dirty="0" smtClean="0">
                 <a:latin typeface="Calibri" pitchFamily="34" charset="0"/>
               </a:rPr>
-              <a:t>Texts </a:t>
-            </a:r>
-            <a:r>
-              <a:rPr lang="en-US" sz="2000" dirty="0" smtClean="0">
-                <a:latin typeface="Calibri" pitchFamily="34" charset="0"/>
-              </a:rPr>
-              <a:t>with ordered information</a:t>
+              <a:t>Texts with ordered information</a:t>
             </a:r>
           </a:p>
           <a:p>
@@ -7877,14 +7796,10 @@
             </a:r>
             <a:r>
               <a:rPr lang="en-US" sz="1800" dirty="0"/>
-              <a:t>tree closely aligns P346714 (from Ur) with P250364 (unknown provenance). P250364 certainly does not come from Ur but may </a:t>
-            </a:r>
-            <a:r>
-              <a:rPr lang="en-US" sz="1800"/>
-              <a:t>well </a:t>
-            </a:r>
-            <a:r>
-              <a:rPr lang="en-US" sz="1800" smtClean="0"/>
+              <a:t>tree closely aligns P346714 (from Ur) with P250364 (unknown provenance). P250364 certainly does not come from Ur but may well </a:t>
+            </a:r>
+            <a:r>
+              <a:rPr lang="en-US" sz="1800" dirty="0" smtClean="0"/>
               <a:t>descend </a:t>
             </a:r>
             <a:r>
@@ -8298,7 +8213,7 @@
   <a:extraClrSchemeLst/>
   <a:extLst>
     <a:ext uri="{05A4C25C-085E-4340-85A3-A5531E510DB2}">
-      <thm15:themeFamily xmlns:thm15="http://schemas.microsoft.com/office/thememl/2012/main" name="Office Theme" id="{62F939B6-93AF-4DB8-9C6B-D6C7DFDC589F}" vid="{4A3C46E8-61CC-4603-A589-7422A47A8E4A}"/>
+      <thm15:themeFamily xmlns:thm15="http://schemas.microsoft.com/office/thememl/2012/main" xmlns="" name="Office Theme" id="{62F939B6-93AF-4DB8-9C6B-D6C7DFDC589F}" vid="{4A3C46E8-61CC-4603-A589-7422A47A8E4A}"/>
     </a:ext>
   </a:extLst>
 </a:theme>
